--- a/simple-general-purpose-powerpoint-template.pptx
+++ b/simple-general-purpose-powerpoint-template.pptx
@@ -5,10 +5,10 @@
     <p:sldMasterId id="2147483675" r:id="rId1"/>
   </p:sldMasterIdLst>
   <p:notesMasterIdLst>
-    <p:notesMasterId r:id="rId14"/>
+    <p:notesMasterId r:id="rId15"/>
   </p:notesMasterIdLst>
   <p:handoutMasterIdLst>
-    <p:handoutMasterId r:id="rId15"/>
+    <p:handoutMasterId r:id="rId16"/>
   </p:handoutMasterIdLst>
   <p:sldIdLst>
     <p:sldId id="276" r:id="rId2"/>
@@ -22,7 +22,8 @@
     <p:sldId id="295" r:id="rId10"/>
     <p:sldId id="296" r:id="rId11"/>
     <p:sldId id="291" r:id="rId12"/>
-    <p:sldId id="290" r:id="rId13"/>
+    <p:sldId id="297" r:id="rId13"/>
+    <p:sldId id="290" r:id="rId14"/>
   </p:sldIdLst>
   <p:sldSz cx="12188825" cy="6858000"/>
   <p:notesSz cx="6858000" cy="9144000"/>
@@ -14123,35 +14124,9 @@
           <a:lstStyle/>
           <a:p>
             <a:r>
-              <a:rPr lang="en-US"/>
-              <a:t>Timeline Slide</a:t>
+              <a:rPr lang="en-US" dirty="0"/>
+              <a:t>Developing React Component Using Material Design</a:t>
             </a:r>
-            <a:endParaRPr lang="en-US" dirty="0"/>
-          </a:p>
-        </p:txBody>
-      </p:sp>
-      <p:sp>
-        <p:nvSpPr>
-          <p:cNvPr id="3" name="Picture Placeholder 2">
-            <a:extLst>
-              <a:ext uri="{FF2B5EF4-FFF2-40B4-BE49-F238E27FC236}">
-                <a16:creationId xmlns:a16="http://schemas.microsoft.com/office/drawing/2014/main" id="{266D329F-FFE7-2E47-B882-F9C5FB518321}"/>
-              </a:ext>
-            </a:extLst>
-          </p:cNvPr>
-          <p:cNvSpPr>
-            <a:spLocks noGrp="1"/>
-          </p:cNvSpPr>
-          <p:nvPr>
-            <p:ph type="pic" sz="quarter" idx="13"/>
-          </p:nvPr>
-        </p:nvSpPr>
-        <p:spPr/>
-        <p:txBody>
-          <a:bodyPr/>
-          <a:lstStyle/>
-          <a:p>
-            <a:endParaRPr lang="en-IN"/>
           </a:p>
         </p:txBody>
       </p:sp>
@@ -14352,7 +14327,7 @@
                   <a:ea typeface="Segoe UI" panose="020B0502040204020203" pitchFamily="34" charset="0"/>
                   <a:cs typeface="Segoe UI" panose="020B0502040204020203" pitchFamily="34" charset="0"/>
                 </a:rPr>
-                <a:t>Edit this text</a:t>
+                <a:t>Analysis </a:t>
               </a:r>
             </a:p>
           </p:txBody>
@@ -14535,7 +14510,7 @@
                   <a:ea typeface="Segoe UI" panose="020B0502040204020203" pitchFamily="34" charset="0"/>
                   <a:cs typeface="Segoe UI" panose="020B0502040204020203" pitchFamily="34" charset="0"/>
                 </a:rPr>
-                <a:t>Edit this text. You can edit this text.</a:t>
+                <a:t>Visual Design Provided By Stakeholder in form of Figma or Photoshop etc.</a:t>
               </a:r>
             </a:p>
           </p:txBody>
@@ -14709,7 +14684,7 @@
             <a:lstStyle/>
             <a:p>
               <a:pPr algn="ctr"/>
-              <a:endParaRPr lang="en-US">
+              <a:endParaRPr lang="en-US" dirty="0">
                 <a:latin typeface="Segoe UI" panose="020B0502040204020203" pitchFamily="34" charset="0"/>
                 <a:ea typeface="Segoe UI" panose="020B0502040204020203" pitchFamily="34" charset="0"/>
                 <a:cs typeface="Segoe UI" panose="020B0502040204020203" pitchFamily="34" charset="0"/>
@@ -14886,7 +14861,7 @@
                 <a:buNone/>
               </a:pPr>
               <a:r>
-                <a:rPr lang="en-US" sz="1600" b="1">
+                <a:rPr lang="en-US" sz="1600" b="1" dirty="0">
                   <a:solidFill>
                     <a:schemeClr val="accent1"/>
                   </a:solidFill>
@@ -14894,16 +14869,8 @@
                   <a:ea typeface="Segoe UI" panose="020B0502040204020203" pitchFamily="34" charset="0"/>
                   <a:cs typeface="Segoe UI" panose="020B0502040204020203" pitchFamily="34" charset="0"/>
                 </a:rPr>
-                <a:t>2022</a:t>
+                <a:t>1</a:t>
               </a:r>
-              <a:endParaRPr lang="en-US" sz="1600" b="1" dirty="0">
-                <a:solidFill>
-                  <a:schemeClr val="accent1"/>
-                </a:solidFill>
-                <a:latin typeface="Segoe UI" panose="020B0502040204020203" pitchFamily="34" charset="0"/>
-                <a:ea typeface="Segoe UI" panose="020B0502040204020203" pitchFamily="34" charset="0"/>
-                <a:cs typeface="Segoe UI" panose="020B0502040204020203" pitchFamily="34" charset="0"/>
-              </a:endParaRPr>
             </a:p>
           </p:txBody>
         </p:sp>
@@ -15084,7 +15051,7 @@
                   <a:ea typeface="Segoe UI" panose="020B0502040204020203" pitchFamily="34" charset="0"/>
                   <a:cs typeface="Segoe UI" panose="020B0502040204020203" pitchFamily="34" charset="0"/>
                 </a:rPr>
-                <a:t>Edit this text</a:t>
+                <a:t>UX Design</a:t>
               </a:r>
             </a:p>
           </p:txBody>
@@ -15287,7 +15254,7 @@
                   <a:ea typeface="Segoe UI" panose="020B0502040204020203" pitchFamily="34" charset="0"/>
                   <a:cs typeface="Segoe UI" panose="020B0502040204020203" pitchFamily="34" charset="0"/>
                 </a:rPr>
-                <a:t>Edit this text</a:t>
+                <a:t>Create Skeleton</a:t>
               </a:r>
             </a:p>
           </p:txBody>
@@ -15470,26 +15437,7 @@
                   <a:ea typeface="Segoe UI" panose="020B0502040204020203" pitchFamily="34" charset="0"/>
                   <a:cs typeface="Segoe UI" panose="020B0502040204020203" pitchFamily="34" charset="0"/>
                 </a:rPr>
-                <a:t>Edit this text. You can edit this text.</a:t>
-              </a:r>
-            </a:p>
-            <a:p>
-              <a:pPr marL="0" indent="0" algn="ctr">
-                <a:buNone/>
-              </a:pPr>
-              <a:r>
-                <a:rPr lang="en-US" sz="1600" dirty="0">
-                  <a:solidFill>
-                    <a:schemeClr val="tx1">
-                      <a:lumMod val="75000"/>
-                      <a:lumOff val="25000"/>
-                    </a:schemeClr>
-                  </a:solidFill>
-                  <a:latin typeface="Segoe UI" panose="020B0502040204020203" pitchFamily="34" charset="0"/>
-                  <a:ea typeface="Segoe UI" panose="020B0502040204020203" pitchFamily="34" charset="0"/>
-                  <a:cs typeface="Segoe UI" panose="020B0502040204020203" pitchFamily="34" charset="0"/>
-                </a:rPr>
-                <a:t> Edit this text. You can edit this text.</a:t>
+                <a:t>Create React Component Using Material Design </a:t>
               </a:r>
             </a:p>
           </p:txBody>
@@ -15840,7 +15788,7 @@
                 <a:buNone/>
               </a:pPr>
               <a:r>
-                <a:rPr lang="en-US" sz="1600" b="1">
+                <a:rPr lang="en-US" sz="1600" b="1" dirty="0">
                   <a:solidFill>
                     <a:schemeClr val="accent1"/>
                   </a:solidFill>
@@ -15848,16 +15796,8 @@
                   <a:ea typeface="Segoe UI" panose="020B0502040204020203" pitchFamily="34" charset="0"/>
                   <a:cs typeface="Segoe UI" panose="020B0502040204020203" pitchFamily="34" charset="0"/>
                 </a:rPr>
-                <a:t>2023</a:t>
+                <a:t>2</a:t>
               </a:r>
-              <a:endParaRPr lang="en-US" sz="1600" b="1" dirty="0">
-                <a:solidFill>
-                  <a:schemeClr val="accent1"/>
-                </a:solidFill>
-                <a:latin typeface="Segoe UI" panose="020B0502040204020203" pitchFamily="34" charset="0"/>
-                <a:ea typeface="Segoe UI" panose="020B0502040204020203" pitchFamily="34" charset="0"/>
-                <a:cs typeface="Segoe UI" panose="020B0502040204020203" pitchFamily="34" charset="0"/>
-              </a:endParaRPr>
             </a:p>
           </p:txBody>
         </p:sp>
@@ -16038,7 +15978,7 @@
                   <a:ea typeface="Segoe UI" panose="020B0502040204020203" pitchFamily="34" charset="0"/>
                   <a:cs typeface="Segoe UI" panose="020B0502040204020203" pitchFamily="34" charset="0"/>
                 </a:rPr>
-                <a:t>Edit this text</a:t>
+                <a:t>Material Design</a:t>
               </a:r>
             </a:p>
           </p:txBody>
@@ -16241,7 +16181,7 @@
                   <a:ea typeface="Segoe UI" panose="020B0502040204020203" pitchFamily="34" charset="0"/>
                   <a:cs typeface="Segoe UI" panose="020B0502040204020203" pitchFamily="34" charset="0"/>
                 </a:rPr>
-                <a:t>Edit this text</a:t>
+                <a:t>Override</a:t>
               </a:r>
             </a:p>
           </p:txBody>
@@ -16424,26 +16364,7 @@
                   <a:ea typeface="Segoe UI" panose="020B0502040204020203" pitchFamily="34" charset="0"/>
                   <a:cs typeface="Segoe UI" panose="020B0502040204020203" pitchFamily="34" charset="0"/>
                 </a:rPr>
-                <a:t>Edit this text. </a:t>
-              </a:r>
-            </a:p>
-            <a:p>
-              <a:pPr marL="0" indent="0" algn="ctr">
-                <a:buNone/>
-              </a:pPr>
-              <a:r>
-                <a:rPr lang="en-US" sz="1600" dirty="0">
-                  <a:solidFill>
-                    <a:schemeClr val="tx1">
-                      <a:lumMod val="75000"/>
-                      <a:lumOff val="25000"/>
-                    </a:schemeClr>
-                  </a:solidFill>
-                  <a:latin typeface="Segoe UI" panose="020B0502040204020203" pitchFamily="34" charset="0"/>
-                  <a:ea typeface="Segoe UI" panose="020B0502040204020203" pitchFamily="34" charset="0"/>
-                  <a:cs typeface="Segoe UI" panose="020B0502040204020203" pitchFamily="34" charset="0"/>
-                </a:rPr>
-                <a:t>You can edit this text.</a:t>
+                <a:t>Customize Material Design Component as per provided Visuals</a:t>
               </a:r>
             </a:p>
           </p:txBody>
@@ -16794,7 +16715,7 @@
                 <a:buNone/>
               </a:pPr>
               <a:r>
-                <a:rPr lang="en-US" sz="1600" b="1">
+                <a:rPr lang="en-US" sz="1600" b="1" dirty="0">
                   <a:solidFill>
                     <a:schemeClr val="accent1"/>
                   </a:solidFill>
@@ -16802,16 +16723,8 @@
                   <a:ea typeface="Segoe UI" panose="020B0502040204020203" pitchFamily="34" charset="0"/>
                   <a:cs typeface="Segoe UI" panose="020B0502040204020203" pitchFamily="34" charset="0"/>
                 </a:rPr>
-                <a:t>2024</a:t>
+                <a:t>3</a:t>
               </a:r>
-              <a:endParaRPr lang="en-US" sz="1600" b="1" dirty="0">
-                <a:solidFill>
-                  <a:schemeClr val="accent1"/>
-                </a:solidFill>
-                <a:latin typeface="Segoe UI" panose="020B0502040204020203" pitchFamily="34" charset="0"/>
-                <a:ea typeface="Segoe UI" panose="020B0502040204020203" pitchFamily="34" charset="0"/>
-                <a:cs typeface="Segoe UI" panose="020B0502040204020203" pitchFamily="34" charset="0"/>
-              </a:endParaRPr>
             </a:p>
           </p:txBody>
         </p:sp>
@@ -16992,7 +16905,7 @@
                   <a:ea typeface="Segoe UI" panose="020B0502040204020203" pitchFamily="34" charset="0"/>
                   <a:cs typeface="Segoe UI" panose="020B0502040204020203" pitchFamily="34" charset="0"/>
                 </a:rPr>
-                <a:t>Edit this text</a:t>
+                <a:t>Customization</a:t>
               </a:r>
             </a:p>
           </p:txBody>
@@ -17195,7 +17108,7 @@
                   <a:ea typeface="Segoe UI" panose="020B0502040204020203" pitchFamily="34" charset="0"/>
                   <a:cs typeface="Segoe UI" panose="020B0502040204020203" pitchFamily="34" charset="0"/>
                 </a:rPr>
-                <a:t>Edit this text</a:t>
+                <a:t>Review</a:t>
               </a:r>
             </a:p>
           </p:txBody>
@@ -17378,7 +17291,7 @@
                   <a:ea typeface="Segoe UI" panose="020B0502040204020203" pitchFamily="34" charset="0"/>
                   <a:cs typeface="Segoe UI" panose="020B0502040204020203" pitchFamily="34" charset="0"/>
                 </a:rPr>
-                <a:t>Edit this text. You can edit this text.</a:t>
+                <a:t>Review design in all viewport </a:t>
               </a:r>
             </a:p>
           </p:txBody>
@@ -17729,7 +17642,7 @@
                 <a:buNone/>
               </a:pPr>
               <a:r>
-                <a:rPr lang="en-US" sz="1600" b="1">
+                <a:rPr lang="en-US" sz="1600" b="1" dirty="0">
                   <a:solidFill>
                     <a:schemeClr val="accent1"/>
                   </a:solidFill>
@@ -17737,16 +17650,8 @@
                   <a:ea typeface="Segoe UI" panose="020B0502040204020203" pitchFamily="34" charset="0"/>
                   <a:cs typeface="Segoe UI" panose="020B0502040204020203" pitchFamily="34" charset="0"/>
                 </a:rPr>
-                <a:t>2025</a:t>
+                <a:t>4</a:t>
               </a:r>
-              <a:endParaRPr lang="en-US" sz="1600" b="1" dirty="0">
-                <a:solidFill>
-                  <a:schemeClr val="accent1"/>
-                </a:solidFill>
-                <a:latin typeface="Segoe UI" panose="020B0502040204020203" pitchFamily="34" charset="0"/>
-                <a:ea typeface="Segoe UI" panose="020B0502040204020203" pitchFamily="34" charset="0"/>
-                <a:cs typeface="Segoe UI" panose="020B0502040204020203" pitchFamily="34" charset="0"/>
-              </a:endParaRPr>
             </a:p>
           </p:txBody>
         </p:sp>
@@ -17927,7 +17832,7 @@
                   <a:ea typeface="Segoe UI" panose="020B0502040204020203" pitchFamily="34" charset="0"/>
                   <a:cs typeface="Segoe UI" panose="020B0502040204020203" pitchFamily="34" charset="0"/>
                 </a:rPr>
-                <a:t>Edit this text</a:t>
+                <a:t>Test</a:t>
               </a:r>
             </a:p>
           </p:txBody>
@@ -17948,9 +17853,9 @@
         <p:grpSpPr>
           <a:xfrm>
             <a:off x="9761816" y="1556880"/>
-            <a:ext cx="2173255" cy="3855732"/>
+            <a:ext cx="2173255" cy="3205700"/>
             <a:chOff x="334012" y="2050895"/>
-            <a:chExt cx="2173255" cy="3855732"/>
+            <a:chExt cx="2173255" cy="3205700"/>
           </a:xfrm>
         </p:grpSpPr>
         <p:sp>
@@ -18130,7 +18035,7 @@
                   <a:ea typeface="Segoe UI" panose="020B0502040204020203" pitchFamily="34" charset="0"/>
                   <a:cs typeface="Segoe UI" panose="020B0502040204020203" pitchFamily="34" charset="0"/>
                 </a:rPr>
-                <a:t>Edit this text</a:t>
+                <a:t>Done</a:t>
               </a:r>
             </a:p>
           </p:txBody>
@@ -18313,7 +18218,7 @@
                   <a:ea typeface="Segoe UI" panose="020B0502040204020203" pitchFamily="34" charset="0"/>
                   <a:cs typeface="Segoe UI" panose="020B0502040204020203" pitchFamily="34" charset="0"/>
                 </a:rPr>
-                <a:t>Edit this text. You can edit this text.</a:t>
+                <a:t>Deployment</a:t>
               </a:r>
             </a:p>
           </p:txBody>
@@ -18670,7 +18575,7 @@
                 <a:buNone/>
               </a:pPr>
               <a:r>
-                <a:rPr lang="en-US" sz="1600" b="1">
+                <a:rPr lang="en-US" sz="1600" b="1" dirty="0">
                   <a:solidFill>
                     <a:schemeClr val="accent1"/>
                   </a:solidFill>
@@ -18678,12 +18583,671 @@
                   <a:ea typeface="Segoe UI" panose="020B0502040204020203" pitchFamily="34" charset="0"/>
                   <a:cs typeface="Segoe UI" panose="020B0502040204020203" pitchFamily="34" charset="0"/>
                 </a:rPr>
-                <a:t>2026</a:t>
+                <a:t>5</a:t>
               </a:r>
-              <a:endParaRPr lang="en-US" sz="1600" b="1" dirty="0">
-                <a:solidFill>
-                  <a:schemeClr val="accent1"/>
-                </a:solidFill>
+            </a:p>
+          </p:txBody>
+        </p:sp>
+      </p:grpSp>
+      <p:sp>
+        <p:nvSpPr>
+          <p:cNvPr id="76" name="Slide Number Placeholder 12">
+            <a:extLst>
+              <a:ext uri="{FF2B5EF4-FFF2-40B4-BE49-F238E27FC236}">
+                <a16:creationId xmlns:a16="http://schemas.microsoft.com/office/drawing/2014/main" id="{FDB46AE9-8C9D-4F4D-989B-52AF1C713940}"/>
+              </a:ext>
+            </a:extLst>
+          </p:cNvPr>
+          <p:cNvSpPr>
+            <a:spLocks noGrp="1"/>
+          </p:cNvSpPr>
+          <p:nvPr>
+            <p:ph type="sldNum" sz="quarter" idx="12"/>
+          </p:nvPr>
+        </p:nvSpPr>
+        <p:spPr>
+          <a:xfrm>
+            <a:off x="304720" y="6448251"/>
+            <a:ext cx="2844059" cy="365125"/>
+          </a:xfrm>
+        </p:spPr>
+        <p:txBody>
+          <a:bodyPr/>
+          <a:lstStyle/>
+          <a:p>
+            <a:pPr algn="l"/>
+            <a:fld id="{96E69268-9C8B-4EBF-A9EE-DC5DC2D48DC3}" type="slidenum">
+              <a:rPr lang="en-US" sz="1400" smtClean="0">
+                <a:solidFill>
+                  <a:schemeClr val="bg1"/>
+                </a:solidFill>
+              </a:rPr>
+              <a:pPr algn="l"/>
+              <a:t>11</a:t>
+            </a:fld>
+            <a:endParaRPr lang="en-US" sz="1400">
+              <a:solidFill>
+                <a:schemeClr val="bg1"/>
+              </a:solidFill>
+            </a:endParaRPr>
+          </a:p>
+        </p:txBody>
+      </p:sp>
+    </p:spTree>
+    <p:extLst>
+      <p:ext uri="{BB962C8B-B14F-4D97-AF65-F5344CB8AC3E}">
+        <p14:creationId xmlns:p14="http://schemas.microsoft.com/office/powerpoint/2010/main" val="1589484016"/>
+      </p:ext>
+    </p:extLst>
+  </p:cSld>
+  <p:clrMapOvr>
+    <a:masterClrMapping/>
+  </p:clrMapOvr>
+</p:sld>
+</file>
+
+<file path=ppt/slides/slide12.xml><?xml version="1.0" encoding="utf-8"?>
+<p:sld xmlns:a="http://schemas.openxmlformats.org/drawingml/2006/main" xmlns:r="http://schemas.openxmlformats.org/officeDocument/2006/relationships" xmlns:p="http://schemas.openxmlformats.org/presentationml/2006/main">
+  <p:cSld>
+    <p:spTree>
+      <p:nvGrpSpPr>
+        <p:cNvPr id="1" name=""/>
+        <p:cNvGrpSpPr/>
+        <p:nvPr/>
+      </p:nvGrpSpPr>
+      <p:grpSpPr>
+        <a:xfrm>
+          <a:off x="0" y="0"/>
+          <a:ext cx="0" cy="0"/>
+          <a:chOff x="0" y="0"/>
+          <a:chExt cx="0" cy="0"/>
+        </a:xfrm>
+      </p:grpSpPr>
+      <p:sp>
+        <p:nvSpPr>
+          <p:cNvPr id="2" name="Заголовок 1">
+            <a:extLst>
+              <a:ext uri="{FF2B5EF4-FFF2-40B4-BE49-F238E27FC236}">
+                <a16:creationId xmlns:a16="http://schemas.microsoft.com/office/drawing/2014/main" id="{B2B67A02-22D2-BE49-A13F-BC1F3AFCFEAC}"/>
+              </a:ext>
+            </a:extLst>
+          </p:cNvPr>
+          <p:cNvSpPr>
+            <a:spLocks noGrp="1"/>
+          </p:cNvSpPr>
+          <p:nvPr>
+            <p:ph type="title"/>
+          </p:nvPr>
+        </p:nvSpPr>
+        <p:spPr/>
+        <p:txBody>
+          <a:bodyPr>
+            <a:normAutofit/>
+          </a:bodyPr>
+          <a:lstStyle/>
+          <a:p>
+            <a:r>
+              <a:rPr lang="en-US" dirty="0"/>
+              <a:t>Developing React Component Using Tailwind Design</a:t>
+            </a:r>
+          </a:p>
+        </p:txBody>
+      </p:sp>
+      <p:grpSp>
+        <p:nvGrpSpPr>
+          <p:cNvPr id="8" name="Group 7">
+            <a:extLst>
+              <a:ext uri="{FF2B5EF4-FFF2-40B4-BE49-F238E27FC236}">
+                <a16:creationId xmlns:a16="http://schemas.microsoft.com/office/drawing/2014/main" id="{068C2D30-1799-BA40-9B09-D6C330C22E68}"/>
+              </a:ext>
+            </a:extLst>
+          </p:cNvPr>
+          <p:cNvGrpSpPr/>
+          <p:nvPr/>
+        </p:nvGrpSpPr>
+        <p:grpSpPr>
+          <a:xfrm>
+            <a:off x="334012" y="2050895"/>
+            <a:ext cx="2173255" cy="3855732"/>
+            <a:chOff x="334012" y="2050895"/>
+            <a:chExt cx="2173255" cy="3855732"/>
+          </a:xfrm>
+        </p:grpSpPr>
+        <p:sp>
+          <p:nvSpPr>
+            <p:cNvPr id="9" name="Текст 2">
+              <a:extLst>
+                <a:ext uri="{FF2B5EF4-FFF2-40B4-BE49-F238E27FC236}">
+                  <a16:creationId xmlns:a16="http://schemas.microsoft.com/office/drawing/2014/main" id="{0E30BE5B-88E9-C441-9D03-06AD805B29D0}"/>
+                </a:ext>
+              </a:extLst>
+            </p:cNvPr>
+            <p:cNvSpPr txBox="1">
+              <a:spLocks/>
+            </p:cNvSpPr>
+            <p:nvPr/>
+          </p:nvSpPr>
+          <p:spPr>
+            <a:xfrm>
+              <a:off x="334012" y="3612634"/>
+              <a:ext cx="2160000" cy="392430"/>
+            </a:xfrm>
+            <a:prstGeom prst="rect">
+              <a:avLst/>
+            </a:prstGeom>
+          </p:spPr>
+          <p:txBody>
+            <a:bodyPr vert="horz" lIns="121899" tIns="60949" rIns="121899" bIns="60949" rtlCol="0" anchor="ctr">
+              <a:normAutofit/>
+            </a:bodyPr>
+            <a:lstStyle>
+              <a:lvl1pPr marL="457120" indent="-457120" algn="l" defTabSz="1218987" rtl="0" eaLnBrk="1" latinLnBrk="0" hangingPunct="1">
+                <a:spcBef>
+                  <a:spcPct val="20000"/>
+                </a:spcBef>
+                <a:buFont typeface="Arial" pitchFamily="34" charset="0"/>
+                <a:buChar char="•"/>
+                <a:defRPr sz="2400" kern="1200">
+                  <a:solidFill>
+                    <a:schemeClr val="tx1"/>
+                  </a:solidFill>
+                  <a:latin typeface="+mj-lt"/>
+                  <a:ea typeface="+mn-ea"/>
+                  <a:cs typeface="+mn-cs"/>
+                </a:defRPr>
+              </a:lvl1pPr>
+              <a:lvl2pPr marL="990427" indent="-380933" algn="l" defTabSz="1218987" rtl="0" eaLnBrk="1" latinLnBrk="0" hangingPunct="1">
+                <a:spcBef>
+                  <a:spcPct val="20000"/>
+                </a:spcBef>
+                <a:buFont typeface="Arial" pitchFamily="34" charset="0"/>
+                <a:buChar char="–"/>
+                <a:defRPr sz="2000" kern="1200">
+                  <a:solidFill>
+                    <a:schemeClr val="tx1"/>
+                  </a:solidFill>
+                  <a:latin typeface="+mj-lt"/>
+                  <a:ea typeface="+mn-ea"/>
+                  <a:cs typeface="+mn-cs"/>
+                </a:defRPr>
+              </a:lvl2pPr>
+              <a:lvl3pPr marL="1523733" indent="-304747" algn="l" defTabSz="1218987" rtl="0" eaLnBrk="1" latinLnBrk="0" hangingPunct="1">
+                <a:spcBef>
+                  <a:spcPct val="20000"/>
+                </a:spcBef>
+                <a:buFont typeface="Arial" pitchFamily="34" charset="0"/>
+                <a:buChar char="•"/>
+                <a:defRPr sz="1600" kern="1200">
+                  <a:solidFill>
+                    <a:schemeClr val="tx1"/>
+                  </a:solidFill>
+                  <a:latin typeface="+mj-lt"/>
+                  <a:ea typeface="+mn-ea"/>
+                  <a:cs typeface="+mn-cs"/>
+                </a:defRPr>
+              </a:lvl3pPr>
+              <a:lvl4pPr marL="2133227" indent="-304747" algn="l" defTabSz="1218987" rtl="0" eaLnBrk="1" latinLnBrk="0" hangingPunct="1">
+                <a:spcBef>
+                  <a:spcPct val="20000"/>
+                </a:spcBef>
+                <a:buFont typeface="Arial" pitchFamily="34" charset="0"/>
+                <a:buChar char="–"/>
+                <a:defRPr sz="1400" kern="1200">
+                  <a:solidFill>
+                    <a:schemeClr val="tx1"/>
+                  </a:solidFill>
+                  <a:latin typeface="+mj-lt"/>
+                  <a:ea typeface="+mn-ea"/>
+                  <a:cs typeface="+mn-cs"/>
+                </a:defRPr>
+              </a:lvl4pPr>
+              <a:lvl5pPr marL="2742720" indent="-304747" algn="l" defTabSz="1218987" rtl="0" eaLnBrk="1" latinLnBrk="0" hangingPunct="1">
+                <a:spcBef>
+                  <a:spcPct val="20000"/>
+                </a:spcBef>
+                <a:buFont typeface="Arial" pitchFamily="34" charset="0"/>
+                <a:buChar char="»"/>
+                <a:defRPr sz="1400" kern="1200">
+                  <a:solidFill>
+                    <a:schemeClr val="tx1"/>
+                  </a:solidFill>
+                  <a:latin typeface="+mj-lt"/>
+                  <a:ea typeface="+mn-ea"/>
+                  <a:cs typeface="+mn-cs"/>
+                </a:defRPr>
+              </a:lvl5pPr>
+              <a:lvl6pPr marL="3352213" indent="-304747" algn="l" defTabSz="1218987" rtl="0" eaLnBrk="1" latinLnBrk="0" hangingPunct="1">
+                <a:spcBef>
+                  <a:spcPct val="20000"/>
+                </a:spcBef>
+                <a:buFont typeface="Arial" pitchFamily="34" charset="0"/>
+                <a:buChar char="•"/>
+                <a:defRPr sz="2700" kern="1200">
+                  <a:solidFill>
+                    <a:schemeClr val="tx1"/>
+                  </a:solidFill>
+                  <a:latin typeface="+mn-lt"/>
+                  <a:ea typeface="+mn-ea"/>
+                  <a:cs typeface="+mn-cs"/>
+                </a:defRPr>
+              </a:lvl6pPr>
+              <a:lvl7pPr marL="3961707" indent="-304747" algn="l" defTabSz="1218987" rtl="0" eaLnBrk="1" latinLnBrk="0" hangingPunct="1">
+                <a:spcBef>
+                  <a:spcPct val="20000"/>
+                </a:spcBef>
+                <a:buFont typeface="Arial" pitchFamily="34" charset="0"/>
+                <a:buChar char="•"/>
+                <a:defRPr sz="2700" kern="1200">
+                  <a:solidFill>
+                    <a:schemeClr val="tx1"/>
+                  </a:solidFill>
+                  <a:latin typeface="+mn-lt"/>
+                  <a:ea typeface="+mn-ea"/>
+                  <a:cs typeface="+mn-cs"/>
+                </a:defRPr>
+              </a:lvl7pPr>
+              <a:lvl8pPr marL="4571200" indent="-304747" algn="l" defTabSz="1218987" rtl="0" eaLnBrk="1" latinLnBrk="0" hangingPunct="1">
+                <a:spcBef>
+                  <a:spcPct val="20000"/>
+                </a:spcBef>
+                <a:buFont typeface="Arial" pitchFamily="34" charset="0"/>
+                <a:buChar char="•"/>
+                <a:defRPr sz="2700" kern="1200">
+                  <a:solidFill>
+                    <a:schemeClr val="tx1"/>
+                  </a:solidFill>
+                  <a:latin typeface="+mn-lt"/>
+                  <a:ea typeface="+mn-ea"/>
+                  <a:cs typeface="+mn-cs"/>
+                </a:defRPr>
+              </a:lvl8pPr>
+              <a:lvl9pPr marL="5180693" indent="-304747" algn="l" defTabSz="1218987" rtl="0" eaLnBrk="1" latinLnBrk="0" hangingPunct="1">
+                <a:spcBef>
+                  <a:spcPct val="20000"/>
+                </a:spcBef>
+                <a:buFont typeface="Arial" pitchFamily="34" charset="0"/>
+                <a:buChar char="•"/>
+                <a:defRPr sz="2700" kern="1200">
+                  <a:solidFill>
+                    <a:schemeClr val="tx1"/>
+                  </a:solidFill>
+                  <a:latin typeface="+mn-lt"/>
+                  <a:ea typeface="+mn-ea"/>
+                  <a:cs typeface="+mn-cs"/>
+                </a:defRPr>
+              </a:lvl9pPr>
+            </a:lstStyle>
+            <a:p>
+              <a:pPr marL="0" indent="0" algn="ctr">
+                <a:buNone/>
+              </a:pPr>
+              <a:r>
+                <a:rPr lang="en-US" sz="1600" b="1" dirty="0">
+                  <a:solidFill>
+                    <a:schemeClr val="accent1"/>
+                  </a:solidFill>
+                  <a:latin typeface="Segoe UI" panose="020B0502040204020203" pitchFamily="34" charset="0"/>
+                  <a:ea typeface="Segoe UI" panose="020B0502040204020203" pitchFamily="34" charset="0"/>
+                  <a:cs typeface="Segoe UI" panose="020B0502040204020203" pitchFamily="34" charset="0"/>
+                </a:rPr>
+                <a:t>Analysis </a:t>
+              </a:r>
+            </a:p>
+          </p:txBody>
+        </p:sp>
+        <p:sp>
+          <p:nvSpPr>
+            <p:cNvPr id="10" name="Объект 3">
+              <a:extLst>
+                <a:ext uri="{FF2B5EF4-FFF2-40B4-BE49-F238E27FC236}">
+                  <a16:creationId xmlns:a16="http://schemas.microsoft.com/office/drawing/2014/main" id="{85E115C6-AFDF-0E48-A556-F4A0F5BC4878}"/>
+                </a:ext>
+              </a:extLst>
+            </p:cNvPr>
+            <p:cNvSpPr txBox="1">
+              <a:spLocks/>
+            </p:cNvSpPr>
+            <p:nvPr/>
+          </p:nvSpPr>
+          <p:spPr>
+            <a:xfrm>
+              <a:off x="549916" y="2050895"/>
+              <a:ext cx="1728192" cy="628790"/>
+            </a:xfrm>
+            <a:prstGeom prst="rect">
+              <a:avLst/>
+            </a:prstGeom>
+          </p:spPr>
+          <p:txBody>
+            <a:bodyPr anchor="b"/>
+            <a:lstStyle>
+              <a:lvl1pPr marL="457120" indent="-457120" algn="l" defTabSz="1218987" rtl="0" eaLnBrk="1" latinLnBrk="0" hangingPunct="1">
+                <a:spcBef>
+                  <a:spcPct val="20000"/>
+                </a:spcBef>
+                <a:buFont typeface="Arial" pitchFamily="34" charset="0"/>
+                <a:buChar char="•"/>
+                <a:defRPr sz="3200" kern="1200">
+                  <a:solidFill>
+                    <a:schemeClr val="tx1"/>
+                  </a:solidFill>
+                  <a:latin typeface="+mj-lt"/>
+                  <a:ea typeface="+mn-ea"/>
+                  <a:cs typeface="+mn-cs"/>
+                </a:defRPr>
+              </a:lvl1pPr>
+              <a:lvl2pPr marL="990427" indent="-380933" algn="l" defTabSz="1218987" rtl="0" eaLnBrk="1" latinLnBrk="0" hangingPunct="1">
+                <a:spcBef>
+                  <a:spcPct val="20000"/>
+                </a:spcBef>
+                <a:buFont typeface="Arial" pitchFamily="34" charset="0"/>
+                <a:buChar char="–"/>
+                <a:defRPr sz="2800" kern="1200">
+                  <a:solidFill>
+                    <a:schemeClr val="tx1"/>
+                  </a:solidFill>
+                  <a:latin typeface="+mj-lt"/>
+                  <a:ea typeface="+mn-ea"/>
+                  <a:cs typeface="+mn-cs"/>
+                </a:defRPr>
+              </a:lvl2pPr>
+              <a:lvl3pPr marL="1523733" indent="-304747" algn="l" defTabSz="1218987" rtl="0" eaLnBrk="1" latinLnBrk="0" hangingPunct="1">
+                <a:spcBef>
+                  <a:spcPct val="20000"/>
+                </a:spcBef>
+                <a:buFont typeface="Arial" pitchFamily="34" charset="0"/>
+                <a:buChar char="•"/>
+                <a:defRPr sz="2000" kern="1200">
+                  <a:solidFill>
+                    <a:schemeClr val="tx1"/>
+                  </a:solidFill>
+                  <a:latin typeface="+mj-lt"/>
+                  <a:ea typeface="+mn-ea"/>
+                  <a:cs typeface="+mn-cs"/>
+                </a:defRPr>
+              </a:lvl3pPr>
+              <a:lvl4pPr marL="2133227" indent="-304747" algn="l" defTabSz="1218987" rtl="0" eaLnBrk="1" latinLnBrk="0" hangingPunct="1">
+                <a:spcBef>
+                  <a:spcPct val="20000"/>
+                </a:spcBef>
+                <a:buFont typeface="Arial" pitchFamily="34" charset="0"/>
+                <a:buChar char="–"/>
+                <a:defRPr sz="1800" kern="1200">
+                  <a:solidFill>
+                    <a:schemeClr val="tx1"/>
+                  </a:solidFill>
+                  <a:latin typeface="+mj-lt"/>
+                  <a:ea typeface="+mn-ea"/>
+                  <a:cs typeface="+mn-cs"/>
+                </a:defRPr>
+              </a:lvl4pPr>
+              <a:lvl5pPr marL="2742720" indent="-304747" algn="l" defTabSz="1218987" rtl="0" eaLnBrk="1" latinLnBrk="0" hangingPunct="1">
+                <a:spcBef>
+                  <a:spcPct val="20000"/>
+                </a:spcBef>
+                <a:buFont typeface="Arial" pitchFamily="34" charset="0"/>
+                <a:buChar char="»"/>
+                <a:defRPr sz="1800" kern="1200">
+                  <a:solidFill>
+                    <a:schemeClr val="tx1"/>
+                  </a:solidFill>
+                  <a:latin typeface="+mj-lt"/>
+                  <a:ea typeface="+mn-ea"/>
+                  <a:cs typeface="+mn-cs"/>
+                </a:defRPr>
+              </a:lvl5pPr>
+              <a:lvl6pPr marL="3352213" indent="-304747" algn="l" defTabSz="1218987" rtl="0" eaLnBrk="1" latinLnBrk="0" hangingPunct="1">
+                <a:spcBef>
+                  <a:spcPct val="20000"/>
+                </a:spcBef>
+                <a:buFont typeface="Arial" pitchFamily="34" charset="0"/>
+                <a:buChar char="•"/>
+                <a:defRPr sz="2700" kern="1200">
+                  <a:solidFill>
+                    <a:schemeClr val="tx1"/>
+                  </a:solidFill>
+                  <a:latin typeface="+mn-lt"/>
+                  <a:ea typeface="+mn-ea"/>
+                  <a:cs typeface="+mn-cs"/>
+                </a:defRPr>
+              </a:lvl6pPr>
+              <a:lvl7pPr marL="3961707" indent="-304747" algn="l" defTabSz="1218987" rtl="0" eaLnBrk="1" latinLnBrk="0" hangingPunct="1">
+                <a:spcBef>
+                  <a:spcPct val="20000"/>
+                </a:spcBef>
+                <a:buFont typeface="Arial" pitchFamily="34" charset="0"/>
+                <a:buChar char="•"/>
+                <a:defRPr sz="2700" kern="1200">
+                  <a:solidFill>
+                    <a:schemeClr val="tx1"/>
+                  </a:solidFill>
+                  <a:latin typeface="+mn-lt"/>
+                  <a:ea typeface="+mn-ea"/>
+                  <a:cs typeface="+mn-cs"/>
+                </a:defRPr>
+              </a:lvl7pPr>
+              <a:lvl8pPr marL="4571200" indent="-304747" algn="l" defTabSz="1218987" rtl="0" eaLnBrk="1" latinLnBrk="0" hangingPunct="1">
+                <a:spcBef>
+                  <a:spcPct val="20000"/>
+                </a:spcBef>
+                <a:buFont typeface="Arial" pitchFamily="34" charset="0"/>
+                <a:buChar char="•"/>
+                <a:defRPr sz="2700" kern="1200">
+                  <a:solidFill>
+                    <a:schemeClr val="tx1"/>
+                  </a:solidFill>
+                  <a:latin typeface="+mn-lt"/>
+                  <a:ea typeface="+mn-ea"/>
+                  <a:cs typeface="+mn-cs"/>
+                </a:defRPr>
+              </a:lvl8pPr>
+              <a:lvl9pPr marL="5180693" indent="-304747" algn="l" defTabSz="1218987" rtl="0" eaLnBrk="1" latinLnBrk="0" hangingPunct="1">
+                <a:spcBef>
+                  <a:spcPct val="20000"/>
+                </a:spcBef>
+                <a:buFont typeface="Arial" pitchFamily="34" charset="0"/>
+                <a:buChar char="•"/>
+                <a:defRPr sz="2700" kern="1200">
+                  <a:solidFill>
+                    <a:schemeClr val="tx1"/>
+                  </a:solidFill>
+                  <a:latin typeface="+mn-lt"/>
+                  <a:ea typeface="+mn-ea"/>
+                  <a:cs typeface="+mn-cs"/>
+                </a:defRPr>
+              </a:lvl9pPr>
+            </a:lstStyle>
+            <a:p>
+              <a:pPr marL="0" indent="0" algn="ctr">
+                <a:buNone/>
+              </a:pPr>
+              <a:r>
+                <a:rPr lang="en-US" sz="1600" dirty="0">
+                  <a:solidFill>
+                    <a:schemeClr val="tx1">
+                      <a:lumMod val="75000"/>
+                      <a:lumOff val="25000"/>
+                    </a:schemeClr>
+                  </a:solidFill>
+                  <a:latin typeface="Segoe UI" panose="020B0502040204020203" pitchFamily="34" charset="0"/>
+                  <a:ea typeface="Segoe UI" panose="020B0502040204020203" pitchFamily="34" charset="0"/>
+                  <a:cs typeface="Segoe UI" panose="020B0502040204020203" pitchFamily="34" charset="0"/>
+                </a:rPr>
+                <a:t>Visual Design Provided By Stakeholder in form of Figma or Photoshop etc.</a:t>
+              </a:r>
+            </a:p>
+          </p:txBody>
+        </p:sp>
+        <p:grpSp>
+          <p:nvGrpSpPr>
+            <p:cNvPr id="14" name="Группа 13">
+              <a:extLst>
+                <a:ext uri="{FF2B5EF4-FFF2-40B4-BE49-F238E27FC236}">
+                  <a16:creationId xmlns:a16="http://schemas.microsoft.com/office/drawing/2014/main" id="{D8A37F21-1F0C-6D45-9A5D-28295404ED7F}"/>
+                </a:ext>
+              </a:extLst>
+            </p:cNvPr>
+            <p:cNvGrpSpPr/>
+            <p:nvPr/>
+          </p:nvGrpSpPr>
+          <p:grpSpPr>
+            <a:xfrm>
+              <a:off x="1301427" y="2738303"/>
+              <a:ext cx="225171" cy="757094"/>
+              <a:chOff x="1661226" y="4149080"/>
+              <a:chExt cx="225171" cy="757094"/>
+            </a:xfrm>
+          </p:grpSpPr>
+          <p:sp>
+            <p:nvSpPr>
+              <p:cNvPr id="11" name="Овал 10">
+                <a:extLst>
+                  <a:ext uri="{FF2B5EF4-FFF2-40B4-BE49-F238E27FC236}">
+                    <a16:creationId xmlns:a16="http://schemas.microsoft.com/office/drawing/2014/main" id="{9B9A77D4-6DA1-214F-BD43-6E119D277103}"/>
+                  </a:ext>
+                </a:extLst>
+              </p:cNvPr>
+              <p:cNvSpPr/>
+              <p:nvPr/>
+            </p:nvSpPr>
+            <p:spPr>
+              <a:xfrm>
+                <a:off x="1661226" y="4681003"/>
+                <a:ext cx="225171" cy="225171"/>
+              </a:xfrm>
+              <a:prstGeom prst="ellipse">
+                <a:avLst/>
+              </a:prstGeom>
+              <a:solidFill>
+                <a:schemeClr val="accent1"/>
+              </a:solidFill>
+              <a:ln>
+                <a:noFill/>
+              </a:ln>
+            </p:spPr>
+            <p:style>
+              <a:lnRef idx="2">
+                <a:schemeClr val="accent1">
+                  <a:shade val="50000"/>
+                </a:schemeClr>
+              </a:lnRef>
+              <a:fillRef idx="1">
+                <a:schemeClr val="accent1"/>
+              </a:fillRef>
+              <a:effectRef idx="0">
+                <a:schemeClr val="accent1"/>
+              </a:effectRef>
+              <a:fontRef idx="minor">
+                <a:schemeClr val="lt1"/>
+              </a:fontRef>
+            </p:style>
+            <p:txBody>
+              <a:bodyPr rtlCol="0" anchor="ctr"/>
+              <a:lstStyle/>
+              <a:p>
+                <a:pPr algn="ctr"/>
+                <a:endParaRPr lang="en-US">
+                  <a:latin typeface="Segoe UI" panose="020B0502040204020203" pitchFamily="34" charset="0"/>
+                  <a:ea typeface="Segoe UI" panose="020B0502040204020203" pitchFamily="34" charset="0"/>
+                  <a:cs typeface="Segoe UI" panose="020B0502040204020203" pitchFamily="34" charset="0"/>
+                </a:endParaRPr>
+              </a:p>
+            </p:txBody>
+          </p:sp>
+          <p:cxnSp>
+            <p:nvCxnSpPr>
+              <p:cNvPr id="13" name="Прямая соединительная линия 12">
+                <a:extLst>
+                  <a:ext uri="{FF2B5EF4-FFF2-40B4-BE49-F238E27FC236}">
+                    <a16:creationId xmlns:a16="http://schemas.microsoft.com/office/drawing/2014/main" id="{BB4A9482-9B08-A04E-AA01-3778DE912039}"/>
+                  </a:ext>
+                </a:extLst>
+              </p:cNvPr>
+              <p:cNvCxnSpPr/>
+              <p:nvPr/>
+            </p:nvCxnSpPr>
+            <p:spPr>
+              <a:xfrm>
+                <a:off x="1773811" y="4149080"/>
+                <a:ext cx="0" cy="432048"/>
+              </a:xfrm>
+              <a:prstGeom prst="line">
+                <a:avLst/>
+              </a:prstGeom>
+              <a:ln>
+                <a:solidFill>
+                  <a:schemeClr val="accent5"/>
+                </a:solidFill>
+                <a:prstDash val="sysDot"/>
+              </a:ln>
+            </p:spPr>
+            <p:style>
+              <a:lnRef idx="1">
+                <a:schemeClr val="accent1"/>
+              </a:lnRef>
+              <a:fillRef idx="0">
+                <a:schemeClr val="accent1"/>
+              </a:fillRef>
+              <a:effectRef idx="0">
+                <a:schemeClr val="accent1"/>
+              </a:effectRef>
+              <a:fontRef idx="minor">
+                <a:schemeClr val="tx1"/>
+              </a:fontRef>
+            </p:style>
+          </p:cxnSp>
+        </p:grpSp>
+        <p:sp>
+          <p:nvSpPr>
+            <p:cNvPr id="35" name="Овал 4">
+              <a:extLst>
+                <a:ext uri="{FF2B5EF4-FFF2-40B4-BE49-F238E27FC236}">
+                  <a16:creationId xmlns:a16="http://schemas.microsoft.com/office/drawing/2014/main" id="{90A49008-6925-D046-93F5-8F5B2CF76AFA}"/>
+                </a:ext>
+              </a:extLst>
+            </p:cNvPr>
+            <p:cNvSpPr/>
+            <p:nvPr/>
+          </p:nvSpPr>
+          <p:spPr>
+            <a:xfrm>
+              <a:off x="959215" y="4320491"/>
+              <a:ext cx="936104" cy="936104"/>
+            </a:xfrm>
+            <a:prstGeom prst="ellipse">
+              <a:avLst/>
+            </a:prstGeom>
+            <a:solidFill>
+              <a:schemeClr val="bg1"/>
+            </a:solidFill>
+            <a:ln w="152400">
+              <a:solidFill>
+                <a:schemeClr val="accent1"/>
+              </a:solidFill>
+            </a:ln>
+          </p:spPr>
+          <p:style>
+            <a:lnRef idx="2">
+              <a:schemeClr val="accent1">
+                <a:shade val="50000"/>
+              </a:schemeClr>
+            </a:lnRef>
+            <a:fillRef idx="1">
+              <a:schemeClr val="accent1"/>
+            </a:fillRef>
+            <a:effectRef idx="0">
+              <a:schemeClr val="accent1"/>
+            </a:effectRef>
+            <a:fontRef idx="minor">
+              <a:schemeClr val="lt1"/>
+            </a:fontRef>
+          </p:style>
+          <p:txBody>
+            <a:bodyPr rtlCol="0" anchor="ctr"/>
+            <a:lstStyle/>
+            <a:p>
+              <a:pPr algn="ctr"/>
+              <a:endParaRPr lang="en-US" dirty="0">
                 <a:latin typeface="Segoe UI" panose="020B0502040204020203" pitchFamily="34" charset="0"/>
                 <a:ea typeface="Segoe UI" panose="020B0502040204020203" pitchFamily="34" charset="0"/>
                 <a:cs typeface="Segoe UI" panose="020B0502040204020203" pitchFamily="34" charset="0"/>
@@ -18693,10 +19257,192 @@
         </p:sp>
         <p:sp>
           <p:nvSpPr>
-            <p:cNvPr id="73" name="Текст 2">
+            <p:cNvPr id="38" name="Текст 2">
               <a:extLst>
                 <a:ext uri="{FF2B5EF4-FFF2-40B4-BE49-F238E27FC236}">
-                  <a16:creationId xmlns:a16="http://schemas.microsoft.com/office/drawing/2014/main" id="{6D6D56C8-8E0D-ED46-9A0E-797C335A0D41}"/>
+                  <a16:creationId xmlns:a16="http://schemas.microsoft.com/office/drawing/2014/main" id="{7E80D7D1-B4DD-6941-8B3A-FF2C66EF250D}"/>
+                </a:ext>
+              </a:extLst>
+            </p:cNvPr>
+            <p:cNvSpPr txBox="1">
+              <a:spLocks/>
+            </p:cNvSpPr>
+            <p:nvPr/>
+          </p:nvSpPr>
+          <p:spPr>
+            <a:xfrm>
+              <a:off x="347267" y="4468661"/>
+              <a:ext cx="2160000" cy="639763"/>
+            </a:xfrm>
+            <a:prstGeom prst="rect">
+              <a:avLst/>
+            </a:prstGeom>
+          </p:spPr>
+          <p:txBody>
+            <a:bodyPr vert="horz" lIns="121899" tIns="60949" rIns="121899" bIns="60949" rtlCol="0" anchor="ctr">
+              <a:normAutofit/>
+            </a:bodyPr>
+            <a:lstStyle>
+              <a:lvl1pPr marL="457120" indent="-457120" algn="l" defTabSz="1218987" rtl="0" eaLnBrk="1" latinLnBrk="0" hangingPunct="1">
+                <a:spcBef>
+                  <a:spcPct val="20000"/>
+                </a:spcBef>
+                <a:buFont typeface="Arial" pitchFamily="34" charset="0"/>
+                <a:buChar char="•"/>
+                <a:defRPr sz="2400" kern="1200">
+                  <a:solidFill>
+                    <a:schemeClr val="tx1"/>
+                  </a:solidFill>
+                  <a:latin typeface="+mj-lt"/>
+                  <a:ea typeface="+mn-ea"/>
+                  <a:cs typeface="+mn-cs"/>
+                </a:defRPr>
+              </a:lvl1pPr>
+              <a:lvl2pPr marL="990427" indent="-380933" algn="l" defTabSz="1218987" rtl="0" eaLnBrk="1" latinLnBrk="0" hangingPunct="1">
+                <a:spcBef>
+                  <a:spcPct val="20000"/>
+                </a:spcBef>
+                <a:buFont typeface="Arial" pitchFamily="34" charset="0"/>
+                <a:buChar char="–"/>
+                <a:defRPr sz="2000" kern="1200">
+                  <a:solidFill>
+                    <a:schemeClr val="tx1"/>
+                  </a:solidFill>
+                  <a:latin typeface="+mj-lt"/>
+                  <a:ea typeface="+mn-ea"/>
+                  <a:cs typeface="+mn-cs"/>
+                </a:defRPr>
+              </a:lvl2pPr>
+              <a:lvl3pPr marL="1523733" indent="-304747" algn="l" defTabSz="1218987" rtl="0" eaLnBrk="1" latinLnBrk="0" hangingPunct="1">
+                <a:spcBef>
+                  <a:spcPct val="20000"/>
+                </a:spcBef>
+                <a:buFont typeface="Arial" pitchFamily="34" charset="0"/>
+                <a:buChar char="•"/>
+                <a:defRPr sz="1600" kern="1200">
+                  <a:solidFill>
+                    <a:schemeClr val="tx1"/>
+                  </a:solidFill>
+                  <a:latin typeface="+mj-lt"/>
+                  <a:ea typeface="+mn-ea"/>
+                  <a:cs typeface="+mn-cs"/>
+                </a:defRPr>
+              </a:lvl3pPr>
+              <a:lvl4pPr marL="2133227" indent="-304747" algn="l" defTabSz="1218987" rtl="0" eaLnBrk="1" latinLnBrk="0" hangingPunct="1">
+                <a:spcBef>
+                  <a:spcPct val="20000"/>
+                </a:spcBef>
+                <a:buFont typeface="Arial" pitchFamily="34" charset="0"/>
+                <a:buChar char="–"/>
+                <a:defRPr sz="1400" kern="1200">
+                  <a:solidFill>
+                    <a:schemeClr val="tx1"/>
+                  </a:solidFill>
+                  <a:latin typeface="+mj-lt"/>
+                  <a:ea typeface="+mn-ea"/>
+                  <a:cs typeface="+mn-cs"/>
+                </a:defRPr>
+              </a:lvl4pPr>
+              <a:lvl5pPr marL="2742720" indent="-304747" algn="l" defTabSz="1218987" rtl="0" eaLnBrk="1" latinLnBrk="0" hangingPunct="1">
+                <a:spcBef>
+                  <a:spcPct val="20000"/>
+                </a:spcBef>
+                <a:buFont typeface="Arial" pitchFamily="34" charset="0"/>
+                <a:buChar char="»"/>
+                <a:defRPr sz="1400" kern="1200">
+                  <a:solidFill>
+                    <a:schemeClr val="tx1"/>
+                  </a:solidFill>
+                  <a:latin typeface="+mj-lt"/>
+                  <a:ea typeface="+mn-ea"/>
+                  <a:cs typeface="+mn-cs"/>
+                </a:defRPr>
+              </a:lvl5pPr>
+              <a:lvl6pPr marL="3352213" indent="-304747" algn="l" defTabSz="1218987" rtl="0" eaLnBrk="1" latinLnBrk="0" hangingPunct="1">
+                <a:spcBef>
+                  <a:spcPct val="20000"/>
+                </a:spcBef>
+                <a:buFont typeface="Arial" pitchFamily="34" charset="0"/>
+                <a:buChar char="•"/>
+                <a:defRPr sz="2700" kern="1200">
+                  <a:solidFill>
+                    <a:schemeClr val="tx1"/>
+                  </a:solidFill>
+                  <a:latin typeface="+mn-lt"/>
+                  <a:ea typeface="+mn-ea"/>
+                  <a:cs typeface="+mn-cs"/>
+                </a:defRPr>
+              </a:lvl6pPr>
+              <a:lvl7pPr marL="3961707" indent="-304747" algn="l" defTabSz="1218987" rtl="0" eaLnBrk="1" latinLnBrk="0" hangingPunct="1">
+                <a:spcBef>
+                  <a:spcPct val="20000"/>
+                </a:spcBef>
+                <a:buFont typeface="Arial" pitchFamily="34" charset="0"/>
+                <a:buChar char="•"/>
+                <a:defRPr sz="2700" kern="1200">
+                  <a:solidFill>
+                    <a:schemeClr val="tx1"/>
+                  </a:solidFill>
+                  <a:latin typeface="+mn-lt"/>
+                  <a:ea typeface="+mn-ea"/>
+                  <a:cs typeface="+mn-cs"/>
+                </a:defRPr>
+              </a:lvl7pPr>
+              <a:lvl8pPr marL="4571200" indent="-304747" algn="l" defTabSz="1218987" rtl="0" eaLnBrk="1" latinLnBrk="0" hangingPunct="1">
+                <a:spcBef>
+                  <a:spcPct val="20000"/>
+                </a:spcBef>
+                <a:buFont typeface="Arial" pitchFamily="34" charset="0"/>
+                <a:buChar char="•"/>
+                <a:defRPr sz="2700" kern="1200">
+                  <a:solidFill>
+                    <a:schemeClr val="tx1"/>
+                  </a:solidFill>
+                  <a:latin typeface="+mn-lt"/>
+                  <a:ea typeface="+mn-ea"/>
+                  <a:cs typeface="+mn-cs"/>
+                </a:defRPr>
+              </a:lvl8pPr>
+              <a:lvl9pPr marL="5180693" indent="-304747" algn="l" defTabSz="1218987" rtl="0" eaLnBrk="1" latinLnBrk="0" hangingPunct="1">
+                <a:spcBef>
+                  <a:spcPct val="20000"/>
+                </a:spcBef>
+                <a:buFont typeface="Arial" pitchFamily="34" charset="0"/>
+                <a:buChar char="•"/>
+                <a:defRPr sz="2700" kern="1200">
+                  <a:solidFill>
+                    <a:schemeClr val="tx1"/>
+                  </a:solidFill>
+                  <a:latin typeface="+mn-lt"/>
+                  <a:ea typeface="+mn-ea"/>
+                  <a:cs typeface="+mn-cs"/>
+                </a:defRPr>
+              </a:lvl9pPr>
+            </a:lstStyle>
+            <a:p>
+              <a:pPr marL="0" indent="0" algn="ctr">
+                <a:buNone/>
+              </a:pPr>
+              <a:r>
+                <a:rPr lang="en-US" sz="1600" b="1" dirty="0">
+                  <a:solidFill>
+                    <a:schemeClr val="accent1"/>
+                  </a:solidFill>
+                  <a:latin typeface="Segoe UI" panose="020B0502040204020203" pitchFamily="34" charset="0"/>
+                  <a:ea typeface="Segoe UI" panose="020B0502040204020203" pitchFamily="34" charset="0"/>
+                  <a:cs typeface="Segoe UI" panose="020B0502040204020203" pitchFamily="34" charset="0"/>
+                </a:rPr>
+                <a:t>1</a:t>
+              </a:r>
+            </a:p>
+          </p:txBody>
+        </p:sp>
+        <p:sp>
+          <p:nvSpPr>
+            <p:cNvPr id="39" name="Текст 2">
+              <a:extLst>
+                <a:ext uri="{FF2B5EF4-FFF2-40B4-BE49-F238E27FC236}">
+                  <a16:creationId xmlns:a16="http://schemas.microsoft.com/office/drawing/2014/main" id="{52938C3E-161D-CF4E-ADFF-99EFCEAE2CB3}"/>
                 </a:ext>
               </a:extLst>
             </p:cNvPr>
@@ -18868,7 +19614,3539 @@
                   <a:ea typeface="Segoe UI" panose="020B0502040204020203" pitchFamily="34" charset="0"/>
                   <a:cs typeface="Segoe UI" panose="020B0502040204020203" pitchFamily="34" charset="0"/>
                 </a:rPr>
-                <a:t>Edit this text</a:t>
+                <a:t>UX Design</a:t>
+              </a:r>
+            </a:p>
+          </p:txBody>
+        </p:sp>
+      </p:grpSp>
+      <p:grpSp>
+        <p:nvGrpSpPr>
+          <p:cNvPr id="40" name="Group 39">
+            <a:extLst>
+              <a:ext uri="{FF2B5EF4-FFF2-40B4-BE49-F238E27FC236}">
+                <a16:creationId xmlns:a16="http://schemas.microsoft.com/office/drawing/2014/main" id="{447197B3-43F9-3A43-A1A5-3EEB85600418}"/>
+              </a:ext>
+            </a:extLst>
+          </p:cNvPr>
+          <p:cNvGrpSpPr/>
+          <p:nvPr/>
+        </p:nvGrpSpPr>
+        <p:grpSpPr>
+          <a:xfrm>
+            <a:off x="2710036" y="2365290"/>
+            <a:ext cx="2173255" cy="3855732"/>
+            <a:chOff x="334012" y="2050895"/>
+            <a:chExt cx="2173255" cy="3855732"/>
+          </a:xfrm>
+        </p:grpSpPr>
+        <p:sp>
+          <p:nvSpPr>
+            <p:cNvPr id="41" name="Текст 2">
+              <a:extLst>
+                <a:ext uri="{FF2B5EF4-FFF2-40B4-BE49-F238E27FC236}">
+                  <a16:creationId xmlns:a16="http://schemas.microsoft.com/office/drawing/2014/main" id="{88B12A11-1C91-634E-A2D3-AFE6D8191E00}"/>
+                </a:ext>
+              </a:extLst>
+            </p:cNvPr>
+            <p:cNvSpPr txBox="1">
+              <a:spLocks/>
+            </p:cNvSpPr>
+            <p:nvPr/>
+          </p:nvSpPr>
+          <p:spPr>
+            <a:xfrm>
+              <a:off x="334012" y="3612634"/>
+              <a:ext cx="2160000" cy="392430"/>
+            </a:xfrm>
+            <a:prstGeom prst="rect">
+              <a:avLst/>
+            </a:prstGeom>
+          </p:spPr>
+          <p:txBody>
+            <a:bodyPr vert="horz" lIns="121899" tIns="60949" rIns="121899" bIns="60949" rtlCol="0" anchor="ctr">
+              <a:normAutofit/>
+            </a:bodyPr>
+            <a:lstStyle>
+              <a:lvl1pPr marL="457120" indent="-457120" algn="l" defTabSz="1218987" rtl="0" eaLnBrk="1" latinLnBrk="0" hangingPunct="1">
+                <a:spcBef>
+                  <a:spcPct val="20000"/>
+                </a:spcBef>
+                <a:buFont typeface="Arial" pitchFamily="34" charset="0"/>
+                <a:buChar char="•"/>
+                <a:defRPr sz="2400" kern="1200">
+                  <a:solidFill>
+                    <a:schemeClr val="tx1"/>
+                  </a:solidFill>
+                  <a:latin typeface="+mj-lt"/>
+                  <a:ea typeface="+mn-ea"/>
+                  <a:cs typeface="+mn-cs"/>
+                </a:defRPr>
+              </a:lvl1pPr>
+              <a:lvl2pPr marL="990427" indent="-380933" algn="l" defTabSz="1218987" rtl="0" eaLnBrk="1" latinLnBrk="0" hangingPunct="1">
+                <a:spcBef>
+                  <a:spcPct val="20000"/>
+                </a:spcBef>
+                <a:buFont typeface="Arial" pitchFamily="34" charset="0"/>
+                <a:buChar char="–"/>
+                <a:defRPr sz="2000" kern="1200">
+                  <a:solidFill>
+                    <a:schemeClr val="tx1"/>
+                  </a:solidFill>
+                  <a:latin typeface="+mj-lt"/>
+                  <a:ea typeface="+mn-ea"/>
+                  <a:cs typeface="+mn-cs"/>
+                </a:defRPr>
+              </a:lvl2pPr>
+              <a:lvl3pPr marL="1523733" indent="-304747" algn="l" defTabSz="1218987" rtl="0" eaLnBrk="1" latinLnBrk="0" hangingPunct="1">
+                <a:spcBef>
+                  <a:spcPct val="20000"/>
+                </a:spcBef>
+                <a:buFont typeface="Arial" pitchFamily="34" charset="0"/>
+                <a:buChar char="•"/>
+                <a:defRPr sz="1600" kern="1200">
+                  <a:solidFill>
+                    <a:schemeClr val="tx1"/>
+                  </a:solidFill>
+                  <a:latin typeface="+mj-lt"/>
+                  <a:ea typeface="+mn-ea"/>
+                  <a:cs typeface="+mn-cs"/>
+                </a:defRPr>
+              </a:lvl3pPr>
+              <a:lvl4pPr marL="2133227" indent="-304747" algn="l" defTabSz="1218987" rtl="0" eaLnBrk="1" latinLnBrk="0" hangingPunct="1">
+                <a:spcBef>
+                  <a:spcPct val="20000"/>
+                </a:spcBef>
+                <a:buFont typeface="Arial" pitchFamily="34" charset="0"/>
+                <a:buChar char="–"/>
+                <a:defRPr sz="1400" kern="1200">
+                  <a:solidFill>
+                    <a:schemeClr val="tx1"/>
+                  </a:solidFill>
+                  <a:latin typeface="+mj-lt"/>
+                  <a:ea typeface="+mn-ea"/>
+                  <a:cs typeface="+mn-cs"/>
+                </a:defRPr>
+              </a:lvl4pPr>
+              <a:lvl5pPr marL="2742720" indent="-304747" algn="l" defTabSz="1218987" rtl="0" eaLnBrk="1" latinLnBrk="0" hangingPunct="1">
+                <a:spcBef>
+                  <a:spcPct val="20000"/>
+                </a:spcBef>
+                <a:buFont typeface="Arial" pitchFamily="34" charset="0"/>
+                <a:buChar char="»"/>
+                <a:defRPr sz="1400" kern="1200">
+                  <a:solidFill>
+                    <a:schemeClr val="tx1"/>
+                  </a:solidFill>
+                  <a:latin typeface="+mj-lt"/>
+                  <a:ea typeface="+mn-ea"/>
+                  <a:cs typeface="+mn-cs"/>
+                </a:defRPr>
+              </a:lvl5pPr>
+              <a:lvl6pPr marL="3352213" indent="-304747" algn="l" defTabSz="1218987" rtl="0" eaLnBrk="1" latinLnBrk="0" hangingPunct="1">
+                <a:spcBef>
+                  <a:spcPct val="20000"/>
+                </a:spcBef>
+                <a:buFont typeface="Arial" pitchFamily="34" charset="0"/>
+                <a:buChar char="•"/>
+                <a:defRPr sz="2700" kern="1200">
+                  <a:solidFill>
+                    <a:schemeClr val="tx1"/>
+                  </a:solidFill>
+                  <a:latin typeface="+mn-lt"/>
+                  <a:ea typeface="+mn-ea"/>
+                  <a:cs typeface="+mn-cs"/>
+                </a:defRPr>
+              </a:lvl6pPr>
+              <a:lvl7pPr marL="3961707" indent="-304747" algn="l" defTabSz="1218987" rtl="0" eaLnBrk="1" latinLnBrk="0" hangingPunct="1">
+                <a:spcBef>
+                  <a:spcPct val="20000"/>
+                </a:spcBef>
+                <a:buFont typeface="Arial" pitchFamily="34" charset="0"/>
+                <a:buChar char="•"/>
+                <a:defRPr sz="2700" kern="1200">
+                  <a:solidFill>
+                    <a:schemeClr val="tx1"/>
+                  </a:solidFill>
+                  <a:latin typeface="+mn-lt"/>
+                  <a:ea typeface="+mn-ea"/>
+                  <a:cs typeface="+mn-cs"/>
+                </a:defRPr>
+              </a:lvl7pPr>
+              <a:lvl8pPr marL="4571200" indent="-304747" algn="l" defTabSz="1218987" rtl="0" eaLnBrk="1" latinLnBrk="0" hangingPunct="1">
+                <a:spcBef>
+                  <a:spcPct val="20000"/>
+                </a:spcBef>
+                <a:buFont typeface="Arial" pitchFamily="34" charset="0"/>
+                <a:buChar char="•"/>
+                <a:defRPr sz="2700" kern="1200">
+                  <a:solidFill>
+                    <a:schemeClr val="tx1"/>
+                  </a:solidFill>
+                  <a:latin typeface="+mn-lt"/>
+                  <a:ea typeface="+mn-ea"/>
+                  <a:cs typeface="+mn-cs"/>
+                </a:defRPr>
+              </a:lvl8pPr>
+              <a:lvl9pPr marL="5180693" indent="-304747" algn="l" defTabSz="1218987" rtl="0" eaLnBrk="1" latinLnBrk="0" hangingPunct="1">
+                <a:spcBef>
+                  <a:spcPct val="20000"/>
+                </a:spcBef>
+                <a:buFont typeface="Arial" pitchFamily="34" charset="0"/>
+                <a:buChar char="•"/>
+                <a:defRPr sz="2700" kern="1200">
+                  <a:solidFill>
+                    <a:schemeClr val="tx1"/>
+                  </a:solidFill>
+                  <a:latin typeface="+mn-lt"/>
+                  <a:ea typeface="+mn-ea"/>
+                  <a:cs typeface="+mn-cs"/>
+                </a:defRPr>
+              </a:lvl9pPr>
+            </a:lstStyle>
+            <a:p>
+              <a:pPr marL="0" indent="0" algn="ctr">
+                <a:buNone/>
+              </a:pPr>
+              <a:r>
+                <a:rPr lang="en-US" sz="1600" b="1" dirty="0">
+                  <a:solidFill>
+                    <a:schemeClr val="accent1"/>
+                  </a:solidFill>
+                  <a:latin typeface="Segoe UI" panose="020B0502040204020203" pitchFamily="34" charset="0"/>
+                  <a:ea typeface="Segoe UI" panose="020B0502040204020203" pitchFamily="34" charset="0"/>
+                  <a:cs typeface="Segoe UI" panose="020B0502040204020203" pitchFamily="34" charset="0"/>
+                </a:rPr>
+                <a:t>Create Skeleton</a:t>
+              </a:r>
+            </a:p>
+          </p:txBody>
+        </p:sp>
+        <p:sp>
+          <p:nvSpPr>
+            <p:cNvPr id="42" name="Объект 3">
+              <a:extLst>
+                <a:ext uri="{FF2B5EF4-FFF2-40B4-BE49-F238E27FC236}">
+                  <a16:creationId xmlns:a16="http://schemas.microsoft.com/office/drawing/2014/main" id="{8F567EF7-F2F9-B847-87E7-0805C8C06873}"/>
+                </a:ext>
+              </a:extLst>
+            </p:cNvPr>
+            <p:cNvSpPr txBox="1">
+              <a:spLocks/>
+            </p:cNvSpPr>
+            <p:nvPr/>
+          </p:nvSpPr>
+          <p:spPr>
+            <a:xfrm>
+              <a:off x="549916" y="2050895"/>
+              <a:ext cx="1728192" cy="628790"/>
+            </a:xfrm>
+            <a:prstGeom prst="rect">
+              <a:avLst/>
+            </a:prstGeom>
+          </p:spPr>
+          <p:txBody>
+            <a:bodyPr anchor="b"/>
+            <a:lstStyle>
+              <a:lvl1pPr marL="457120" indent="-457120" algn="l" defTabSz="1218987" rtl="0" eaLnBrk="1" latinLnBrk="0" hangingPunct="1">
+                <a:spcBef>
+                  <a:spcPct val="20000"/>
+                </a:spcBef>
+                <a:buFont typeface="Arial" pitchFamily="34" charset="0"/>
+                <a:buChar char="•"/>
+                <a:defRPr sz="3200" kern="1200">
+                  <a:solidFill>
+                    <a:schemeClr val="tx1"/>
+                  </a:solidFill>
+                  <a:latin typeface="+mj-lt"/>
+                  <a:ea typeface="+mn-ea"/>
+                  <a:cs typeface="+mn-cs"/>
+                </a:defRPr>
+              </a:lvl1pPr>
+              <a:lvl2pPr marL="990427" indent="-380933" algn="l" defTabSz="1218987" rtl="0" eaLnBrk="1" latinLnBrk="0" hangingPunct="1">
+                <a:spcBef>
+                  <a:spcPct val="20000"/>
+                </a:spcBef>
+                <a:buFont typeface="Arial" pitchFamily="34" charset="0"/>
+                <a:buChar char="–"/>
+                <a:defRPr sz="2800" kern="1200">
+                  <a:solidFill>
+                    <a:schemeClr val="tx1"/>
+                  </a:solidFill>
+                  <a:latin typeface="+mj-lt"/>
+                  <a:ea typeface="+mn-ea"/>
+                  <a:cs typeface="+mn-cs"/>
+                </a:defRPr>
+              </a:lvl2pPr>
+              <a:lvl3pPr marL="1523733" indent="-304747" algn="l" defTabSz="1218987" rtl="0" eaLnBrk="1" latinLnBrk="0" hangingPunct="1">
+                <a:spcBef>
+                  <a:spcPct val="20000"/>
+                </a:spcBef>
+                <a:buFont typeface="Arial" pitchFamily="34" charset="0"/>
+                <a:buChar char="•"/>
+                <a:defRPr sz="2000" kern="1200">
+                  <a:solidFill>
+                    <a:schemeClr val="tx1"/>
+                  </a:solidFill>
+                  <a:latin typeface="+mj-lt"/>
+                  <a:ea typeface="+mn-ea"/>
+                  <a:cs typeface="+mn-cs"/>
+                </a:defRPr>
+              </a:lvl3pPr>
+              <a:lvl4pPr marL="2133227" indent="-304747" algn="l" defTabSz="1218987" rtl="0" eaLnBrk="1" latinLnBrk="0" hangingPunct="1">
+                <a:spcBef>
+                  <a:spcPct val="20000"/>
+                </a:spcBef>
+                <a:buFont typeface="Arial" pitchFamily="34" charset="0"/>
+                <a:buChar char="–"/>
+                <a:defRPr sz="1800" kern="1200">
+                  <a:solidFill>
+                    <a:schemeClr val="tx1"/>
+                  </a:solidFill>
+                  <a:latin typeface="+mj-lt"/>
+                  <a:ea typeface="+mn-ea"/>
+                  <a:cs typeface="+mn-cs"/>
+                </a:defRPr>
+              </a:lvl4pPr>
+              <a:lvl5pPr marL="2742720" indent="-304747" algn="l" defTabSz="1218987" rtl="0" eaLnBrk="1" latinLnBrk="0" hangingPunct="1">
+                <a:spcBef>
+                  <a:spcPct val="20000"/>
+                </a:spcBef>
+                <a:buFont typeface="Arial" pitchFamily="34" charset="0"/>
+                <a:buChar char="»"/>
+                <a:defRPr sz="1800" kern="1200">
+                  <a:solidFill>
+                    <a:schemeClr val="tx1"/>
+                  </a:solidFill>
+                  <a:latin typeface="+mj-lt"/>
+                  <a:ea typeface="+mn-ea"/>
+                  <a:cs typeface="+mn-cs"/>
+                </a:defRPr>
+              </a:lvl5pPr>
+              <a:lvl6pPr marL="3352213" indent="-304747" algn="l" defTabSz="1218987" rtl="0" eaLnBrk="1" latinLnBrk="0" hangingPunct="1">
+                <a:spcBef>
+                  <a:spcPct val="20000"/>
+                </a:spcBef>
+                <a:buFont typeface="Arial" pitchFamily="34" charset="0"/>
+                <a:buChar char="•"/>
+                <a:defRPr sz="2700" kern="1200">
+                  <a:solidFill>
+                    <a:schemeClr val="tx1"/>
+                  </a:solidFill>
+                  <a:latin typeface="+mn-lt"/>
+                  <a:ea typeface="+mn-ea"/>
+                  <a:cs typeface="+mn-cs"/>
+                </a:defRPr>
+              </a:lvl6pPr>
+              <a:lvl7pPr marL="3961707" indent="-304747" algn="l" defTabSz="1218987" rtl="0" eaLnBrk="1" latinLnBrk="0" hangingPunct="1">
+                <a:spcBef>
+                  <a:spcPct val="20000"/>
+                </a:spcBef>
+                <a:buFont typeface="Arial" pitchFamily="34" charset="0"/>
+                <a:buChar char="•"/>
+                <a:defRPr sz="2700" kern="1200">
+                  <a:solidFill>
+                    <a:schemeClr val="tx1"/>
+                  </a:solidFill>
+                  <a:latin typeface="+mn-lt"/>
+                  <a:ea typeface="+mn-ea"/>
+                  <a:cs typeface="+mn-cs"/>
+                </a:defRPr>
+              </a:lvl7pPr>
+              <a:lvl8pPr marL="4571200" indent="-304747" algn="l" defTabSz="1218987" rtl="0" eaLnBrk="1" latinLnBrk="0" hangingPunct="1">
+                <a:spcBef>
+                  <a:spcPct val="20000"/>
+                </a:spcBef>
+                <a:buFont typeface="Arial" pitchFamily="34" charset="0"/>
+                <a:buChar char="•"/>
+                <a:defRPr sz="2700" kern="1200">
+                  <a:solidFill>
+                    <a:schemeClr val="tx1"/>
+                  </a:solidFill>
+                  <a:latin typeface="+mn-lt"/>
+                  <a:ea typeface="+mn-ea"/>
+                  <a:cs typeface="+mn-cs"/>
+                </a:defRPr>
+              </a:lvl8pPr>
+              <a:lvl9pPr marL="5180693" indent="-304747" algn="l" defTabSz="1218987" rtl="0" eaLnBrk="1" latinLnBrk="0" hangingPunct="1">
+                <a:spcBef>
+                  <a:spcPct val="20000"/>
+                </a:spcBef>
+                <a:buFont typeface="Arial" pitchFamily="34" charset="0"/>
+                <a:buChar char="•"/>
+                <a:defRPr sz="2700" kern="1200">
+                  <a:solidFill>
+                    <a:schemeClr val="tx1"/>
+                  </a:solidFill>
+                  <a:latin typeface="+mn-lt"/>
+                  <a:ea typeface="+mn-ea"/>
+                  <a:cs typeface="+mn-cs"/>
+                </a:defRPr>
+              </a:lvl9pPr>
+            </a:lstStyle>
+            <a:p>
+              <a:pPr marL="0" indent="0" algn="ctr">
+                <a:buNone/>
+              </a:pPr>
+              <a:r>
+                <a:rPr lang="en-US" sz="1600" dirty="0">
+                  <a:solidFill>
+                    <a:schemeClr val="tx1">
+                      <a:lumMod val="75000"/>
+                      <a:lumOff val="25000"/>
+                    </a:schemeClr>
+                  </a:solidFill>
+                  <a:latin typeface="Segoe UI" panose="020B0502040204020203" pitchFamily="34" charset="0"/>
+                  <a:ea typeface="Segoe UI" panose="020B0502040204020203" pitchFamily="34" charset="0"/>
+                  <a:cs typeface="Segoe UI" panose="020B0502040204020203" pitchFamily="34" charset="0"/>
+                </a:rPr>
+                <a:t>Create React Component Using Tailwind</a:t>
+              </a:r>
+            </a:p>
+          </p:txBody>
+        </p:sp>
+        <p:grpSp>
+          <p:nvGrpSpPr>
+            <p:cNvPr id="43" name="Группа 13">
+              <a:extLst>
+                <a:ext uri="{FF2B5EF4-FFF2-40B4-BE49-F238E27FC236}">
+                  <a16:creationId xmlns:a16="http://schemas.microsoft.com/office/drawing/2014/main" id="{8EEEC813-CFDE-734E-B1AE-A5E44A7CB487}"/>
+                </a:ext>
+              </a:extLst>
+            </p:cNvPr>
+            <p:cNvGrpSpPr/>
+            <p:nvPr/>
+          </p:nvGrpSpPr>
+          <p:grpSpPr>
+            <a:xfrm>
+              <a:off x="1301427" y="2738303"/>
+              <a:ext cx="225171" cy="757094"/>
+              <a:chOff x="1661226" y="4149080"/>
+              <a:chExt cx="225171" cy="757094"/>
+            </a:xfrm>
+          </p:grpSpPr>
+          <p:sp>
+            <p:nvSpPr>
+              <p:cNvPr id="47" name="Овал 10">
+                <a:extLst>
+                  <a:ext uri="{FF2B5EF4-FFF2-40B4-BE49-F238E27FC236}">
+                    <a16:creationId xmlns:a16="http://schemas.microsoft.com/office/drawing/2014/main" id="{A3F40D41-063A-CC4E-9F63-5290BEC9A7E6}"/>
+                  </a:ext>
+                </a:extLst>
+              </p:cNvPr>
+              <p:cNvSpPr/>
+              <p:nvPr/>
+            </p:nvSpPr>
+            <p:spPr>
+              <a:xfrm>
+                <a:off x="1661226" y="4681003"/>
+                <a:ext cx="225171" cy="225171"/>
+              </a:xfrm>
+              <a:prstGeom prst="ellipse">
+                <a:avLst/>
+              </a:prstGeom>
+              <a:solidFill>
+                <a:schemeClr val="accent1"/>
+              </a:solidFill>
+              <a:ln>
+                <a:noFill/>
+              </a:ln>
+            </p:spPr>
+            <p:style>
+              <a:lnRef idx="2">
+                <a:schemeClr val="accent1">
+                  <a:shade val="50000"/>
+                </a:schemeClr>
+              </a:lnRef>
+              <a:fillRef idx="1">
+                <a:schemeClr val="accent1"/>
+              </a:fillRef>
+              <a:effectRef idx="0">
+                <a:schemeClr val="accent1"/>
+              </a:effectRef>
+              <a:fontRef idx="minor">
+                <a:schemeClr val="lt1"/>
+              </a:fontRef>
+            </p:style>
+            <p:txBody>
+              <a:bodyPr rtlCol="0" anchor="ctr"/>
+              <a:lstStyle/>
+              <a:p>
+                <a:pPr algn="ctr"/>
+                <a:endParaRPr lang="en-US">
+                  <a:latin typeface="Segoe UI" panose="020B0502040204020203" pitchFamily="34" charset="0"/>
+                  <a:ea typeface="Segoe UI" panose="020B0502040204020203" pitchFamily="34" charset="0"/>
+                  <a:cs typeface="Segoe UI" panose="020B0502040204020203" pitchFamily="34" charset="0"/>
+                </a:endParaRPr>
+              </a:p>
+            </p:txBody>
+          </p:sp>
+          <p:cxnSp>
+            <p:nvCxnSpPr>
+              <p:cNvPr id="48" name="Прямая соединительная линия 12">
+                <a:extLst>
+                  <a:ext uri="{FF2B5EF4-FFF2-40B4-BE49-F238E27FC236}">
+                    <a16:creationId xmlns:a16="http://schemas.microsoft.com/office/drawing/2014/main" id="{D0AD80A5-3649-A947-8491-45852DD39A5F}"/>
+                  </a:ext>
+                </a:extLst>
+              </p:cNvPr>
+              <p:cNvCxnSpPr/>
+              <p:nvPr/>
+            </p:nvCxnSpPr>
+            <p:spPr>
+              <a:xfrm>
+                <a:off x="1773811" y="4149080"/>
+                <a:ext cx="0" cy="432048"/>
+              </a:xfrm>
+              <a:prstGeom prst="line">
+                <a:avLst/>
+              </a:prstGeom>
+              <a:ln>
+                <a:solidFill>
+                  <a:schemeClr val="accent5"/>
+                </a:solidFill>
+                <a:prstDash val="sysDot"/>
+              </a:ln>
+            </p:spPr>
+            <p:style>
+              <a:lnRef idx="1">
+                <a:schemeClr val="accent1"/>
+              </a:lnRef>
+              <a:fillRef idx="0">
+                <a:schemeClr val="accent1"/>
+              </a:fillRef>
+              <a:effectRef idx="0">
+                <a:schemeClr val="accent1"/>
+              </a:effectRef>
+              <a:fontRef idx="minor">
+                <a:schemeClr val="tx1"/>
+              </a:fontRef>
+            </p:style>
+          </p:cxnSp>
+        </p:grpSp>
+        <p:sp>
+          <p:nvSpPr>
+            <p:cNvPr id="44" name="Овал 4">
+              <a:extLst>
+                <a:ext uri="{FF2B5EF4-FFF2-40B4-BE49-F238E27FC236}">
+                  <a16:creationId xmlns:a16="http://schemas.microsoft.com/office/drawing/2014/main" id="{6F2C4054-C8CF-3B41-80DB-D88C72F6DD12}"/>
+                </a:ext>
+              </a:extLst>
+            </p:cNvPr>
+            <p:cNvSpPr/>
+            <p:nvPr/>
+          </p:nvSpPr>
+          <p:spPr>
+            <a:xfrm>
+              <a:off x="959215" y="4320491"/>
+              <a:ext cx="936104" cy="936104"/>
+            </a:xfrm>
+            <a:prstGeom prst="ellipse">
+              <a:avLst/>
+            </a:prstGeom>
+            <a:solidFill>
+              <a:schemeClr val="bg1"/>
+            </a:solidFill>
+            <a:ln w="152400">
+              <a:solidFill>
+                <a:schemeClr val="accent1"/>
+              </a:solidFill>
+            </a:ln>
+          </p:spPr>
+          <p:style>
+            <a:lnRef idx="2">
+              <a:schemeClr val="accent1">
+                <a:shade val="50000"/>
+              </a:schemeClr>
+            </a:lnRef>
+            <a:fillRef idx="1">
+              <a:schemeClr val="accent1"/>
+            </a:fillRef>
+            <a:effectRef idx="0">
+              <a:schemeClr val="accent1"/>
+            </a:effectRef>
+            <a:fontRef idx="minor">
+              <a:schemeClr val="lt1"/>
+            </a:fontRef>
+          </p:style>
+          <p:txBody>
+            <a:bodyPr rtlCol="0" anchor="ctr"/>
+            <a:lstStyle/>
+            <a:p>
+              <a:pPr algn="ctr"/>
+              <a:endParaRPr lang="en-US">
+                <a:latin typeface="Segoe UI" panose="020B0502040204020203" pitchFamily="34" charset="0"/>
+                <a:ea typeface="Segoe UI" panose="020B0502040204020203" pitchFamily="34" charset="0"/>
+                <a:cs typeface="Segoe UI" panose="020B0502040204020203" pitchFamily="34" charset="0"/>
+              </a:endParaRPr>
+            </a:p>
+          </p:txBody>
+        </p:sp>
+        <p:sp>
+          <p:nvSpPr>
+            <p:cNvPr id="45" name="Текст 2">
+              <a:extLst>
+                <a:ext uri="{FF2B5EF4-FFF2-40B4-BE49-F238E27FC236}">
+                  <a16:creationId xmlns:a16="http://schemas.microsoft.com/office/drawing/2014/main" id="{835CF3CA-A515-4748-957B-F3E087826A2F}"/>
+                </a:ext>
+              </a:extLst>
+            </p:cNvPr>
+            <p:cNvSpPr txBox="1">
+              <a:spLocks/>
+            </p:cNvSpPr>
+            <p:nvPr/>
+          </p:nvSpPr>
+          <p:spPr>
+            <a:xfrm>
+              <a:off x="347267" y="4468661"/>
+              <a:ext cx="2160000" cy="639763"/>
+            </a:xfrm>
+            <a:prstGeom prst="rect">
+              <a:avLst/>
+            </a:prstGeom>
+          </p:spPr>
+          <p:txBody>
+            <a:bodyPr vert="horz" lIns="121899" tIns="60949" rIns="121899" bIns="60949" rtlCol="0" anchor="ctr">
+              <a:normAutofit/>
+            </a:bodyPr>
+            <a:lstStyle>
+              <a:lvl1pPr marL="457120" indent="-457120" algn="l" defTabSz="1218987" rtl="0" eaLnBrk="1" latinLnBrk="0" hangingPunct="1">
+                <a:spcBef>
+                  <a:spcPct val="20000"/>
+                </a:spcBef>
+                <a:buFont typeface="Arial" pitchFamily="34" charset="0"/>
+                <a:buChar char="•"/>
+                <a:defRPr sz="2400" kern="1200">
+                  <a:solidFill>
+                    <a:schemeClr val="tx1"/>
+                  </a:solidFill>
+                  <a:latin typeface="+mj-lt"/>
+                  <a:ea typeface="+mn-ea"/>
+                  <a:cs typeface="+mn-cs"/>
+                </a:defRPr>
+              </a:lvl1pPr>
+              <a:lvl2pPr marL="990427" indent="-380933" algn="l" defTabSz="1218987" rtl="0" eaLnBrk="1" latinLnBrk="0" hangingPunct="1">
+                <a:spcBef>
+                  <a:spcPct val="20000"/>
+                </a:spcBef>
+                <a:buFont typeface="Arial" pitchFamily="34" charset="0"/>
+                <a:buChar char="–"/>
+                <a:defRPr sz="2000" kern="1200">
+                  <a:solidFill>
+                    <a:schemeClr val="tx1"/>
+                  </a:solidFill>
+                  <a:latin typeface="+mj-lt"/>
+                  <a:ea typeface="+mn-ea"/>
+                  <a:cs typeface="+mn-cs"/>
+                </a:defRPr>
+              </a:lvl2pPr>
+              <a:lvl3pPr marL="1523733" indent="-304747" algn="l" defTabSz="1218987" rtl="0" eaLnBrk="1" latinLnBrk="0" hangingPunct="1">
+                <a:spcBef>
+                  <a:spcPct val="20000"/>
+                </a:spcBef>
+                <a:buFont typeface="Arial" pitchFamily="34" charset="0"/>
+                <a:buChar char="•"/>
+                <a:defRPr sz="1600" kern="1200">
+                  <a:solidFill>
+                    <a:schemeClr val="tx1"/>
+                  </a:solidFill>
+                  <a:latin typeface="+mj-lt"/>
+                  <a:ea typeface="+mn-ea"/>
+                  <a:cs typeface="+mn-cs"/>
+                </a:defRPr>
+              </a:lvl3pPr>
+              <a:lvl4pPr marL="2133227" indent="-304747" algn="l" defTabSz="1218987" rtl="0" eaLnBrk="1" latinLnBrk="0" hangingPunct="1">
+                <a:spcBef>
+                  <a:spcPct val="20000"/>
+                </a:spcBef>
+                <a:buFont typeface="Arial" pitchFamily="34" charset="0"/>
+                <a:buChar char="–"/>
+                <a:defRPr sz="1400" kern="1200">
+                  <a:solidFill>
+                    <a:schemeClr val="tx1"/>
+                  </a:solidFill>
+                  <a:latin typeface="+mj-lt"/>
+                  <a:ea typeface="+mn-ea"/>
+                  <a:cs typeface="+mn-cs"/>
+                </a:defRPr>
+              </a:lvl4pPr>
+              <a:lvl5pPr marL="2742720" indent="-304747" algn="l" defTabSz="1218987" rtl="0" eaLnBrk="1" latinLnBrk="0" hangingPunct="1">
+                <a:spcBef>
+                  <a:spcPct val="20000"/>
+                </a:spcBef>
+                <a:buFont typeface="Arial" pitchFamily="34" charset="0"/>
+                <a:buChar char="»"/>
+                <a:defRPr sz="1400" kern="1200">
+                  <a:solidFill>
+                    <a:schemeClr val="tx1"/>
+                  </a:solidFill>
+                  <a:latin typeface="+mj-lt"/>
+                  <a:ea typeface="+mn-ea"/>
+                  <a:cs typeface="+mn-cs"/>
+                </a:defRPr>
+              </a:lvl5pPr>
+              <a:lvl6pPr marL="3352213" indent="-304747" algn="l" defTabSz="1218987" rtl="0" eaLnBrk="1" latinLnBrk="0" hangingPunct="1">
+                <a:spcBef>
+                  <a:spcPct val="20000"/>
+                </a:spcBef>
+                <a:buFont typeface="Arial" pitchFamily="34" charset="0"/>
+                <a:buChar char="•"/>
+                <a:defRPr sz="2700" kern="1200">
+                  <a:solidFill>
+                    <a:schemeClr val="tx1"/>
+                  </a:solidFill>
+                  <a:latin typeface="+mn-lt"/>
+                  <a:ea typeface="+mn-ea"/>
+                  <a:cs typeface="+mn-cs"/>
+                </a:defRPr>
+              </a:lvl6pPr>
+              <a:lvl7pPr marL="3961707" indent="-304747" algn="l" defTabSz="1218987" rtl="0" eaLnBrk="1" latinLnBrk="0" hangingPunct="1">
+                <a:spcBef>
+                  <a:spcPct val="20000"/>
+                </a:spcBef>
+                <a:buFont typeface="Arial" pitchFamily="34" charset="0"/>
+                <a:buChar char="•"/>
+                <a:defRPr sz="2700" kern="1200">
+                  <a:solidFill>
+                    <a:schemeClr val="tx1"/>
+                  </a:solidFill>
+                  <a:latin typeface="+mn-lt"/>
+                  <a:ea typeface="+mn-ea"/>
+                  <a:cs typeface="+mn-cs"/>
+                </a:defRPr>
+              </a:lvl7pPr>
+              <a:lvl8pPr marL="4571200" indent="-304747" algn="l" defTabSz="1218987" rtl="0" eaLnBrk="1" latinLnBrk="0" hangingPunct="1">
+                <a:spcBef>
+                  <a:spcPct val="20000"/>
+                </a:spcBef>
+                <a:buFont typeface="Arial" pitchFamily="34" charset="0"/>
+                <a:buChar char="•"/>
+                <a:defRPr sz="2700" kern="1200">
+                  <a:solidFill>
+                    <a:schemeClr val="tx1"/>
+                  </a:solidFill>
+                  <a:latin typeface="+mn-lt"/>
+                  <a:ea typeface="+mn-ea"/>
+                  <a:cs typeface="+mn-cs"/>
+                </a:defRPr>
+              </a:lvl8pPr>
+              <a:lvl9pPr marL="5180693" indent="-304747" algn="l" defTabSz="1218987" rtl="0" eaLnBrk="1" latinLnBrk="0" hangingPunct="1">
+                <a:spcBef>
+                  <a:spcPct val="20000"/>
+                </a:spcBef>
+                <a:buFont typeface="Arial" pitchFamily="34" charset="0"/>
+                <a:buChar char="•"/>
+                <a:defRPr sz="2700" kern="1200">
+                  <a:solidFill>
+                    <a:schemeClr val="tx1"/>
+                  </a:solidFill>
+                  <a:latin typeface="+mn-lt"/>
+                  <a:ea typeface="+mn-ea"/>
+                  <a:cs typeface="+mn-cs"/>
+                </a:defRPr>
+              </a:lvl9pPr>
+            </a:lstStyle>
+            <a:p>
+              <a:pPr marL="0" indent="0" algn="ctr">
+                <a:buNone/>
+              </a:pPr>
+              <a:r>
+                <a:rPr lang="en-US" sz="1600" b="1" dirty="0">
+                  <a:solidFill>
+                    <a:schemeClr val="accent1"/>
+                  </a:solidFill>
+                  <a:latin typeface="Segoe UI" panose="020B0502040204020203" pitchFamily="34" charset="0"/>
+                  <a:ea typeface="Segoe UI" panose="020B0502040204020203" pitchFamily="34" charset="0"/>
+                  <a:cs typeface="Segoe UI" panose="020B0502040204020203" pitchFamily="34" charset="0"/>
+                </a:rPr>
+                <a:t>2</a:t>
+              </a:r>
+            </a:p>
+          </p:txBody>
+        </p:sp>
+        <p:sp>
+          <p:nvSpPr>
+            <p:cNvPr id="46" name="Текст 2">
+              <a:extLst>
+                <a:ext uri="{FF2B5EF4-FFF2-40B4-BE49-F238E27FC236}">
+                  <a16:creationId xmlns:a16="http://schemas.microsoft.com/office/drawing/2014/main" id="{CA610F33-AB99-3D46-B374-EFE81F0605DC}"/>
+                </a:ext>
+              </a:extLst>
+            </p:cNvPr>
+            <p:cNvSpPr txBox="1">
+              <a:spLocks/>
+            </p:cNvSpPr>
+            <p:nvPr/>
+          </p:nvSpPr>
+          <p:spPr>
+            <a:xfrm>
+              <a:off x="334012" y="5514197"/>
+              <a:ext cx="2160000" cy="392430"/>
+            </a:xfrm>
+            <a:prstGeom prst="rect">
+              <a:avLst/>
+            </a:prstGeom>
+          </p:spPr>
+          <p:txBody>
+            <a:bodyPr vert="horz" lIns="121899" tIns="60949" rIns="121899" bIns="60949" rtlCol="0" anchor="ctr">
+              <a:normAutofit/>
+            </a:bodyPr>
+            <a:lstStyle>
+              <a:lvl1pPr marL="457120" indent="-457120" algn="l" defTabSz="1218987" rtl="0" eaLnBrk="1" latinLnBrk="0" hangingPunct="1">
+                <a:spcBef>
+                  <a:spcPct val="20000"/>
+                </a:spcBef>
+                <a:buFont typeface="Arial" pitchFamily="34" charset="0"/>
+                <a:buChar char="•"/>
+                <a:defRPr sz="2400" kern="1200">
+                  <a:solidFill>
+                    <a:schemeClr val="tx1"/>
+                  </a:solidFill>
+                  <a:latin typeface="+mj-lt"/>
+                  <a:ea typeface="+mn-ea"/>
+                  <a:cs typeface="+mn-cs"/>
+                </a:defRPr>
+              </a:lvl1pPr>
+              <a:lvl2pPr marL="990427" indent="-380933" algn="l" defTabSz="1218987" rtl="0" eaLnBrk="1" latinLnBrk="0" hangingPunct="1">
+                <a:spcBef>
+                  <a:spcPct val="20000"/>
+                </a:spcBef>
+                <a:buFont typeface="Arial" pitchFamily="34" charset="0"/>
+                <a:buChar char="–"/>
+                <a:defRPr sz="2000" kern="1200">
+                  <a:solidFill>
+                    <a:schemeClr val="tx1"/>
+                  </a:solidFill>
+                  <a:latin typeface="+mj-lt"/>
+                  <a:ea typeface="+mn-ea"/>
+                  <a:cs typeface="+mn-cs"/>
+                </a:defRPr>
+              </a:lvl2pPr>
+              <a:lvl3pPr marL="1523733" indent="-304747" algn="l" defTabSz="1218987" rtl="0" eaLnBrk="1" latinLnBrk="0" hangingPunct="1">
+                <a:spcBef>
+                  <a:spcPct val="20000"/>
+                </a:spcBef>
+                <a:buFont typeface="Arial" pitchFamily="34" charset="0"/>
+                <a:buChar char="•"/>
+                <a:defRPr sz="1600" kern="1200">
+                  <a:solidFill>
+                    <a:schemeClr val="tx1"/>
+                  </a:solidFill>
+                  <a:latin typeface="+mj-lt"/>
+                  <a:ea typeface="+mn-ea"/>
+                  <a:cs typeface="+mn-cs"/>
+                </a:defRPr>
+              </a:lvl3pPr>
+              <a:lvl4pPr marL="2133227" indent="-304747" algn="l" defTabSz="1218987" rtl="0" eaLnBrk="1" latinLnBrk="0" hangingPunct="1">
+                <a:spcBef>
+                  <a:spcPct val="20000"/>
+                </a:spcBef>
+                <a:buFont typeface="Arial" pitchFamily="34" charset="0"/>
+                <a:buChar char="–"/>
+                <a:defRPr sz="1400" kern="1200">
+                  <a:solidFill>
+                    <a:schemeClr val="tx1"/>
+                  </a:solidFill>
+                  <a:latin typeface="+mj-lt"/>
+                  <a:ea typeface="+mn-ea"/>
+                  <a:cs typeface="+mn-cs"/>
+                </a:defRPr>
+              </a:lvl4pPr>
+              <a:lvl5pPr marL="2742720" indent="-304747" algn="l" defTabSz="1218987" rtl="0" eaLnBrk="1" latinLnBrk="0" hangingPunct="1">
+                <a:spcBef>
+                  <a:spcPct val="20000"/>
+                </a:spcBef>
+                <a:buFont typeface="Arial" pitchFamily="34" charset="0"/>
+                <a:buChar char="»"/>
+                <a:defRPr sz="1400" kern="1200">
+                  <a:solidFill>
+                    <a:schemeClr val="tx1"/>
+                  </a:solidFill>
+                  <a:latin typeface="+mj-lt"/>
+                  <a:ea typeface="+mn-ea"/>
+                  <a:cs typeface="+mn-cs"/>
+                </a:defRPr>
+              </a:lvl5pPr>
+              <a:lvl6pPr marL="3352213" indent="-304747" algn="l" defTabSz="1218987" rtl="0" eaLnBrk="1" latinLnBrk="0" hangingPunct="1">
+                <a:spcBef>
+                  <a:spcPct val="20000"/>
+                </a:spcBef>
+                <a:buFont typeface="Arial" pitchFamily="34" charset="0"/>
+                <a:buChar char="•"/>
+                <a:defRPr sz="2700" kern="1200">
+                  <a:solidFill>
+                    <a:schemeClr val="tx1"/>
+                  </a:solidFill>
+                  <a:latin typeface="+mn-lt"/>
+                  <a:ea typeface="+mn-ea"/>
+                  <a:cs typeface="+mn-cs"/>
+                </a:defRPr>
+              </a:lvl6pPr>
+              <a:lvl7pPr marL="3961707" indent="-304747" algn="l" defTabSz="1218987" rtl="0" eaLnBrk="1" latinLnBrk="0" hangingPunct="1">
+                <a:spcBef>
+                  <a:spcPct val="20000"/>
+                </a:spcBef>
+                <a:buFont typeface="Arial" pitchFamily="34" charset="0"/>
+                <a:buChar char="•"/>
+                <a:defRPr sz="2700" kern="1200">
+                  <a:solidFill>
+                    <a:schemeClr val="tx1"/>
+                  </a:solidFill>
+                  <a:latin typeface="+mn-lt"/>
+                  <a:ea typeface="+mn-ea"/>
+                  <a:cs typeface="+mn-cs"/>
+                </a:defRPr>
+              </a:lvl7pPr>
+              <a:lvl8pPr marL="4571200" indent="-304747" algn="l" defTabSz="1218987" rtl="0" eaLnBrk="1" latinLnBrk="0" hangingPunct="1">
+                <a:spcBef>
+                  <a:spcPct val="20000"/>
+                </a:spcBef>
+                <a:buFont typeface="Arial" pitchFamily="34" charset="0"/>
+                <a:buChar char="•"/>
+                <a:defRPr sz="2700" kern="1200">
+                  <a:solidFill>
+                    <a:schemeClr val="tx1"/>
+                  </a:solidFill>
+                  <a:latin typeface="+mn-lt"/>
+                  <a:ea typeface="+mn-ea"/>
+                  <a:cs typeface="+mn-cs"/>
+                </a:defRPr>
+              </a:lvl8pPr>
+              <a:lvl9pPr marL="5180693" indent="-304747" algn="l" defTabSz="1218987" rtl="0" eaLnBrk="1" latinLnBrk="0" hangingPunct="1">
+                <a:spcBef>
+                  <a:spcPct val="20000"/>
+                </a:spcBef>
+                <a:buFont typeface="Arial" pitchFamily="34" charset="0"/>
+                <a:buChar char="•"/>
+                <a:defRPr sz="2700" kern="1200">
+                  <a:solidFill>
+                    <a:schemeClr val="tx1"/>
+                  </a:solidFill>
+                  <a:latin typeface="+mn-lt"/>
+                  <a:ea typeface="+mn-ea"/>
+                  <a:cs typeface="+mn-cs"/>
+                </a:defRPr>
+              </a:lvl9pPr>
+            </a:lstStyle>
+            <a:p>
+              <a:pPr marL="0" indent="0" algn="ctr">
+                <a:buNone/>
+              </a:pPr>
+              <a:r>
+                <a:rPr lang="en-US" sz="1600" b="1" dirty="0">
+                  <a:solidFill>
+                    <a:schemeClr val="bg1"/>
+                  </a:solidFill>
+                  <a:latin typeface="Segoe UI" panose="020B0502040204020203" pitchFamily="34" charset="0"/>
+                  <a:ea typeface="Segoe UI" panose="020B0502040204020203" pitchFamily="34" charset="0"/>
+                  <a:cs typeface="Segoe UI" panose="020B0502040204020203" pitchFamily="34" charset="0"/>
+                </a:rPr>
+                <a:t>Material Design</a:t>
+              </a:r>
+            </a:p>
+          </p:txBody>
+        </p:sp>
+      </p:grpSp>
+      <p:grpSp>
+        <p:nvGrpSpPr>
+          <p:cNvPr id="49" name="Group 48">
+            <a:extLst>
+              <a:ext uri="{FF2B5EF4-FFF2-40B4-BE49-F238E27FC236}">
+                <a16:creationId xmlns:a16="http://schemas.microsoft.com/office/drawing/2014/main" id="{BB10B6EF-6D56-254E-A352-E4399B8E1BD4}"/>
+              </a:ext>
+            </a:extLst>
+          </p:cNvPr>
+          <p:cNvGrpSpPr/>
+          <p:nvPr/>
+        </p:nvGrpSpPr>
+        <p:grpSpPr>
+          <a:xfrm>
+            <a:off x="5017461" y="3090673"/>
+            <a:ext cx="2173255" cy="3855732"/>
+            <a:chOff x="334012" y="2050895"/>
+            <a:chExt cx="2173255" cy="3855732"/>
+          </a:xfrm>
+        </p:grpSpPr>
+        <p:sp>
+          <p:nvSpPr>
+            <p:cNvPr id="50" name="Текст 2">
+              <a:extLst>
+                <a:ext uri="{FF2B5EF4-FFF2-40B4-BE49-F238E27FC236}">
+                  <a16:creationId xmlns:a16="http://schemas.microsoft.com/office/drawing/2014/main" id="{4D165403-75CA-3B4E-B476-A1584298B1A6}"/>
+                </a:ext>
+              </a:extLst>
+            </p:cNvPr>
+            <p:cNvSpPr txBox="1">
+              <a:spLocks/>
+            </p:cNvSpPr>
+            <p:nvPr/>
+          </p:nvSpPr>
+          <p:spPr>
+            <a:xfrm>
+              <a:off x="334012" y="3612634"/>
+              <a:ext cx="2160000" cy="392430"/>
+            </a:xfrm>
+            <a:prstGeom prst="rect">
+              <a:avLst/>
+            </a:prstGeom>
+          </p:spPr>
+          <p:txBody>
+            <a:bodyPr vert="horz" lIns="121899" tIns="60949" rIns="121899" bIns="60949" rtlCol="0" anchor="ctr">
+              <a:normAutofit/>
+            </a:bodyPr>
+            <a:lstStyle>
+              <a:lvl1pPr marL="457120" indent="-457120" algn="l" defTabSz="1218987" rtl="0" eaLnBrk="1" latinLnBrk="0" hangingPunct="1">
+                <a:spcBef>
+                  <a:spcPct val="20000"/>
+                </a:spcBef>
+                <a:buFont typeface="Arial" pitchFamily="34" charset="0"/>
+                <a:buChar char="•"/>
+                <a:defRPr sz="2400" kern="1200">
+                  <a:solidFill>
+                    <a:schemeClr val="tx1"/>
+                  </a:solidFill>
+                  <a:latin typeface="+mj-lt"/>
+                  <a:ea typeface="+mn-ea"/>
+                  <a:cs typeface="+mn-cs"/>
+                </a:defRPr>
+              </a:lvl1pPr>
+              <a:lvl2pPr marL="990427" indent="-380933" algn="l" defTabSz="1218987" rtl="0" eaLnBrk="1" latinLnBrk="0" hangingPunct="1">
+                <a:spcBef>
+                  <a:spcPct val="20000"/>
+                </a:spcBef>
+                <a:buFont typeface="Arial" pitchFamily="34" charset="0"/>
+                <a:buChar char="–"/>
+                <a:defRPr sz="2000" kern="1200">
+                  <a:solidFill>
+                    <a:schemeClr val="tx1"/>
+                  </a:solidFill>
+                  <a:latin typeface="+mj-lt"/>
+                  <a:ea typeface="+mn-ea"/>
+                  <a:cs typeface="+mn-cs"/>
+                </a:defRPr>
+              </a:lvl2pPr>
+              <a:lvl3pPr marL="1523733" indent="-304747" algn="l" defTabSz="1218987" rtl="0" eaLnBrk="1" latinLnBrk="0" hangingPunct="1">
+                <a:spcBef>
+                  <a:spcPct val="20000"/>
+                </a:spcBef>
+                <a:buFont typeface="Arial" pitchFamily="34" charset="0"/>
+                <a:buChar char="•"/>
+                <a:defRPr sz="1600" kern="1200">
+                  <a:solidFill>
+                    <a:schemeClr val="tx1"/>
+                  </a:solidFill>
+                  <a:latin typeface="+mj-lt"/>
+                  <a:ea typeface="+mn-ea"/>
+                  <a:cs typeface="+mn-cs"/>
+                </a:defRPr>
+              </a:lvl3pPr>
+              <a:lvl4pPr marL="2133227" indent="-304747" algn="l" defTabSz="1218987" rtl="0" eaLnBrk="1" latinLnBrk="0" hangingPunct="1">
+                <a:spcBef>
+                  <a:spcPct val="20000"/>
+                </a:spcBef>
+                <a:buFont typeface="Arial" pitchFamily="34" charset="0"/>
+                <a:buChar char="–"/>
+                <a:defRPr sz="1400" kern="1200">
+                  <a:solidFill>
+                    <a:schemeClr val="tx1"/>
+                  </a:solidFill>
+                  <a:latin typeface="+mj-lt"/>
+                  <a:ea typeface="+mn-ea"/>
+                  <a:cs typeface="+mn-cs"/>
+                </a:defRPr>
+              </a:lvl4pPr>
+              <a:lvl5pPr marL="2742720" indent="-304747" algn="l" defTabSz="1218987" rtl="0" eaLnBrk="1" latinLnBrk="0" hangingPunct="1">
+                <a:spcBef>
+                  <a:spcPct val="20000"/>
+                </a:spcBef>
+                <a:buFont typeface="Arial" pitchFamily="34" charset="0"/>
+                <a:buChar char="»"/>
+                <a:defRPr sz="1400" kern="1200">
+                  <a:solidFill>
+                    <a:schemeClr val="tx1"/>
+                  </a:solidFill>
+                  <a:latin typeface="+mj-lt"/>
+                  <a:ea typeface="+mn-ea"/>
+                  <a:cs typeface="+mn-cs"/>
+                </a:defRPr>
+              </a:lvl5pPr>
+              <a:lvl6pPr marL="3352213" indent="-304747" algn="l" defTabSz="1218987" rtl="0" eaLnBrk="1" latinLnBrk="0" hangingPunct="1">
+                <a:spcBef>
+                  <a:spcPct val="20000"/>
+                </a:spcBef>
+                <a:buFont typeface="Arial" pitchFamily="34" charset="0"/>
+                <a:buChar char="•"/>
+                <a:defRPr sz="2700" kern="1200">
+                  <a:solidFill>
+                    <a:schemeClr val="tx1"/>
+                  </a:solidFill>
+                  <a:latin typeface="+mn-lt"/>
+                  <a:ea typeface="+mn-ea"/>
+                  <a:cs typeface="+mn-cs"/>
+                </a:defRPr>
+              </a:lvl6pPr>
+              <a:lvl7pPr marL="3961707" indent="-304747" algn="l" defTabSz="1218987" rtl="0" eaLnBrk="1" latinLnBrk="0" hangingPunct="1">
+                <a:spcBef>
+                  <a:spcPct val="20000"/>
+                </a:spcBef>
+                <a:buFont typeface="Arial" pitchFamily="34" charset="0"/>
+                <a:buChar char="•"/>
+                <a:defRPr sz="2700" kern="1200">
+                  <a:solidFill>
+                    <a:schemeClr val="tx1"/>
+                  </a:solidFill>
+                  <a:latin typeface="+mn-lt"/>
+                  <a:ea typeface="+mn-ea"/>
+                  <a:cs typeface="+mn-cs"/>
+                </a:defRPr>
+              </a:lvl7pPr>
+              <a:lvl8pPr marL="4571200" indent="-304747" algn="l" defTabSz="1218987" rtl="0" eaLnBrk="1" latinLnBrk="0" hangingPunct="1">
+                <a:spcBef>
+                  <a:spcPct val="20000"/>
+                </a:spcBef>
+                <a:buFont typeface="Arial" pitchFamily="34" charset="0"/>
+                <a:buChar char="•"/>
+                <a:defRPr sz="2700" kern="1200">
+                  <a:solidFill>
+                    <a:schemeClr val="tx1"/>
+                  </a:solidFill>
+                  <a:latin typeface="+mn-lt"/>
+                  <a:ea typeface="+mn-ea"/>
+                  <a:cs typeface="+mn-cs"/>
+                </a:defRPr>
+              </a:lvl8pPr>
+              <a:lvl9pPr marL="5180693" indent="-304747" algn="l" defTabSz="1218987" rtl="0" eaLnBrk="1" latinLnBrk="0" hangingPunct="1">
+                <a:spcBef>
+                  <a:spcPct val="20000"/>
+                </a:spcBef>
+                <a:buFont typeface="Arial" pitchFamily="34" charset="0"/>
+                <a:buChar char="•"/>
+                <a:defRPr sz="2700" kern="1200">
+                  <a:solidFill>
+                    <a:schemeClr val="tx1"/>
+                  </a:solidFill>
+                  <a:latin typeface="+mn-lt"/>
+                  <a:ea typeface="+mn-ea"/>
+                  <a:cs typeface="+mn-cs"/>
+                </a:defRPr>
+              </a:lvl9pPr>
+            </a:lstStyle>
+            <a:p>
+              <a:pPr marL="0" indent="0" algn="ctr">
+                <a:buNone/>
+              </a:pPr>
+              <a:r>
+                <a:rPr lang="en-US" sz="1600" b="1" dirty="0">
+                  <a:solidFill>
+                    <a:schemeClr val="accent1"/>
+                  </a:solidFill>
+                  <a:latin typeface="Segoe UI" panose="020B0502040204020203" pitchFamily="34" charset="0"/>
+                  <a:ea typeface="Segoe UI" panose="020B0502040204020203" pitchFamily="34" charset="0"/>
+                  <a:cs typeface="Segoe UI" panose="020B0502040204020203" pitchFamily="34" charset="0"/>
+                </a:rPr>
+                <a:t>Override</a:t>
+              </a:r>
+            </a:p>
+          </p:txBody>
+        </p:sp>
+        <p:sp>
+          <p:nvSpPr>
+            <p:cNvPr id="51" name="Объект 3">
+              <a:extLst>
+                <a:ext uri="{FF2B5EF4-FFF2-40B4-BE49-F238E27FC236}">
+                  <a16:creationId xmlns:a16="http://schemas.microsoft.com/office/drawing/2014/main" id="{58EC75FA-D253-6547-AE27-C5552DE80726}"/>
+                </a:ext>
+              </a:extLst>
+            </p:cNvPr>
+            <p:cNvSpPr txBox="1">
+              <a:spLocks/>
+            </p:cNvSpPr>
+            <p:nvPr/>
+          </p:nvSpPr>
+          <p:spPr>
+            <a:xfrm>
+              <a:off x="549916" y="2050895"/>
+              <a:ext cx="1728192" cy="628790"/>
+            </a:xfrm>
+            <a:prstGeom prst="rect">
+              <a:avLst/>
+            </a:prstGeom>
+          </p:spPr>
+          <p:txBody>
+            <a:bodyPr anchor="b"/>
+            <a:lstStyle>
+              <a:lvl1pPr marL="457120" indent="-457120" algn="l" defTabSz="1218987" rtl="0" eaLnBrk="1" latinLnBrk="0" hangingPunct="1">
+                <a:spcBef>
+                  <a:spcPct val="20000"/>
+                </a:spcBef>
+                <a:buFont typeface="Arial" pitchFamily="34" charset="0"/>
+                <a:buChar char="•"/>
+                <a:defRPr sz="3200" kern="1200">
+                  <a:solidFill>
+                    <a:schemeClr val="tx1"/>
+                  </a:solidFill>
+                  <a:latin typeface="+mj-lt"/>
+                  <a:ea typeface="+mn-ea"/>
+                  <a:cs typeface="+mn-cs"/>
+                </a:defRPr>
+              </a:lvl1pPr>
+              <a:lvl2pPr marL="990427" indent="-380933" algn="l" defTabSz="1218987" rtl="0" eaLnBrk="1" latinLnBrk="0" hangingPunct="1">
+                <a:spcBef>
+                  <a:spcPct val="20000"/>
+                </a:spcBef>
+                <a:buFont typeface="Arial" pitchFamily="34" charset="0"/>
+                <a:buChar char="–"/>
+                <a:defRPr sz="2800" kern="1200">
+                  <a:solidFill>
+                    <a:schemeClr val="tx1"/>
+                  </a:solidFill>
+                  <a:latin typeface="+mj-lt"/>
+                  <a:ea typeface="+mn-ea"/>
+                  <a:cs typeface="+mn-cs"/>
+                </a:defRPr>
+              </a:lvl2pPr>
+              <a:lvl3pPr marL="1523733" indent="-304747" algn="l" defTabSz="1218987" rtl="0" eaLnBrk="1" latinLnBrk="0" hangingPunct="1">
+                <a:spcBef>
+                  <a:spcPct val="20000"/>
+                </a:spcBef>
+                <a:buFont typeface="Arial" pitchFamily="34" charset="0"/>
+                <a:buChar char="•"/>
+                <a:defRPr sz="2000" kern="1200">
+                  <a:solidFill>
+                    <a:schemeClr val="tx1"/>
+                  </a:solidFill>
+                  <a:latin typeface="+mj-lt"/>
+                  <a:ea typeface="+mn-ea"/>
+                  <a:cs typeface="+mn-cs"/>
+                </a:defRPr>
+              </a:lvl3pPr>
+              <a:lvl4pPr marL="2133227" indent="-304747" algn="l" defTabSz="1218987" rtl="0" eaLnBrk="1" latinLnBrk="0" hangingPunct="1">
+                <a:spcBef>
+                  <a:spcPct val="20000"/>
+                </a:spcBef>
+                <a:buFont typeface="Arial" pitchFamily="34" charset="0"/>
+                <a:buChar char="–"/>
+                <a:defRPr sz="1800" kern="1200">
+                  <a:solidFill>
+                    <a:schemeClr val="tx1"/>
+                  </a:solidFill>
+                  <a:latin typeface="+mj-lt"/>
+                  <a:ea typeface="+mn-ea"/>
+                  <a:cs typeface="+mn-cs"/>
+                </a:defRPr>
+              </a:lvl4pPr>
+              <a:lvl5pPr marL="2742720" indent="-304747" algn="l" defTabSz="1218987" rtl="0" eaLnBrk="1" latinLnBrk="0" hangingPunct="1">
+                <a:spcBef>
+                  <a:spcPct val="20000"/>
+                </a:spcBef>
+                <a:buFont typeface="Arial" pitchFamily="34" charset="0"/>
+                <a:buChar char="»"/>
+                <a:defRPr sz="1800" kern="1200">
+                  <a:solidFill>
+                    <a:schemeClr val="tx1"/>
+                  </a:solidFill>
+                  <a:latin typeface="+mj-lt"/>
+                  <a:ea typeface="+mn-ea"/>
+                  <a:cs typeface="+mn-cs"/>
+                </a:defRPr>
+              </a:lvl5pPr>
+              <a:lvl6pPr marL="3352213" indent="-304747" algn="l" defTabSz="1218987" rtl="0" eaLnBrk="1" latinLnBrk="0" hangingPunct="1">
+                <a:spcBef>
+                  <a:spcPct val="20000"/>
+                </a:spcBef>
+                <a:buFont typeface="Arial" pitchFamily="34" charset="0"/>
+                <a:buChar char="•"/>
+                <a:defRPr sz="2700" kern="1200">
+                  <a:solidFill>
+                    <a:schemeClr val="tx1"/>
+                  </a:solidFill>
+                  <a:latin typeface="+mn-lt"/>
+                  <a:ea typeface="+mn-ea"/>
+                  <a:cs typeface="+mn-cs"/>
+                </a:defRPr>
+              </a:lvl6pPr>
+              <a:lvl7pPr marL="3961707" indent="-304747" algn="l" defTabSz="1218987" rtl="0" eaLnBrk="1" latinLnBrk="0" hangingPunct="1">
+                <a:spcBef>
+                  <a:spcPct val="20000"/>
+                </a:spcBef>
+                <a:buFont typeface="Arial" pitchFamily="34" charset="0"/>
+                <a:buChar char="•"/>
+                <a:defRPr sz="2700" kern="1200">
+                  <a:solidFill>
+                    <a:schemeClr val="tx1"/>
+                  </a:solidFill>
+                  <a:latin typeface="+mn-lt"/>
+                  <a:ea typeface="+mn-ea"/>
+                  <a:cs typeface="+mn-cs"/>
+                </a:defRPr>
+              </a:lvl7pPr>
+              <a:lvl8pPr marL="4571200" indent="-304747" algn="l" defTabSz="1218987" rtl="0" eaLnBrk="1" latinLnBrk="0" hangingPunct="1">
+                <a:spcBef>
+                  <a:spcPct val="20000"/>
+                </a:spcBef>
+                <a:buFont typeface="Arial" pitchFamily="34" charset="0"/>
+                <a:buChar char="•"/>
+                <a:defRPr sz="2700" kern="1200">
+                  <a:solidFill>
+                    <a:schemeClr val="tx1"/>
+                  </a:solidFill>
+                  <a:latin typeface="+mn-lt"/>
+                  <a:ea typeface="+mn-ea"/>
+                  <a:cs typeface="+mn-cs"/>
+                </a:defRPr>
+              </a:lvl8pPr>
+              <a:lvl9pPr marL="5180693" indent="-304747" algn="l" defTabSz="1218987" rtl="0" eaLnBrk="1" latinLnBrk="0" hangingPunct="1">
+                <a:spcBef>
+                  <a:spcPct val="20000"/>
+                </a:spcBef>
+                <a:buFont typeface="Arial" pitchFamily="34" charset="0"/>
+                <a:buChar char="•"/>
+                <a:defRPr sz="2700" kern="1200">
+                  <a:solidFill>
+                    <a:schemeClr val="tx1"/>
+                  </a:solidFill>
+                  <a:latin typeface="+mn-lt"/>
+                  <a:ea typeface="+mn-ea"/>
+                  <a:cs typeface="+mn-cs"/>
+                </a:defRPr>
+              </a:lvl9pPr>
+            </a:lstStyle>
+            <a:p>
+              <a:pPr marL="0" indent="0" algn="ctr">
+                <a:buNone/>
+              </a:pPr>
+              <a:r>
+                <a:rPr lang="en-US" sz="1600" dirty="0">
+                  <a:solidFill>
+                    <a:schemeClr val="tx1">
+                      <a:lumMod val="75000"/>
+                      <a:lumOff val="25000"/>
+                    </a:schemeClr>
+                  </a:solidFill>
+                  <a:latin typeface="Segoe UI" panose="020B0502040204020203" pitchFamily="34" charset="0"/>
+                  <a:ea typeface="Segoe UI" panose="020B0502040204020203" pitchFamily="34" charset="0"/>
+                  <a:cs typeface="Segoe UI" panose="020B0502040204020203" pitchFamily="34" charset="0"/>
+                </a:rPr>
+                <a:t>Customize Material Design Component as per provided Visuals</a:t>
+              </a:r>
+            </a:p>
+          </p:txBody>
+        </p:sp>
+        <p:grpSp>
+          <p:nvGrpSpPr>
+            <p:cNvPr id="52" name="Группа 13">
+              <a:extLst>
+                <a:ext uri="{FF2B5EF4-FFF2-40B4-BE49-F238E27FC236}">
+                  <a16:creationId xmlns:a16="http://schemas.microsoft.com/office/drawing/2014/main" id="{115B54F2-3265-174F-B3C5-08E43EA44F56}"/>
+                </a:ext>
+              </a:extLst>
+            </p:cNvPr>
+            <p:cNvGrpSpPr/>
+            <p:nvPr/>
+          </p:nvGrpSpPr>
+          <p:grpSpPr>
+            <a:xfrm>
+              <a:off x="1301427" y="2738303"/>
+              <a:ext cx="225171" cy="757094"/>
+              <a:chOff x="1661226" y="4149080"/>
+              <a:chExt cx="225171" cy="757094"/>
+            </a:xfrm>
+          </p:grpSpPr>
+          <p:sp>
+            <p:nvSpPr>
+              <p:cNvPr id="56" name="Овал 10">
+                <a:extLst>
+                  <a:ext uri="{FF2B5EF4-FFF2-40B4-BE49-F238E27FC236}">
+                    <a16:creationId xmlns:a16="http://schemas.microsoft.com/office/drawing/2014/main" id="{23E3F9A8-583B-A348-B3DE-B9FC3515C763}"/>
+                  </a:ext>
+                </a:extLst>
+              </p:cNvPr>
+              <p:cNvSpPr/>
+              <p:nvPr/>
+            </p:nvSpPr>
+            <p:spPr>
+              <a:xfrm>
+                <a:off x="1661226" y="4681003"/>
+                <a:ext cx="225171" cy="225171"/>
+              </a:xfrm>
+              <a:prstGeom prst="ellipse">
+                <a:avLst/>
+              </a:prstGeom>
+              <a:solidFill>
+                <a:schemeClr val="accent1"/>
+              </a:solidFill>
+              <a:ln>
+                <a:noFill/>
+              </a:ln>
+            </p:spPr>
+            <p:style>
+              <a:lnRef idx="2">
+                <a:schemeClr val="accent1">
+                  <a:shade val="50000"/>
+                </a:schemeClr>
+              </a:lnRef>
+              <a:fillRef idx="1">
+                <a:schemeClr val="accent1"/>
+              </a:fillRef>
+              <a:effectRef idx="0">
+                <a:schemeClr val="accent1"/>
+              </a:effectRef>
+              <a:fontRef idx="minor">
+                <a:schemeClr val="lt1"/>
+              </a:fontRef>
+            </p:style>
+            <p:txBody>
+              <a:bodyPr rtlCol="0" anchor="ctr"/>
+              <a:lstStyle/>
+              <a:p>
+                <a:pPr algn="ctr"/>
+                <a:endParaRPr lang="en-US">
+                  <a:latin typeface="Segoe UI" panose="020B0502040204020203" pitchFamily="34" charset="0"/>
+                  <a:ea typeface="Segoe UI" panose="020B0502040204020203" pitchFamily="34" charset="0"/>
+                  <a:cs typeface="Segoe UI" panose="020B0502040204020203" pitchFamily="34" charset="0"/>
+                </a:endParaRPr>
+              </a:p>
+            </p:txBody>
+          </p:sp>
+          <p:cxnSp>
+            <p:nvCxnSpPr>
+              <p:cNvPr id="57" name="Прямая соединительная линия 12">
+                <a:extLst>
+                  <a:ext uri="{FF2B5EF4-FFF2-40B4-BE49-F238E27FC236}">
+                    <a16:creationId xmlns:a16="http://schemas.microsoft.com/office/drawing/2014/main" id="{72B8A639-1178-374C-80D6-896F101C8264}"/>
+                  </a:ext>
+                </a:extLst>
+              </p:cNvPr>
+              <p:cNvCxnSpPr/>
+              <p:nvPr/>
+            </p:nvCxnSpPr>
+            <p:spPr>
+              <a:xfrm>
+                <a:off x="1773811" y="4149080"/>
+                <a:ext cx="0" cy="432048"/>
+              </a:xfrm>
+              <a:prstGeom prst="line">
+                <a:avLst/>
+              </a:prstGeom>
+              <a:ln>
+                <a:solidFill>
+                  <a:schemeClr val="accent5"/>
+                </a:solidFill>
+                <a:prstDash val="sysDot"/>
+              </a:ln>
+            </p:spPr>
+            <p:style>
+              <a:lnRef idx="1">
+                <a:schemeClr val="accent1"/>
+              </a:lnRef>
+              <a:fillRef idx="0">
+                <a:schemeClr val="accent1"/>
+              </a:fillRef>
+              <a:effectRef idx="0">
+                <a:schemeClr val="accent1"/>
+              </a:effectRef>
+              <a:fontRef idx="minor">
+                <a:schemeClr val="tx1"/>
+              </a:fontRef>
+            </p:style>
+          </p:cxnSp>
+        </p:grpSp>
+        <p:sp>
+          <p:nvSpPr>
+            <p:cNvPr id="53" name="Овал 4">
+              <a:extLst>
+                <a:ext uri="{FF2B5EF4-FFF2-40B4-BE49-F238E27FC236}">
+                  <a16:creationId xmlns:a16="http://schemas.microsoft.com/office/drawing/2014/main" id="{E2AC6F7C-E6DB-CC44-A33A-3088079FB4E3}"/>
+                </a:ext>
+              </a:extLst>
+            </p:cNvPr>
+            <p:cNvSpPr/>
+            <p:nvPr/>
+          </p:nvSpPr>
+          <p:spPr>
+            <a:xfrm>
+              <a:off x="959215" y="4320491"/>
+              <a:ext cx="936104" cy="936104"/>
+            </a:xfrm>
+            <a:prstGeom prst="ellipse">
+              <a:avLst/>
+            </a:prstGeom>
+            <a:solidFill>
+              <a:schemeClr val="bg1"/>
+            </a:solidFill>
+            <a:ln w="152400">
+              <a:solidFill>
+                <a:schemeClr val="accent1"/>
+              </a:solidFill>
+            </a:ln>
+          </p:spPr>
+          <p:style>
+            <a:lnRef idx="2">
+              <a:schemeClr val="accent1">
+                <a:shade val="50000"/>
+              </a:schemeClr>
+            </a:lnRef>
+            <a:fillRef idx="1">
+              <a:schemeClr val="accent1"/>
+            </a:fillRef>
+            <a:effectRef idx="0">
+              <a:schemeClr val="accent1"/>
+            </a:effectRef>
+            <a:fontRef idx="minor">
+              <a:schemeClr val="lt1"/>
+            </a:fontRef>
+          </p:style>
+          <p:txBody>
+            <a:bodyPr rtlCol="0" anchor="ctr"/>
+            <a:lstStyle/>
+            <a:p>
+              <a:pPr algn="ctr"/>
+              <a:endParaRPr lang="en-US">
+                <a:latin typeface="Segoe UI" panose="020B0502040204020203" pitchFamily="34" charset="0"/>
+                <a:ea typeface="Segoe UI" panose="020B0502040204020203" pitchFamily="34" charset="0"/>
+                <a:cs typeface="Segoe UI" panose="020B0502040204020203" pitchFamily="34" charset="0"/>
+              </a:endParaRPr>
+            </a:p>
+          </p:txBody>
+        </p:sp>
+        <p:sp>
+          <p:nvSpPr>
+            <p:cNvPr id="54" name="Текст 2">
+              <a:extLst>
+                <a:ext uri="{FF2B5EF4-FFF2-40B4-BE49-F238E27FC236}">
+                  <a16:creationId xmlns:a16="http://schemas.microsoft.com/office/drawing/2014/main" id="{3D199DB1-4918-204D-8161-CCECCE82794C}"/>
+                </a:ext>
+              </a:extLst>
+            </p:cNvPr>
+            <p:cNvSpPr txBox="1">
+              <a:spLocks/>
+            </p:cNvSpPr>
+            <p:nvPr/>
+          </p:nvSpPr>
+          <p:spPr>
+            <a:xfrm>
+              <a:off x="347267" y="4468661"/>
+              <a:ext cx="2160000" cy="639763"/>
+            </a:xfrm>
+            <a:prstGeom prst="rect">
+              <a:avLst/>
+            </a:prstGeom>
+          </p:spPr>
+          <p:txBody>
+            <a:bodyPr vert="horz" lIns="121899" tIns="60949" rIns="121899" bIns="60949" rtlCol="0" anchor="ctr">
+              <a:normAutofit/>
+            </a:bodyPr>
+            <a:lstStyle>
+              <a:lvl1pPr marL="457120" indent="-457120" algn="l" defTabSz="1218987" rtl="0" eaLnBrk="1" latinLnBrk="0" hangingPunct="1">
+                <a:spcBef>
+                  <a:spcPct val="20000"/>
+                </a:spcBef>
+                <a:buFont typeface="Arial" pitchFamily="34" charset="0"/>
+                <a:buChar char="•"/>
+                <a:defRPr sz="2400" kern="1200">
+                  <a:solidFill>
+                    <a:schemeClr val="tx1"/>
+                  </a:solidFill>
+                  <a:latin typeface="+mj-lt"/>
+                  <a:ea typeface="+mn-ea"/>
+                  <a:cs typeface="+mn-cs"/>
+                </a:defRPr>
+              </a:lvl1pPr>
+              <a:lvl2pPr marL="990427" indent="-380933" algn="l" defTabSz="1218987" rtl="0" eaLnBrk="1" latinLnBrk="0" hangingPunct="1">
+                <a:spcBef>
+                  <a:spcPct val="20000"/>
+                </a:spcBef>
+                <a:buFont typeface="Arial" pitchFamily="34" charset="0"/>
+                <a:buChar char="–"/>
+                <a:defRPr sz="2000" kern="1200">
+                  <a:solidFill>
+                    <a:schemeClr val="tx1"/>
+                  </a:solidFill>
+                  <a:latin typeface="+mj-lt"/>
+                  <a:ea typeface="+mn-ea"/>
+                  <a:cs typeface="+mn-cs"/>
+                </a:defRPr>
+              </a:lvl2pPr>
+              <a:lvl3pPr marL="1523733" indent="-304747" algn="l" defTabSz="1218987" rtl="0" eaLnBrk="1" latinLnBrk="0" hangingPunct="1">
+                <a:spcBef>
+                  <a:spcPct val="20000"/>
+                </a:spcBef>
+                <a:buFont typeface="Arial" pitchFamily="34" charset="0"/>
+                <a:buChar char="•"/>
+                <a:defRPr sz="1600" kern="1200">
+                  <a:solidFill>
+                    <a:schemeClr val="tx1"/>
+                  </a:solidFill>
+                  <a:latin typeface="+mj-lt"/>
+                  <a:ea typeface="+mn-ea"/>
+                  <a:cs typeface="+mn-cs"/>
+                </a:defRPr>
+              </a:lvl3pPr>
+              <a:lvl4pPr marL="2133227" indent="-304747" algn="l" defTabSz="1218987" rtl="0" eaLnBrk="1" latinLnBrk="0" hangingPunct="1">
+                <a:spcBef>
+                  <a:spcPct val="20000"/>
+                </a:spcBef>
+                <a:buFont typeface="Arial" pitchFamily="34" charset="0"/>
+                <a:buChar char="–"/>
+                <a:defRPr sz="1400" kern="1200">
+                  <a:solidFill>
+                    <a:schemeClr val="tx1"/>
+                  </a:solidFill>
+                  <a:latin typeface="+mj-lt"/>
+                  <a:ea typeface="+mn-ea"/>
+                  <a:cs typeface="+mn-cs"/>
+                </a:defRPr>
+              </a:lvl4pPr>
+              <a:lvl5pPr marL="2742720" indent="-304747" algn="l" defTabSz="1218987" rtl="0" eaLnBrk="1" latinLnBrk="0" hangingPunct="1">
+                <a:spcBef>
+                  <a:spcPct val="20000"/>
+                </a:spcBef>
+                <a:buFont typeface="Arial" pitchFamily="34" charset="0"/>
+                <a:buChar char="»"/>
+                <a:defRPr sz="1400" kern="1200">
+                  <a:solidFill>
+                    <a:schemeClr val="tx1"/>
+                  </a:solidFill>
+                  <a:latin typeface="+mj-lt"/>
+                  <a:ea typeface="+mn-ea"/>
+                  <a:cs typeface="+mn-cs"/>
+                </a:defRPr>
+              </a:lvl5pPr>
+              <a:lvl6pPr marL="3352213" indent="-304747" algn="l" defTabSz="1218987" rtl="0" eaLnBrk="1" latinLnBrk="0" hangingPunct="1">
+                <a:spcBef>
+                  <a:spcPct val="20000"/>
+                </a:spcBef>
+                <a:buFont typeface="Arial" pitchFamily="34" charset="0"/>
+                <a:buChar char="•"/>
+                <a:defRPr sz="2700" kern="1200">
+                  <a:solidFill>
+                    <a:schemeClr val="tx1"/>
+                  </a:solidFill>
+                  <a:latin typeface="+mn-lt"/>
+                  <a:ea typeface="+mn-ea"/>
+                  <a:cs typeface="+mn-cs"/>
+                </a:defRPr>
+              </a:lvl6pPr>
+              <a:lvl7pPr marL="3961707" indent="-304747" algn="l" defTabSz="1218987" rtl="0" eaLnBrk="1" latinLnBrk="0" hangingPunct="1">
+                <a:spcBef>
+                  <a:spcPct val="20000"/>
+                </a:spcBef>
+                <a:buFont typeface="Arial" pitchFamily="34" charset="0"/>
+                <a:buChar char="•"/>
+                <a:defRPr sz="2700" kern="1200">
+                  <a:solidFill>
+                    <a:schemeClr val="tx1"/>
+                  </a:solidFill>
+                  <a:latin typeface="+mn-lt"/>
+                  <a:ea typeface="+mn-ea"/>
+                  <a:cs typeface="+mn-cs"/>
+                </a:defRPr>
+              </a:lvl7pPr>
+              <a:lvl8pPr marL="4571200" indent="-304747" algn="l" defTabSz="1218987" rtl="0" eaLnBrk="1" latinLnBrk="0" hangingPunct="1">
+                <a:spcBef>
+                  <a:spcPct val="20000"/>
+                </a:spcBef>
+                <a:buFont typeface="Arial" pitchFamily="34" charset="0"/>
+                <a:buChar char="•"/>
+                <a:defRPr sz="2700" kern="1200">
+                  <a:solidFill>
+                    <a:schemeClr val="tx1"/>
+                  </a:solidFill>
+                  <a:latin typeface="+mn-lt"/>
+                  <a:ea typeface="+mn-ea"/>
+                  <a:cs typeface="+mn-cs"/>
+                </a:defRPr>
+              </a:lvl8pPr>
+              <a:lvl9pPr marL="5180693" indent="-304747" algn="l" defTabSz="1218987" rtl="0" eaLnBrk="1" latinLnBrk="0" hangingPunct="1">
+                <a:spcBef>
+                  <a:spcPct val="20000"/>
+                </a:spcBef>
+                <a:buFont typeface="Arial" pitchFamily="34" charset="0"/>
+                <a:buChar char="•"/>
+                <a:defRPr sz="2700" kern="1200">
+                  <a:solidFill>
+                    <a:schemeClr val="tx1"/>
+                  </a:solidFill>
+                  <a:latin typeface="+mn-lt"/>
+                  <a:ea typeface="+mn-ea"/>
+                  <a:cs typeface="+mn-cs"/>
+                </a:defRPr>
+              </a:lvl9pPr>
+            </a:lstStyle>
+            <a:p>
+              <a:pPr marL="0" indent="0" algn="ctr">
+                <a:buNone/>
+              </a:pPr>
+              <a:r>
+                <a:rPr lang="en-US" sz="1600" b="1" dirty="0">
+                  <a:solidFill>
+                    <a:schemeClr val="accent1"/>
+                  </a:solidFill>
+                  <a:latin typeface="Segoe UI" panose="020B0502040204020203" pitchFamily="34" charset="0"/>
+                  <a:ea typeface="Segoe UI" panose="020B0502040204020203" pitchFamily="34" charset="0"/>
+                  <a:cs typeface="Segoe UI" panose="020B0502040204020203" pitchFamily="34" charset="0"/>
+                </a:rPr>
+                <a:t>3</a:t>
+              </a:r>
+            </a:p>
+          </p:txBody>
+        </p:sp>
+        <p:sp>
+          <p:nvSpPr>
+            <p:cNvPr id="55" name="Текст 2">
+              <a:extLst>
+                <a:ext uri="{FF2B5EF4-FFF2-40B4-BE49-F238E27FC236}">
+                  <a16:creationId xmlns:a16="http://schemas.microsoft.com/office/drawing/2014/main" id="{31FE38FC-1786-DD4B-8B01-24EF30482ED9}"/>
+                </a:ext>
+              </a:extLst>
+            </p:cNvPr>
+            <p:cNvSpPr txBox="1">
+              <a:spLocks/>
+            </p:cNvSpPr>
+            <p:nvPr/>
+          </p:nvSpPr>
+          <p:spPr>
+            <a:xfrm>
+              <a:off x="334012" y="5514197"/>
+              <a:ext cx="2160000" cy="392430"/>
+            </a:xfrm>
+            <a:prstGeom prst="rect">
+              <a:avLst/>
+            </a:prstGeom>
+          </p:spPr>
+          <p:txBody>
+            <a:bodyPr vert="horz" lIns="121899" tIns="60949" rIns="121899" bIns="60949" rtlCol="0" anchor="ctr">
+              <a:normAutofit/>
+            </a:bodyPr>
+            <a:lstStyle>
+              <a:lvl1pPr marL="457120" indent="-457120" algn="l" defTabSz="1218987" rtl="0" eaLnBrk="1" latinLnBrk="0" hangingPunct="1">
+                <a:spcBef>
+                  <a:spcPct val="20000"/>
+                </a:spcBef>
+                <a:buFont typeface="Arial" pitchFamily="34" charset="0"/>
+                <a:buChar char="•"/>
+                <a:defRPr sz="2400" kern="1200">
+                  <a:solidFill>
+                    <a:schemeClr val="tx1"/>
+                  </a:solidFill>
+                  <a:latin typeface="+mj-lt"/>
+                  <a:ea typeface="+mn-ea"/>
+                  <a:cs typeface="+mn-cs"/>
+                </a:defRPr>
+              </a:lvl1pPr>
+              <a:lvl2pPr marL="990427" indent="-380933" algn="l" defTabSz="1218987" rtl="0" eaLnBrk="1" latinLnBrk="0" hangingPunct="1">
+                <a:spcBef>
+                  <a:spcPct val="20000"/>
+                </a:spcBef>
+                <a:buFont typeface="Arial" pitchFamily="34" charset="0"/>
+                <a:buChar char="–"/>
+                <a:defRPr sz="2000" kern="1200">
+                  <a:solidFill>
+                    <a:schemeClr val="tx1"/>
+                  </a:solidFill>
+                  <a:latin typeface="+mj-lt"/>
+                  <a:ea typeface="+mn-ea"/>
+                  <a:cs typeface="+mn-cs"/>
+                </a:defRPr>
+              </a:lvl2pPr>
+              <a:lvl3pPr marL="1523733" indent="-304747" algn="l" defTabSz="1218987" rtl="0" eaLnBrk="1" latinLnBrk="0" hangingPunct="1">
+                <a:spcBef>
+                  <a:spcPct val="20000"/>
+                </a:spcBef>
+                <a:buFont typeface="Arial" pitchFamily="34" charset="0"/>
+                <a:buChar char="•"/>
+                <a:defRPr sz="1600" kern="1200">
+                  <a:solidFill>
+                    <a:schemeClr val="tx1"/>
+                  </a:solidFill>
+                  <a:latin typeface="+mj-lt"/>
+                  <a:ea typeface="+mn-ea"/>
+                  <a:cs typeface="+mn-cs"/>
+                </a:defRPr>
+              </a:lvl3pPr>
+              <a:lvl4pPr marL="2133227" indent="-304747" algn="l" defTabSz="1218987" rtl="0" eaLnBrk="1" latinLnBrk="0" hangingPunct="1">
+                <a:spcBef>
+                  <a:spcPct val="20000"/>
+                </a:spcBef>
+                <a:buFont typeface="Arial" pitchFamily="34" charset="0"/>
+                <a:buChar char="–"/>
+                <a:defRPr sz="1400" kern="1200">
+                  <a:solidFill>
+                    <a:schemeClr val="tx1"/>
+                  </a:solidFill>
+                  <a:latin typeface="+mj-lt"/>
+                  <a:ea typeface="+mn-ea"/>
+                  <a:cs typeface="+mn-cs"/>
+                </a:defRPr>
+              </a:lvl4pPr>
+              <a:lvl5pPr marL="2742720" indent="-304747" algn="l" defTabSz="1218987" rtl="0" eaLnBrk="1" latinLnBrk="0" hangingPunct="1">
+                <a:spcBef>
+                  <a:spcPct val="20000"/>
+                </a:spcBef>
+                <a:buFont typeface="Arial" pitchFamily="34" charset="0"/>
+                <a:buChar char="»"/>
+                <a:defRPr sz="1400" kern="1200">
+                  <a:solidFill>
+                    <a:schemeClr val="tx1"/>
+                  </a:solidFill>
+                  <a:latin typeface="+mj-lt"/>
+                  <a:ea typeface="+mn-ea"/>
+                  <a:cs typeface="+mn-cs"/>
+                </a:defRPr>
+              </a:lvl5pPr>
+              <a:lvl6pPr marL="3352213" indent="-304747" algn="l" defTabSz="1218987" rtl="0" eaLnBrk="1" latinLnBrk="0" hangingPunct="1">
+                <a:spcBef>
+                  <a:spcPct val="20000"/>
+                </a:spcBef>
+                <a:buFont typeface="Arial" pitchFamily="34" charset="0"/>
+                <a:buChar char="•"/>
+                <a:defRPr sz="2700" kern="1200">
+                  <a:solidFill>
+                    <a:schemeClr val="tx1"/>
+                  </a:solidFill>
+                  <a:latin typeface="+mn-lt"/>
+                  <a:ea typeface="+mn-ea"/>
+                  <a:cs typeface="+mn-cs"/>
+                </a:defRPr>
+              </a:lvl6pPr>
+              <a:lvl7pPr marL="3961707" indent="-304747" algn="l" defTabSz="1218987" rtl="0" eaLnBrk="1" latinLnBrk="0" hangingPunct="1">
+                <a:spcBef>
+                  <a:spcPct val="20000"/>
+                </a:spcBef>
+                <a:buFont typeface="Arial" pitchFamily="34" charset="0"/>
+                <a:buChar char="•"/>
+                <a:defRPr sz="2700" kern="1200">
+                  <a:solidFill>
+                    <a:schemeClr val="tx1"/>
+                  </a:solidFill>
+                  <a:latin typeface="+mn-lt"/>
+                  <a:ea typeface="+mn-ea"/>
+                  <a:cs typeface="+mn-cs"/>
+                </a:defRPr>
+              </a:lvl7pPr>
+              <a:lvl8pPr marL="4571200" indent="-304747" algn="l" defTabSz="1218987" rtl="0" eaLnBrk="1" latinLnBrk="0" hangingPunct="1">
+                <a:spcBef>
+                  <a:spcPct val="20000"/>
+                </a:spcBef>
+                <a:buFont typeface="Arial" pitchFamily="34" charset="0"/>
+                <a:buChar char="•"/>
+                <a:defRPr sz="2700" kern="1200">
+                  <a:solidFill>
+                    <a:schemeClr val="tx1"/>
+                  </a:solidFill>
+                  <a:latin typeface="+mn-lt"/>
+                  <a:ea typeface="+mn-ea"/>
+                  <a:cs typeface="+mn-cs"/>
+                </a:defRPr>
+              </a:lvl8pPr>
+              <a:lvl9pPr marL="5180693" indent="-304747" algn="l" defTabSz="1218987" rtl="0" eaLnBrk="1" latinLnBrk="0" hangingPunct="1">
+                <a:spcBef>
+                  <a:spcPct val="20000"/>
+                </a:spcBef>
+                <a:buFont typeface="Arial" pitchFamily="34" charset="0"/>
+                <a:buChar char="•"/>
+                <a:defRPr sz="2700" kern="1200">
+                  <a:solidFill>
+                    <a:schemeClr val="tx1"/>
+                  </a:solidFill>
+                  <a:latin typeface="+mn-lt"/>
+                  <a:ea typeface="+mn-ea"/>
+                  <a:cs typeface="+mn-cs"/>
+                </a:defRPr>
+              </a:lvl9pPr>
+            </a:lstStyle>
+            <a:p>
+              <a:pPr marL="0" indent="0" algn="ctr">
+                <a:buNone/>
+              </a:pPr>
+              <a:r>
+                <a:rPr lang="en-US" sz="1600" b="1" dirty="0">
+                  <a:solidFill>
+                    <a:schemeClr val="bg1"/>
+                  </a:solidFill>
+                  <a:latin typeface="Segoe UI" panose="020B0502040204020203" pitchFamily="34" charset="0"/>
+                  <a:ea typeface="Segoe UI" panose="020B0502040204020203" pitchFamily="34" charset="0"/>
+                  <a:cs typeface="Segoe UI" panose="020B0502040204020203" pitchFamily="34" charset="0"/>
+                </a:rPr>
+                <a:t>Customization</a:t>
+              </a:r>
+            </a:p>
+          </p:txBody>
+        </p:sp>
+      </p:grpSp>
+      <p:grpSp>
+        <p:nvGrpSpPr>
+          <p:cNvPr id="58" name="Group 57">
+            <a:extLst>
+              <a:ext uri="{FF2B5EF4-FFF2-40B4-BE49-F238E27FC236}">
+                <a16:creationId xmlns:a16="http://schemas.microsoft.com/office/drawing/2014/main" id="{C216ACFE-A9D8-2741-BA40-766E3C1BCF0D}"/>
+              </a:ext>
+            </a:extLst>
+          </p:cNvPr>
+          <p:cNvGrpSpPr/>
+          <p:nvPr/>
+        </p:nvGrpSpPr>
+        <p:grpSpPr>
+          <a:xfrm>
+            <a:off x="7573604" y="2679685"/>
+            <a:ext cx="2173255" cy="3855732"/>
+            <a:chOff x="334012" y="2050895"/>
+            <a:chExt cx="2173255" cy="3855732"/>
+          </a:xfrm>
+        </p:grpSpPr>
+        <p:sp>
+          <p:nvSpPr>
+            <p:cNvPr id="59" name="Текст 2">
+              <a:extLst>
+                <a:ext uri="{FF2B5EF4-FFF2-40B4-BE49-F238E27FC236}">
+                  <a16:creationId xmlns:a16="http://schemas.microsoft.com/office/drawing/2014/main" id="{8EBD2A66-38A7-FD47-8AF6-1A28FCCB6DB8}"/>
+                </a:ext>
+              </a:extLst>
+            </p:cNvPr>
+            <p:cNvSpPr txBox="1">
+              <a:spLocks/>
+            </p:cNvSpPr>
+            <p:nvPr/>
+          </p:nvSpPr>
+          <p:spPr>
+            <a:xfrm>
+              <a:off x="334012" y="3612634"/>
+              <a:ext cx="2160000" cy="392430"/>
+            </a:xfrm>
+            <a:prstGeom prst="rect">
+              <a:avLst/>
+            </a:prstGeom>
+          </p:spPr>
+          <p:txBody>
+            <a:bodyPr vert="horz" lIns="121899" tIns="60949" rIns="121899" bIns="60949" rtlCol="0" anchor="ctr">
+              <a:normAutofit/>
+            </a:bodyPr>
+            <a:lstStyle>
+              <a:lvl1pPr marL="457120" indent="-457120" algn="l" defTabSz="1218987" rtl="0" eaLnBrk="1" latinLnBrk="0" hangingPunct="1">
+                <a:spcBef>
+                  <a:spcPct val="20000"/>
+                </a:spcBef>
+                <a:buFont typeface="Arial" pitchFamily="34" charset="0"/>
+                <a:buChar char="•"/>
+                <a:defRPr sz="2400" kern="1200">
+                  <a:solidFill>
+                    <a:schemeClr val="tx1"/>
+                  </a:solidFill>
+                  <a:latin typeface="+mj-lt"/>
+                  <a:ea typeface="+mn-ea"/>
+                  <a:cs typeface="+mn-cs"/>
+                </a:defRPr>
+              </a:lvl1pPr>
+              <a:lvl2pPr marL="990427" indent="-380933" algn="l" defTabSz="1218987" rtl="0" eaLnBrk="1" latinLnBrk="0" hangingPunct="1">
+                <a:spcBef>
+                  <a:spcPct val="20000"/>
+                </a:spcBef>
+                <a:buFont typeface="Arial" pitchFamily="34" charset="0"/>
+                <a:buChar char="–"/>
+                <a:defRPr sz="2000" kern="1200">
+                  <a:solidFill>
+                    <a:schemeClr val="tx1"/>
+                  </a:solidFill>
+                  <a:latin typeface="+mj-lt"/>
+                  <a:ea typeface="+mn-ea"/>
+                  <a:cs typeface="+mn-cs"/>
+                </a:defRPr>
+              </a:lvl2pPr>
+              <a:lvl3pPr marL="1523733" indent="-304747" algn="l" defTabSz="1218987" rtl="0" eaLnBrk="1" latinLnBrk="0" hangingPunct="1">
+                <a:spcBef>
+                  <a:spcPct val="20000"/>
+                </a:spcBef>
+                <a:buFont typeface="Arial" pitchFamily="34" charset="0"/>
+                <a:buChar char="•"/>
+                <a:defRPr sz="1600" kern="1200">
+                  <a:solidFill>
+                    <a:schemeClr val="tx1"/>
+                  </a:solidFill>
+                  <a:latin typeface="+mj-lt"/>
+                  <a:ea typeface="+mn-ea"/>
+                  <a:cs typeface="+mn-cs"/>
+                </a:defRPr>
+              </a:lvl3pPr>
+              <a:lvl4pPr marL="2133227" indent="-304747" algn="l" defTabSz="1218987" rtl="0" eaLnBrk="1" latinLnBrk="0" hangingPunct="1">
+                <a:spcBef>
+                  <a:spcPct val="20000"/>
+                </a:spcBef>
+                <a:buFont typeface="Arial" pitchFamily="34" charset="0"/>
+                <a:buChar char="–"/>
+                <a:defRPr sz="1400" kern="1200">
+                  <a:solidFill>
+                    <a:schemeClr val="tx1"/>
+                  </a:solidFill>
+                  <a:latin typeface="+mj-lt"/>
+                  <a:ea typeface="+mn-ea"/>
+                  <a:cs typeface="+mn-cs"/>
+                </a:defRPr>
+              </a:lvl4pPr>
+              <a:lvl5pPr marL="2742720" indent="-304747" algn="l" defTabSz="1218987" rtl="0" eaLnBrk="1" latinLnBrk="0" hangingPunct="1">
+                <a:spcBef>
+                  <a:spcPct val="20000"/>
+                </a:spcBef>
+                <a:buFont typeface="Arial" pitchFamily="34" charset="0"/>
+                <a:buChar char="»"/>
+                <a:defRPr sz="1400" kern="1200">
+                  <a:solidFill>
+                    <a:schemeClr val="tx1"/>
+                  </a:solidFill>
+                  <a:latin typeface="+mj-lt"/>
+                  <a:ea typeface="+mn-ea"/>
+                  <a:cs typeface="+mn-cs"/>
+                </a:defRPr>
+              </a:lvl5pPr>
+              <a:lvl6pPr marL="3352213" indent="-304747" algn="l" defTabSz="1218987" rtl="0" eaLnBrk="1" latinLnBrk="0" hangingPunct="1">
+                <a:spcBef>
+                  <a:spcPct val="20000"/>
+                </a:spcBef>
+                <a:buFont typeface="Arial" pitchFamily="34" charset="0"/>
+                <a:buChar char="•"/>
+                <a:defRPr sz="2700" kern="1200">
+                  <a:solidFill>
+                    <a:schemeClr val="tx1"/>
+                  </a:solidFill>
+                  <a:latin typeface="+mn-lt"/>
+                  <a:ea typeface="+mn-ea"/>
+                  <a:cs typeface="+mn-cs"/>
+                </a:defRPr>
+              </a:lvl6pPr>
+              <a:lvl7pPr marL="3961707" indent="-304747" algn="l" defTabSz="1218987" rtl="0" eaLnBrk="1" latinLnBrk="0" hangingPunct="1">
+                <a:spcBef>
+                  <a:spcPct val="20000"/>
+                </a:spcBef>
+                <a:buFont typeface="Arial" pitchFamily="34" charset="0"/>
+                <a:buChar char="•"/>
+                <a:defRPr sz="2700" kern="1200">
+                  <a:solidFill>
+                    <a:schemeClr val="tx1"/>
+                  </a:solidFill>
+                  <a:latin typeface="+mn-lt"/>
+                  <a:ea typeface="+mn-ea"/>
+                  <a:cs typeface="+mn-cs"/>
+                </a:defRPr>
+              </a:lvl7pPr>
+              <a:lvl8pPr marL="4571200" indent="-304747" algn="l" defTabSz="1218987" rtl="0" eaLnBrk="1" latinLnBrk="0" hangingPunct="1">
+                <a:spcBef>
+                  <a:spcPct val="20000"/>
+                </a:spcBef>
+                <a:buFont typeface="Arial" pitchFamily="34" charset="0"/>
+                <a:buChar char="•"/>
+                <a:defRPr sz="2700" kern="1200">
+                  <a:solidFill>
+                    <a:schemeClr val="tx1"/>
+                  </a:solidFill>
+                  <a:latin typeface="+mn-lt"/>
+                  <a:ea typeface="+mn-ea"/>
+                  <a:cs typeface="+mn-cs"/>
+                </a:defRPr>
+              </a:lvl8pPr>
+              <a:lvl9pPr marL="5180693" indent="-304747" algn="l" defTabSz="1218987" rtl="0" eaLnBrk="1" latinLnBrk="0" hangingPunct="1">
+                <a:spcBef>
+                  <a:spcPct val="20000"/>
+                </a:spcBef>
+                <a:buFont typeface="Arial" pitchFamily="34" charset="0"/>
+                <a:buChar char="•"/>
+                <a:defRPr sz="2700" kern="1200">
+                  <a:solidFill>
+                    <a:schemeClr val="tx1"/>
+                  </a:solidFill>
+                  <a:latin typeface="+mn-lt"/>
+                  <a:ea typeface="+mn-ea"/>
+                  <a:cs typeface="+mn-cs"/>
+                </a:defRPr>
+              </a:lvl9pPr>
+            </a:lstStyle>
+            <a:p>
+              <a:pPr marL="0" indent="0" algn="ctr">
+                <a:buNone/>
+              </a:pPr>
+              <a:r>
+                <a:rPr lang="en-US" sz="1600" b="1" dirty="0">
+                  <a:solidFill>
+                    <a:schemeClr val="accent1"/>
+                  </a:solidFill>
+                  <a:latin typeface="Segoe UI" panose="020B0502040204020203" pitchFamily="34" charset="0"/>
+                  <a:ea typeface="Segoe UI" panose="020B0502040204020203" pitchFamily="34" charset="0"/>
+                  <a:cs typeface="Segoe UI" panose="020B0502040204020203" pitchFamily="34" charset="0"/>
+                </a:rPr>
+                <a:t>Review</a:t>
+              </a:r>
+            </a:p>
+          </p:txBody>
+        </p:sp>
+        <p:sp>
+          <p:nvSpPr>
+            <p:cNvPr id="60" name="Объект 3">
+              <a:extLst>
+                <a:ext uri="{FF2B5EF4-FFF2-40B4-BE49-F238E27FC236}">
+                  <a16:creationId xmlns:a16="http://schemas.microsoft.com/office/drawing/2014/main" id="{C34A3E72-AE78-994F-A6C5-093C6D3F912D}"/>
+                </a:ext>
+              </a:extLst>
+            </p:cNvPr>
+            <p:cNvSpPr txBox="1">
+              <a:spLocks/>
+            </p:cNvSpPr>
+            <p:nvPr/>
+          </p:nvSpPr>
+          <p:spPr>
+            <a:xfrm>
+              <a:off x="549916" y="2050895"/>
+              <a:ext cx="1728192" cy="628790"/>
+            </a:xfrm>
+            <a:prstGeom prst="rect">
+              <a:avLst/>
+            </a:prstGeom>
+          </p:spPr>
+          <p:txBody>
+            <a:bodyPr anchor="b"/>
+            <a:lstStyle>
+              <a:lvl1pPr marL="457120" indent="-457120" algn="l" defTabSz="1218987" rtl="0" eaLnBrk="1" latinLnBrk="0" hangingPunct="1">
+                <a:spcBef>
+                  <a:spcPct val="20000"/>
+                </a:spcBef>
+                <a:buFont typeface="Arial" pitchFamily="34" charset="0"/>
+                <a:buChar char="•"/>
+                <a:defRPr sz="3200" kern="1200">
+                  <a:solidFill>
+                    <a:schemeClr val="tx1"/>
+                  </a:solidFill>
+                  <a:latin typeface="+mj-lt"/>
+                  <a:ea typeface="+mn-ea"/>
+                  <a:cs typeface="+mn-cs"/>
+                </a:defRPr>
+              </a:lvl1pPr>
+              <a:lvl2pPr marL="990427" indent="-380933" algn="l" defTabSz="1218987" rtl="0" eaLnBrk="1" latinLnBrk="0" hangingPunct="1">
+                <a:spcBef>
+                  <a:spcPct val="20000"/>
+                </a:spcBef>
+                <a:buFont typeface="Arial" pitchFamily="34" charset="0"/>
+                <a:buChar char="–"/>
+                <a:defRPr sz="2800" kern="1200">
+                  <a:solidFill>
+                    <a:schemeClr val="tx1"/>
+                  </a:solidFill>
+                  <a:latin typeface="+mj-lt"/>
+                  <a:ea typeface="+mn-ea"/>
+                  <a:cs typeface="+mn-cs"/>
+                </a:defRPr>
+              </a:lvl2pPr>
+              <a:lvl3pPr marL="1523733" indent="-304747" algn="l" defTabSz="1218987" rtl="0" eaLnBrk="1" latinLnBrk="0" hangingPunct="1">
+                <a:spcBef>
+                  <a:spcPct val="20000"/>
+                </a:spcBef>
+                <a:buFont typeface="Arial" pitchFamily="34" charset="0"/>
+                <a:buChar char="•"/>
+                <a:defRPr sz="2000" kern="1200">
+                  <a:solidFill>
+                    <a:schemeClr val="tx1"/>
+                  </a:solidFill>
+                  <a:latin typeface="+mj-lt"/>
+                  <a:ea typeface="+mn-ea"/>
+                  <a:cs typeface="+mn-cs"/>
+                </a:defRPr>
+              </a:lvl3pPr>
+              <a:lvl4pPr marL="2133227" indent="-304747" algn="l" defTabSz="1218987" rtl="0" eaLnBrk="1" latinLnBrk="0" hangingPunct="1">
+                <a:spcBef>
+                  <a:spcPct val="20000"/>
+                </a:spcBef>
+                <a:buFont typeface="Arial" pitchFamily="34" charset="0"/>
+                <a:buChar char="–"/>
+                <a:defRPr sz="1800" kern="1200">
+                  <a:solidFill>
+                    <a:schemeClr val="tx1"/>
+                  </a:solidFill>
+                  <a:latin typeface="+mj-lt"/>
+                  <a:ea typeface="+mn-ea"/>
+                  <a:cs typeface="+mn-cs"/>
+                </a:defRPr>
+              </a:lvl4pPr>
+              <a:lvl5pPr marL="2742720" indent="-304747" algn="l" defTabSz="1218987" rtl="0" eaLnBrk="1" latinLnBrk="0" hangingPunct="1">
+                <a:spcBef>
+                  <a:spcPct val="20000"/>
+                </a:spcBef>
+                <a:buFont typeface="Arial" pitchFamily="34" charset="0"/>
+                <a:buChar char="»"/>
+                <a:defRPr sz="1800" kern="1200">
+                  <a:solidFill>
+                    <a:schemeClr val="tx1"/>
+                  </a:solidFill>
+                  <a:latin typeface="+mj-lt"/>
+                  <a:ea typeface="+mn-ea"/>
+                  <a:cs typeface="+mn-cs"/>
+                </a:defRPr>
+              </a:lvl5pPr>
+              <a:lvl6pPr marL="3352213" indent="-304747" algn="l" defTabSz="1218987" rtl="0" eaLnBrk="1" latinLnBrk="0" hangingPunct="1">
+                <a:spcBef>
+                  <a:spcPct val="20000"/>
+                </a:spcBef>
+                <a:buFont typeface="Arial" pitchFamily="34" charset="0"/>
+                <a:buChar char="•"/>
+                <a:defRPr sz="2700" kern="1200">
+                  <a:solidFill>
+                    <a:schemeClr val="tx1"/>
+                  </a:solidFill>
+                  <a:latin typeface="+mn-lt"/>
+                  <a:ea typeface="+mn-ea"/>
+                  <a:cs typeface="+mn-cs"/>
+                </a:defRPr>
+              </a:lvl6pPr>
+              <a:lvl7pPr marL="3961707" indent="-304747" algn="l" defTabSz="1218987" rtl="0" eaLnBrk="1" latinLnBrk="0" hangingPunct="1">
+                <a:spcBef>
+                  <a:spcPct val="20000"/>
+                </a:spcBef>
+                <a:buFont typeface="Arial" pitchFamily="34" charset="0"/>
+                <a:buChar char="•"/>
+                <a:defRPr sz="2700" kern="1200">
+                  <a:solidFill>
+                    <a:schemeClr val="tx1"/>
+                  </a:solidFill>
+                  <a:latin typeface="+mn-lt"/>
+                  <a:ea typeface="+mn-ea"/>
+                  <a:cs typeface="+mn-cs"/>
+                </a:defRPr>
+              </a:lvl7pPr>
+              <a:lvl8pPr marL="4571200" indent="-304747" algn="l" defTabSz="1218987" rtl="0" eaLnBrk="1" latinLnBrk="0" hangingPunct="1">
+                <a:spcBef>
+                  <a:spcPct val="20000"/>
+                </a:spcBef>
+                <a:buFont typeface="Arial" pitchFamily="34" charset="0"/>
+                <a:buChar char="•"/>
+                <a:defRPr sz="2700" kern="1200">
+                  <a:solidFill>
+                    <a:schemeClr val="tx1"/>
+                  </a:solidFill>
+                  <a:latin typeface="+mn-lt"/>
+                  <a:ea typeface="+mn-ea"/>
+                  <a:cs typeface="+mn-cs"/>
+                </a:defRPr>
+              </a:lvl8pPr>
+              <a:lvl9pPr marL="5180693" indent="-304747" algn="l" defTabSz="1218987" rtl="0" eaLnBrk="1" latinLnBrk="0" hangingPunct="1">
+                <a:spcBef>
+                  <a:spcPct val="20000"/>
+                </a:spcBef>
+                <a:buFont typeface="Arial" pitchFamily="34" charset="0"/>
+                <a:buChar char="•"/>
+                <a:defRPr sz="2700" kern="1200">
+                  <a:solidFill>
+                    <a:schemeClr val="tx1"/>
+                  </a:solidFill>
+                  <a:latin typeface="+mn-lt"/>
+                  <a:ea typeface="+mn-ea"/>
+                  <a:cs typeface="+mn-cs"/>
+                </a:defRPr>
+              </a:lvl9pPr>
+            </a:lstStyle>
+            <a:p>
+              <a:pPr marL="0" indent="0" algn="ctr">
+                <a:buNone/>
+              </a:pPr>
+              <a:r>
+                <a:rPr lang="en-US" sz="1600" dirty="0">
+                  <a:solidFill>
+                    <a:schemeClr val="tx1">
+                      <a:lumMod val="75000"/>
+                      <a:lumOff val="25000"/>
+                    </a:schemeClr>
+                  </a:solidFill>
+                  <a:latin typeface="Segoe UI" panose="020B0502040204020203" pitchFamily="34" charset="0"/>
+                  <a:ea typeface="Segoe UI" panose="020B0502040204020203" pitchFamily="34" charset="0"/>
+                  <a:cs typeface="Segoe UI" panose="020B0502040204020203" pitchFamily="34" charset="0"/>
+                </a:rPr>
+                <a:t>Review design in all viewport </a:t>
+              </a:r>
+            </a:p>
+          </p:txBody>
+        </p:sp>
+        <p:grpSp>
+          <p:nvGrpSpPr>
+            <p:cNvPr id="61" name="Группа 13">
+              <a:extLst>
+                <a:ext uri="{FF2B5EF4-FFF2-40B4-BE49-F238E27FC236}">
+                  <a16:creationId xmlns:a16="http://schemas.microsoft.com/office/drawing/2014/main" id="{BBF4A5B3-0AE6-604A-923A-390486CE8238}"/>
+                </a:ext>
+              </a:extLst>
+            </p:cNvPr>
+            <p:cNvGrpSpPr/>
+            <p:nvPr/>
+          </p:nvGrpSpPr>
+          <p:grpSpPr>
+            <a:xfrm>
+              <a:off x="1301427" y="2738303"/>
+              <a:ext cx="225171" cy="757094"/>
+              <a:chOff x="1661226" y="4149080"/>
+              <a:chExt cx="225171" cy="757094"/>
+            </a:xfrm>
+          </p:grpSpPr>
+          <p:sp>
+            <p:nvSpPr>
+              <p:cNvPr id="65" name="Овал 10">
+                <a:extLst>
+                  <a:ext uri="{FF2B5EF4-FFF2-40B4-BE49-F238E27FC236}">
+                    <a16:creationId xmlns:a16="http://schemas.microsoft.com/office/drawing/2014/main" id="{3FDF269D-9ED1-4F41-B26C-319E54BCDAB8}"/>
+                  </a:ext>
+                </a:extLst>
+              </p:cNvPr>
+              <p:cNvSpPr/>
+              <p:nvPr/>
+            </p:nvSpPr>
+            <p:spPr>
+              <a:xfrm>
+                <a:off x="1661226" y="4681003"/>
+                <a:ext cx="225171" cy="225171"/>
+              </a:xfrm>
+              <a:prstGeom prst="ellipse">
+                <a:avLst/>
+              </a:prstGeom>
+              <a:solidFill>
+                <a:schemeClr val="accent1"/>
+              </a:solidFill>
+              <a:ln>
+                <a:noFill/>
+              </a:ln>
+            </p:spPr>
+            <p:style>
+              <a:lnRef idx="2">
+                <a:schemeClr val="accent1">
+                  <a:shade val="50000"/>
+                </a:schemeClr>
+              </a:lnRef>
+              <a:fillRef idx="1">
+                <a:schemeClr val="accent1"/>
+              </a:fillRef>
+              <a:effectRef idx="0">
+                <a:schemeClr val="accent1"/>
+              </a:effectRef>
+              <a:fontRef idx="minor">
+                <a:schemeClr val="lt1"/>
+              </a:fontRef>
+            </p:style>
+            <p:txBody>
+              <a:bodyPr rtlCol="0" anchor="ctr"/>
+              <a:lstStyle/>
+              <a:p>
+                <a:pPr algn="ctr"/>
+                <a:endParaRPr lang="en-US">
+                  <a:latin typeface="Segoe UI" panose="020B0502040204020203" pitchFamily="34" charset="0"/>
+                  <a:ea typeface="Segoe UI" panose="020B0502040204020203" pitchFamily="34" charset="0"/>
+                  <a:cs typeface="Segoe UI" panose="020B0502040204020203" pitchFamily="34" charset="0"/>
+                </a:endParaRPr>
+              </a:p>
+            </p:txBody>
+          </p:sp>
+          <p:cxnSp>
+            <p:nvCxnSpPr>
+              <p:cNvPr id="66" name="Прямая соединительная линия 12">
+                <a:extLst>
+                  <a:ext uri="{FF2B5EF4-FFF2-40B4-BE49-F238E27FC236}">
+                    <a16:creationId xmlns:a16="http://schemas.microsoft.com/office/drawing/2014/main" id="{10003BE8-AB68-B447-977E-A6CE00902AC7}"/>
+                  </a:ext>
+                </a:extLst>
+              </p:cNvPr>
+              <p:cNvCxnSpPr/>
+              <p:nvPr/>
+            </p:nvCxnSpPr>
+            <p:spPr>
+              <a:xfrm>
+                <a:off x="1773811" y="4149080"/>
+                <a:ext cx="0" cy="432048"/>
+              </a:xfrm>
+              <a:prstGeom prst="line">
+                <a:avLst/>
+              </a:prstGeom>
+              <a:ln>
+                <a:solidFill>
+                  <a:schemeClr val="accent5"/>
+                </a:solidFill>
+                <a:prstDash val="sysDot"/>
+              </a:ln>
+            </p:spPr>
+            <p:style>
+              <a:lnRef idx="1">
+                <a:schemeClr val="accent1"/>
+              </a:lnRef>
+              <a:fillRef idx="0">
+                <a:schemeClr val="accent1"/>
+              </a:fillRef>
+              <a:effectRef idx="0">
+                <a:schemeClr val="accent1"/>
+              </a:effectRef>
+              <a:fontRef idx="minor">
+                <a:schemeClr val="tx1"/>
+              </a:fontRef>
+            </p:style>
+          </p:cxnSp>
+        </p:grpSp>
+        <p:sp>
+          <p:nvSpPr>
+            <p:cNvPr id="62" name="Овал 4">
+              <a:extLst>
+                <a:ext uri="{FF2B5EF4-FFF2-40B4-BE49-F238E27FC236}">
+                  <a16:creationId xmlns:a16="http://schemas.microsoft.com/office/drawing/2014/main" id="{8B8A8E11-A6AA-D348-8942-BB9BD04D7499}"/>
+                </a:ext>
+              </a:extLst>
+            </p:cNvPr>
+            <p:cNvSpPr/>
+            <p:nvPr/>
+          </p:nvSpPr>
+          <p:spPr>
+            <a:xfrm>
+              <a:off x="959215" y="4320491"/>
+              <a:ext cx="936104" cy="936104"/>
+            </a:xfrm>
+            <a:prstGeom prst="ellipse">
+              <a:avLst/>
+            </a:prstGeom>
+            <a:solidFill>
+              <a:schemeClr val="bg1"/>
+            </a:solidFill>
+            <a:ln w="152400">
+              <a:solidFill>
+                <a:schemeClr val="accent1"/>
+              </a:solidFill>
+            </a:ln>
+          </p:spPr>
+          <p:style>
+            <a:lnRef idx="2">
+              <a:schemeClr val="accent1">
+                <a:shade val="50000"/>
+              </a:schemeClr>
+            </a:lnRef>
+            <a:fillRef idx="1">
+              <a:schemeClr val="accent1"/>
+            </a:fillRef>
+            <a:effectRef idx="0">
+              <a:schemeClr val="accent1"/>
+            </a:effectRef>
+            <a:fontRef idx="minor">
+              <a:schemeClr val="lt1"/>
+            </a:fontRef>
+          </p:style>
+          <p:txBody>
+            <a:bodyPr rtlCol="0" anchor="ctr"/>
+            <a:lstStyle/>
+            <a:p>
+              <a:pPr algn="ctr"/>
+              <a:endParaRPr lang="en-US">
+                <a:latin typeface="Segoe UI" panose="020B0502040204020203" pitchFamily="34" charset="0"/>
+                <a:ea typeface="Segoe UI" panose="020B0502040204020203" pitchFamily="34" charset="0"/>
+                <a:cs typeface="Segoe UI" panose="020B0502040204020203" pitchFamily="34" charset="0"/>
+              </a:endParaRPr>
+            </a:p>
+          </p:txBody>
+        </p:sp>
+        <p:sp>
+          <p:nvSpPr>
+            <p:cNvPr id="63" name="Текст 2">
+              <a:extLst>
+                <a:ext uri="{FF2B5EF4-FFF2-40B4-BE49-F238E27FC236}">
+                  <a16:creationId xmlns:a16="http://schemas.microsoft.com/office/drawing/2014/main" id="{3C85F7F2-766D-7245-907F-0DE34D61AFCF}"/>
+                </a:ext>
+              </a:extLst>
+            </p:cNvPr>
+            <p:cNvSpPr txBox="1">
+              <a:spLocks/>
+            </p:cNvSpPr>
+            <p:nvPr/>
+          </p:nvSpPr>
+          <p:spPr>
+            <a:xfrm>
+              <a:off x="347267" y="4468661"/>
+              <a:ext cx="2160000" cy="639763"/>
+            </a:xfrm>
+            <a:prstGeom prst="rect">
+              <a:avLst/>
+            </a:prstGeom>
+          </p:spPr>
+          <p:txBody>
+            <a:bodyPr vert="horz" lIns="121899" tIns="60949" rIns="121899" bIns="60949" rtlCol="0" anchor="ctr">
+              <a:normAutofit/>
+            </a:bodyPr>
+            <a:lstStyle>
+              <a:lvl1pPr marL="457120" indent="-457120" algn="l" defTabSz="1218987" rtl="0" eaLnBrk="1" latinLnBrk="0" hangingPunct="1">
+                <a:spcBef>
+                  <a:spcPct val="20000"/>
+                </a:spcBef>
+                <a:buFont typeface="Arial" pitchFamily="34" charset="0"/>
+                <a:buChar char="•"/>
+                <a:defRPr sz="2400" kern="1200">
+                  <a:solidFill>
+                    <a:schemeClr val="tx1"/>
+                  </a:solidFill>
+                  <a:latin typeface="+mj-lt"/>
+                  <a:ea typeface="+mn-ea"/>
+                  <a:cs typeface="+mn-cs"/>
+                </a:defRPr>
+              </a:lvl1pPr>
+              <a:lvl2pPr marL="990427" indent="-380933" algn="l" defTabSz="1218987" rtl="0" eaLnBrk="1" latinLnBrk="0" hangingPunct="1">
+                <a:spcBef>
+                  <a:spcPct val="20000"/>
+                </a:spcBef>
+                <a:buFont typeface="Arial" pitchFamily="34" charset="0"/>
+                <a:buChar char="–"/>
+                <a:defRPr sz="2000" kern="1200">
+                  <a:solidFill>
+                    <a:schemeClr val="tx1"/>
+                  </a:solidFill>
+                  <a:latin typeface="+mj-lt"/>
+                  <a:ea typeface="+mn-ea"/>
+                  <a:cs typeface="+mn-cs"/>
+                </a:defRPr>
+              </a:lvl2pPr>
+              <a:lvl3pPr marL="1523733" indent="-304747" algn="l" defTabSz="1218987" rtl="0" eaLnBrk="1" latinLnBrk="0" hangingPunct="1">
+                <a:spcBef>
+                  <a:spcPct val="20000"/>
+                </a:spcBef>
+                <a:buFont typeface="Arial" pitchFamily="34" charset="0"/>
+                <a:buChar char="•"/>
+                <a:defRPr sz="1600" kern="1200">
+                  <a:solidFill>
+                    <a:schemeClr val="tx1"/>
+                  </a:solidFill>
+                  <a:latin typeface="+mj-lt"/>
+                  <a:ea typeface="+mn-ea"/>
+                  <a:cs typeface="+mn-cs"/>
+                </a:defRPr>
+              </a:lvl3pPr>
+              <a:lvl4pPr marL="2133227" indent="-304747" algn="l" defTabSz="1218987" rtl="0" eaLnBrk="1" latinLnBrk="0" hangingPunct="1">
+                <a:spcBef>
+                  <a:spcPct val="20000"/>
+                </a:spcBef>
+                <a:buFont typeface="Arial" pitchFamily="34" charset="0"/>
+                <a:buChar char="–"/>
+                <a:defRPr sz="1400" kern="1200">
+                  <a:solidFill>
+                    <a:schemeClr val="tx1"/>
+                  </a:solidFill>
+                  <a:latin typeface="+mj-lt"/>
+                  <a:ea typeface="+mn-ea"/>
+                  <a:cs typeface="+mn-cs"/>
+                </a:defRPr>
+              </a:lvl4pPr>
+              <a:lvl5pPr marL="2742720" indent="-304747" algn="l" defTabSz="1218987" rtl="0" eaLnBrk="1" latinLnBrk="0" hangingPunct="1">
+                <a:spcBef>
+                  <a:spcPct val="20000"/>
+                </a:spcBef>
+                <a:buFont typeface="Arial" pitchFamily="34" charset="0"/>
+                <a:buChar char="»"/>
+                <a:defRPr sz="1400" kern="1200">
+                  <a:solidFill>
+                    <a:schemeClr val="tx1"/>
+                  </a:solidFill>
+                  <a:latin typeface="+mj-lt"/>
+                  <a:ea typeface="+mn-ea"/>
+                  <a:cs typeface="+mn-cs"/>
+                </a:defRPr>
+              </a:lvl5pPr>
+              <a:lvl6pPr marL="3352213" indent="-304747" algn="l" defTabSz="1218987" rtl="0" eaLnBrk="1" latinLnBrk="0" hangingPunct="1">
+                <a:spcBef>
+                  <a:spcPct val="20000"/>
+                </a:spcBef>
+                <a:buFont typeface="Arial" pitchFamily="34" charset="0"/>
+                <a:buChar char="•"/>
+                <a:defRPr sz="2700" kern="1200">
+                  <a:solidFill>
+                    <a:schemeClr val="tx1"/>
+                  </a:solidFill>
+                  <a:latin typeface="+mn-lt"/>
+                  <a:ea typeface="+mn-ea"/>
+                  <a:cs typeface="+mn-cs"/>
+                </a:defRPr>
+              </a:lvl6pPr>
+              <a:lvl7pPr marL="3961707" indent="-304747" algn="l" defTabSz="1218987" rtl="0" eaLnBrk="1" latinLnBrk="0" hangingPunct="1">
+                <a:spcBef>
+                  <a:spcPct val="20000"/>
+                </a:spcBef>
+                <a:buFont typeface="Arial" pitchFamily="34" charset="0"/>
+                <a:buChar char="•"/>
+                <a:defRPr sz="2700" kern="1200">
+                  <a:solidFill>
+                    <a:schemeClr val="tx1"/>
+                  </a:solidFill>
+                  <a:latin typeface="+mn-lt"/>
+                  <a:ea typeface="+mn-ea"/>
+                  <a:cs typeface="+mn-cs"/>
+                </a:defRPr>
+              </a:lvl7pPr>
+              <a:lvl8pPr marL="4571200" indent="-304747" algn="l" defTabSz="1218987" rtl="0" eaLnBrk="1" latinLnBrk="0" hangingPunct="1">
+                <a:spcBef>
+                  <a:spcPct val="20000"/>
+                </a:spcBef>
+                <a:buFont typeface="Arial" pitchFamily="34" charset="0"/>
+                <a:buChar char="•"/>
+                <a:defRPr sz="2700" kern="1200">
+                  <a:solidFill>
+                    <a:schemeClr val="tx1"/>
+                  </a:solidFill>
+                  <a:latin typeface="+mn-lt"/>
+                  <a:ea typeface="+mn-ea"/>
+                  <a:cs typeface="+mn-cs"/>
+                </a:defRPr>
+              </a:lvl8pPr>
+              <a:lvl9pPr marL="5180693" indent="-304747" algn="l" defTabSz="1218987" rtl="0" eaLnBrk="1" latinLnBrk="0" hangingPunct="1">
+                <a:spcBef>
+                  <a:spcPct val="20000"/>
+                </a:spcBef>
+                <a:buFont typeface="Arial" pitchFamily="34" charset="0"/>
+                <a:buChar char="•"/>
+                <a:defRPr sz="2700" kern="1200">
+                  <a:solidFill>
+                    <a:schemeClr val="tx1"/>
+                  </a:solidFill>
+                  <a:latin typeface="+mn-lt"/>
+                  <a:ea typeface="+mn-ea"/>
+                  <a:cs typeface="+mn-cs"/>
+                </a:defRPr>
+              </a:lvl9pPr>
+            </a:lstStyle>
+            <a:p>
+              <a:pPr marL="0" indent="0" algn="ctr">
+                <a:buNone/>
+              </a:pPr>
+              <a:r>
+                <a:rPr lang="en-US" sz="1600" b="1" dirty="0">
+                  <a:solidFill>
+                    <a:schemeClr val="accent1"/>
+                  </a:solidFill>
+                  <a:latin typeface="Segoe UI" panose="020B0502040204020203" pitchFamily="34" charset="0"/>
+                  <a:ea typeface="Segoe UI" panose="020B0502040204020203" pitchFamily="34" charset="0"/>
+                  <a:cs typeface="Segoe UI" panose="020B0502040204020203" pitchFamily="34" charset="0"/>
+                </a:rPr>
+                <a:t>4</a:t>
+              </a:r>
+            </a:p>
+          </p:txBody>
+        </p:sp>
+        <p:sp>
+          <p:nvSpPr>
+            <p:cNvPr id="64" name="Текст 2">
+              <a:extLst>
+                <a:ext uri="{FF2B5EF4-FFF2-40B4-BE49-F238E27FC236}">
+                  <a16:creationId xmlns:a16="http://schemas.microsoft.com/office/drawing/2014/main" id="{EE6B8D67-193C-CC48-BAB9-FA4422F736CE}"/>
+                </a:ext>
+              </a:extLst>
+            </p:cNvPr>
+            <p:cNvSpPr txBox="1">
+              <a:spLocks/>
+            </p:cNvSpPr>
+            <p:nvPr/>
+          </p:nvSpPr>
+          <p:spPr>
+            <a:xfrm>
+              <a:off x="334012" y="5514197"/>
+              <a:ext cx="2160000" cy="392430"/>
+            </a:xfrm>
+            <a:prstGeom prst="rect">
+              <a:avLst/>
+            </a:prstGeom>
+          </p:spPr>
+          <p:txBody>
+            <a:bodyPr vert="horz" lIns="121899" tIns="60949" rIns="121899" bIns="60949" rtlCol="0" anchor="ctr">
+              <a:normAutofit/>
+            </a:bodyPr>
+            <a:lstStyle>
+              <a:lvl1pPr marL="457120" indent="-457120" algn="l" defTabSz="1218987" rtl="0" eaLnBrk="1" latinLnBrk="0" hangingPunct="1">
+                <a:spcBef>
+                  <a:spcPct val="20000"/>
+                </a:spcBef>
+                <a:buFont typeface="Arial" pitchFamily="34" charset="0"/>
+                <a:buChar char="•"/>
+                <a:defRPr sz="2400" kern="1200">
+                  <a:solidFill>
+                    <a:schemeClr val="tx1"/>
+                  </a:solidFill>
+                  <a:latin typeface="+mj-lt"/>
+                  <a:ea typeface="+mn-ea"/>
+                  <a:cs typeface="+mn-cs"/>
+                </a:defRPr>
+              </a:lvl1pPr>
+              <a:lvl2pPr marL="990427" indent="-380933" algn="l" defTabSz="1218987" rtl="0" eaLnBrk="1" latinLnBrk="0" hangingPunct="1">
+                <a:spcBef>
+                  <a:spcPct val="20000"/>
+                </a:spcBef>
+                <a:buFont typeface="Arial" pitchFamily="34" charset="0"/>
+                <a:buChar char="–"/>
+                <a:defRPr sz="2000" kern="1200">
+                  <a:solidFill>
+                    <a:schemeClr val="tx1"/>
+                  </a:solidFill>
+                  <a:latin typeface="+mj-lt"/>
+                  <a:ea typeface="+mn-ea"/>
+                  <a:cs typeface="+mn-cs"/>
+                </a:defRPr>
+              </a:lvl2pPr>
+              <a:lvl3pPr marL="1523733" indent="-304747" algn="l" defTabSz="1218987" rtl="0" eaLnBrk="1" latinLnBrk="0" hangingPunct="1">
+                <a:spcBef>
+                  <a:spcPct val="20000"/>
+                </a:spcBef>
+                <a:buFont typeface="Arial" pitchFamily="34" charset="0"/>
+                <a:buChar char="•"/>
+                <a:defRPr sz="1600" kern="1200">
+                  <a:solidFill>
+                    <a:schemeClr val="tx1"/>
+                  </a:solidFill>
+                  <a:latin typeface="+mj-lt"/>
+                  <a:ea typeface="+mn-ea"/>
+                  <a:cs typeface="+mn-cs"/>
+                </a:defRPr>
+              </a:lvl3pPr>
+              <a:lvl4pPr marL="2133227" indent="-304747" algn="l" defTabSz="1218987" rtl="0" eaLnBrk="1" latinLnBrk="0" hangingPunct="1">
+                <a:spcBef>
+                  <a:spcPct val="20000"/>
+                </a:spcBef>
+                <a:buFont typeface="Arial" pitchFamily="34" charset="0"/>
+                <a:buChar char="–"/>
+                <a:defRPr sz="1400" kern="1200">
+                  <a:solidFill>
+                    <a:schemeClr val="tx1"/>
+                  </a:solidFill>
+                  <a:latin typeface="+mj-lt"/>
+                  <a:ea typeface="+mn-ea"/>
+                  <a:cs typeface="+mn-cs"/>
+                </a:defRPr>
+              </a:lvl4pPr>
+              <a:lvl5pPr marL="2742720" indent="-304747" algn="l" defTabSz="1218987" rtl="0" eaLnBrk="1" latinLnBrk="0" hangingPunct="1">
+                <a:spcBef>
+                  <a:spcPct val="20000"/>
+                </a:spcBef>
+                <a:buFont typeface="Arial" pitchFamily="34" charset="0"/>
+                <a:buChar char="»"/>
+                <a:defRPr sz="1400" kern="1200">
+                  <a:solidFill>
+                    <a:schemeClr val="tx1"/>
+                  </a:solidFill>
+                  <a:latin typeface="+mj-lt"/>
+                  <a:ea typeface="+mn-ea"/>
+                  <a:cs typeface="+mn-cs"/>
+                </a:defRPr>
+              </a:lvl5pPr>
+              <a:lvl6pPr marL="3352213" indent="-304747" algn="l" defTabSz="1218987" rtl="0" eaLnBrk="1" latinLnBrk="0" hangingPunct="1">
+                <a:spcBef>
+                  <a:spcPct val="20000"/>
+                </a:spcBef>
+                <a:buFont typeface="Arial" pitchFamily="34" charset="0"/>
+                <a:buChar char="•"/>
+                <a:defRPr sz="2700" kern="1200">
+                  <a:solidFill>
+                    <a:schemeClr val="tx1"/>
+                  </a:solidFill>
+                  <a:latin typeface="+mn-lt"/>
+                  <a:ea typeface="+mn-ea"/>
+                  <a:cs typeface="+mn-cs"/>
+                </a:defRPr>
+              </a:lvl6pPr>
+              <a:lvl7pPr marL="3961707" indent="-304747" algn="l" defTabSz="1218987" rtl="0" eaLnBrk="1" latinLnBrk="0" hangingPunct="1">
+                <a:spcBef>
+                  <a:spcPct val="20000"/>
+                </a:spcBef>
+                <a:buFont typeface="Arial" pitchFamily="34" charset="0"/>
+                <a:buChar char="•"/>
+                <a:defRPr sz="2700" kern="1200">
+                  <a:solidFill>
+                    <a:schemeClr val="tx1"/>
+                  </a:solidFill>
+                  <a:latin typeface="+mn-lt"/>
+                  <a:ea typeface="+mn-ea"/>
+                  <a:cs typeface="+mn-cs"/>
+                </a:defRPr>
+              </a:lvl7pPr>
+              <a:lvl8pPr marL="4571200" indent="-304747" algn="l" defTabSz="1218987" rtl="0" eaLnBrk="1" latinLnBrk="0" hangingPunct="1">
+                <a:spcBef>
+                  <a:spcPct val="20000"/>
+                </a:spcBef>
+                <a:buFont typeface="Arial" pitchFamily="34" charset="0"/>
+                <a:buChar char="•"/>
+                <a:defRPr sz="2700" kern="1200">
+                  <a:solidFill>
+                    <a:schemeClr val="tx1"/>
+                  </a:solidFill>
+                  <a:latin typeface="+mn-lt"/>
+                  <a:ea typeface="+mn-ea"/>
+                  <a:cs typeface="+mn-cs"/>
+                </a:defRPr>
+              </a:lvl8pPr>
+              <a:lvl9pPr marL="5180693" indent="-304747" algn="l" defTabSz="1218987" rtl="0" eaLnBrk="1" latinLnBrk="0" hangingPunct="1">
+                <a:spcBef>
+                  <a:spcPct val="20000"/>
+                </a:spcBef>
+                <a:buFont typeface="Arial" pitchFamily="34" charset="0"/>
+                <a:buChar char="•"/>
+                <a:defRPr sz="2700" kern="1200">
+                  <a:solidFill>
+                    <a:schemeClr val="tx1"/>
+                  </a:solidFill>
+                  <a:latin typeface="+mn-lt"/>
+                  <a:ea typeface="+mn-ea"/>
+                  <a:cs typeface="+mn-cs"/>
+                </a:defRPr>
+              </a:lvl9pPr>
+            </a:lstStyle>
+            <a:p>
+              <a:pPr marL="0" indent="0" algn="ctr">
+                <a:buNone/>
+              </a:pPr>
+              <a:r>
+                <a:rPr lang="en-US" sz="1600" b="1" dirty="0">
+                  <a:solidFill>
+                    <a:schemeClr val="bg1"/>
+                  </a:solidFill>
+                  <a:latin typeface="Segoe UI" panose="020B0502040204020203" pitchFamily="34" charset="0"/>
+                  <a:ea typeface="Segoe UI" panose="020B0502040204020203" pitchFamily="34" charset="0"/>
+                  <a:cs typeface="Segoe UI" panose="020B0502040204020203" pitchFamily="34" charset="0"/>
+                </a:rPr>
+                <a:t>Test</a:t>
+              </a:r>
+            </a:p>
+          </p:txBody>
+        </p:sp>
+      </p:grpSp>
+      <p:grpSp>
+        <p:nvGrpSpPr>
+          <p:cNvPr id="67" name="Group 66">
+            <a:extLst>
+              <a:ext uri="{FF2B5EF4-FFF2-40B4-BE49-F238E27FC236}">
+                <a16:creationId xmlns:a16="http://schemas.microsoft.com/office/drawing/2014/main" id="{2B39A822-F8F0-DF4B-8F67-1C4A66EBBCD2}"/>
+              </a:ext>
+            </a:extLst>
+          </p:cNvPr>
+          <p:cNvGrpSpPr/>
+          <p:nvPr/>
+        </p:nvGrpSpPr>
+        <p:grpSpPr>
+          <a:xfrm>
+            <a:off x="9761816" y="1556880"/>
+            <a:ext cx="2173255" cy="3205700"/>
+            <a:chOff x="334012" y="2050895"/>
+            <a:chExt cx="2173255" cy="3205700"/>
+          </a:xfrm>
+        </p:grpSpPr>
+        <p:sp>
+          <p:nvSpPr>
+            <p:cNvPr id="68" name="Текст 2">
+              <a:extLst>
+                <a:ext uri="{FF2B5EF4-FFF2-40B4-BE49-F238E27FC236}">
+                  <a16:creationId xmlns:a16="http://schemas.microsoft.com/office/drawing/2014/main" id="{C572FA22-2E54-814C-8A57-3F5FEBD8D5BB}"/>
+                </a:ext>
+              </a:extLst>
+            </p:cNvPr>
+            <p:cNvSpPr txBox="1">
+              <a:spLocks/>
+            </p:cNvSpPr>
+            <p:nvPr/>
+          </p:nvSpPr>
+          <p:spPr>
+            <a:xfrm>
+              <a:off x="334012" y="3612634"/>
+              <a:ext cx="2160000" cy="392430"/>
+            </a:xfrm>
+            <a:prstGeom prst="rect">
+              <a:avLst/>
+            </a:prstGeom>
+          </p:spPr>
+          <p:txBody>
+            <a:bodyPr vert="horz" lIns="121899" tIns="60949" rIns="121899" bIns="60949" rtlCol="0" anchor="ctr">
+              <a:normAutofit/>
+            </a:bodyPr>
+            <a:lstStyle>
+              <a:lvl1pPr marL="457120" indent="-457120" algn="l" defTabSz="1218987" rtl="0" eaLnBrk="1" latinLnBrk="0" hangingPunct="1">
+                <a:spcBef>
+                  <a:spcPct val="20000"/>
+                </a:spcBef>
+                <a:buFont typeface="Arial" pitchFamily="34" charset="0"/>
+                <a:buChar char="•"/>
+                <a:defRPr sz="2400" kern="1200">
+                  <a:solidFill>
+                    <a:schemeClr val="tx1"/>
+                  </a:solidFill>
+                  <a:latin typeface="+mj-lt"/>
+                  <a:ea typeface="+mn-ea"/>
+                  <a:cs typeface="+mn-cs"/>
+                </a:defRPr>
+              </a:lvl1pPr>
+              <a:lvl2pPr marL="990427" indent="-380933" algn="l" defTabSz="1218987" rtl="0" eaLnBrk="1" latinLnBrk="0" hangingPunct="1">
+                <a:spcBef>
+                  <a:spcPct val="20000"/>
+                </a:spcBef>
+                <a:buFont typeface="Arial" pitchFamily="34" charset="0"/>
+                <a:buChar char="–"/>
+                <a:defRPr sz="2000" kern="1200">
+                  <a:solidFill>
+                    <a:schemeClr val="tx1"/>
+                  </a:solidFill>
+                  <a:latin typeface="+mj-lt"/>
+                  <a:ea typeface="+mn-ea"/>
+                  <a:cs typeface="+mn-cs"/>
+                </a:defRPr>
+              </a:lvl2pPr>
+              <a:lvl3pPr marL="1523733" indent="-304747" algn="l" defTabSz="1218987" rtl="0" eaLnBrk="1" latinLnBrk="0" hangingPunct="1">
+                <a:spcBef>
+                  <a:spcPct val="20000"/>
+                </a:spcBef>
+                <a:buFont typeface="Arial" pitchFamily="34" charset="0"/>
+                <a:buChar char="•"/>
+                <a:defRPr sz="1600" kern="1200">
+                  <a:solidFill>
+                    <a:schemeClr val="tx1"/>
+                  </a:solidFill>
+                  <a:latin typeface="+mj-lt"/>
+                  <a:ea typeface="+mn-ea"/>
+                  <a:cs typeface="+mn-cs"/>
+                </a:defRPr>
+              </a:lvl3pPr>
+              <a:lvl4pPr marL="2133227" indent="-304747" algn="l" defTabSz="1218987" rtl="0" eaLnBrk="1" latinLnBrk="0" hangingPunct="1">
+                <a:spcBef>
+                  <a:spcPct val="20000"/>
+                </a:spcBef>
+                <a:buFont typeface="Arial" pitchFamily="34" charset="0"/>
+                <a:buChar char="–"/>
+                <a:defRPr sz="1400" kern="1200">
+                  <a:solidFill>
+                    <a:schemeClr val="tx1"/>
+                  </a:solidFill>
+                  <a:latin typeface="+mj-lt"/>
+                  <a:ea typeface="+mn-ea"/>
+                  <a:cs typeface="+mn-cs"/>
+                </a:defRPr>
+              </a:lvl4pPr>
+              <a:lvl5pPr marL="2742720" indent="-304747" algn="l" defTabSz="1218987" rtl="0" eaLnBrk="1" latinLnBrk="0" hangingPunct="1">
+                <a:spcBef>
+                  <a:spcPct val="20000"/>
+                </a:spcBef>
+                <a:buFont typeface="Arial" pitchFamily="34" charset="0"/>
+                <a:buChar char="»"/>
+                <a:defRPr sz="1400" kern="1200">
+                  <a:solidFill>
+                    <a:schemeClr val="tx1"/>
+                  </a:solidFill>
+                  <a:latin typeface="+mj-lt"/>
+                  <a:ea typeface="+mn-ea"/>
+                  <a:cs typeface="+mn-cs"/>
+                </a:defRPr>
+              </a:lvl5pPr>
+              <a:lvl6pPr marL="3352213" indent="-304747" algn="l" defTabSz="1218987" rtl="0" eaLnBrk="1" latinLnBrk="0" hangingPunct="1">
+                <a:spcBef>
+                  <a:spcPct val="20000"/>
+                </a:spcBef>
+                <a:buFont typeface="Arial" pitchFamily="34" charset="0"/>
+                <a:buChar char="•"/>
+                <a:defRPr sz="2700" kern="1200">
+                  <a:solidFill>
+                    <a:schemeClr val="tx1"/>
+                  </a:solidFill>
+                  <a:latin typeface="+mn-lt"/>
+                  <a:ea typeface="+mn-ea"/>
+                  <a:cs typeface="+mn-cs"/>
+                </a:defRPr>
+              </a:lvl6pPr>
+              <a:lvl7pPr marL="3961707" indent="-304747" algn="l" defTabSz="1218987" rtl="0" eaLnBrk="1" latinLnBrk="0" hangingPunct="1">
+                <a:spcBef>
+                  <a:spcPct val="20000"/>
+                </a:spcBef>
+                <a:buFont typeface="Arial" pitchFamily="34" charset="0"/>
+                <a:buChar char="•"/>
+                <a:defRPr sz="2700" kern="1200">
+                  <a:solidFill>
+                    <a:schemeClr val="tx1"/>
+                  </a:solidFill>
+                  <a:latin typeface="+mn-lt"/>
+                  <a:ea typeface="+mn-ea"/>
+                  <a:cs typeface="+mn-cs"/>
+                </a:defRPr>
+              </a:lvl7pPr>
+              <a:lvl8pPr marL="4571200" indent="-304747" algn="l" defTabSz="1218987" rtl="0" eaLnBrk="1" latinLnBrk="0" hangingPunct="1">
+                <a:spcBef>
+                  <a:spcPct val="20000"/>
+                </a:spcBef>
+                <a:buFont typeface="Arial" pitchFamily="34" charset="0"/>
+                <a:buChar char="•"/>
+                <a:defRPr sz="2700" kern="1200">
+                  <a:solidFill>
+                    <a:schemeClr val="tx1"/>
+                  </a:solidFill>
+                  <a:latin typeface="+mn-lt"/>
+                  <a:ea typeface="+mn-ea"/>
+                  <a:cs typeface="+mn-cs"/>
+                </a:defRPr>
+              </a:lvl8pPr>
+              <a:lvl9pPr marL="5180693" indent="-304747" algn="l" defTabSz="1218987" rtl="0" eaLnBrk="1" latinLnBrk="0" hangingPunct="1">
+                <a:spcBef>
+                  <a:spcPct val="20000"/>
+                </a:spcBef>
+                <a:buFont typeface="Arial" pitchFamily="34" charset="0"/>
+                <a:buChar char="•"/>
+                <a:defRPr sz="2700" kern="1200">
+                  <a:solidFill>
+                    <a:schemeClr val="tx1"/>
+                  </a:solidFill>
+                  <a:latin typeface="+mn-lt"/>
+                  <a:ea typeface="+mn-ea"/>
+                  <a:cs typeface="+mn-cs"/>
+                </a:defRPr>
+              </a:lvl9pPr>
+            </a:lstStyle>
+            <a:p>
+              <a:pPr marL="0" indent="0" algn="ctr">
+                <a:buNone/>
+              </a:pPr>
+              <a:r>
+                <a:rPr lang="en-US" sz="1600" b="1" dirty="0">
+                  <a:solidFill>
+                    <a:schemeClr val="accent1"/>
+                  </a:solidFill>
+                  <a:latin typeface="Segoe UI" panose="020B0502040204020203" pitchFamily="34" charset="0"/>
+                  <a:ea typeface="Segoe UI" panose="020B0502040204020203" pitchFamily="34" charset="0"/>
+                  <a:cs typeface="Segoe UI" panose="020B0502040204020203" pitchFamily="34" charset="0"/>
+                </a:rPr>
+                <a:t>Done</a:t>
+              </a:r>
+            </a:p>
+          </p:txBody>
+        </p:sp>
+        <p:sp>
+          <p:nvSpPr>
+            <p:cNvPr id="69" name="Объект 3">
+              <a:extLst>
+                <a:ext uri="{FF2B5EF4-FFF2-40B4-BE49-F238E27FC236}">
+                  <a16:creationId xmlns:a16="http://schemas.microsoft.com/office/drawing/2014/main" id="{35687584-264B-1340-AFF1-12F76A47B59B}"/>
+                </a:ext>
+              </a:extLst>
+            </p:cNvPr>
+            <p:cNvSpPr txBox="1">
+              <a:spLocks/>
+            </p:cNvSpPr>
+            <p:nvPr/>
+          </p:nvSpPr>
+          <p:spPr>
+            <a:xfrm>
+              <a:off x="549916" y="2050895"/>
+              <a:ext cx="1728192" cy="628790"/>
+            </a:xfrm>
+            <a:prstGeom prst="rect">
+              <a:avLst/>
+            </a:prstGeom>
+          </p:spPr>
+          <p:txBody>
+            <a:bodyPr anchor="b"/>
+            <a:lstStyle>
+              <a:lvl1pPr marL="457120" indent="-457120" algn="l" defTabSz="1218987" rtl="0" eaLnBrk="1" latinLnBrk="0" hangingPunct="1">
+                <a:spcBef>
+                  <a:spcPct val="20000"/>
+                </a:spcBef>
+                <a:buFont typeface="Arial" pitchFamily="34" charset="0"/>
+                <a:buChar char="•"/>
+                <a:defRPr sz="3200" kern="1200">
+                  <a:solidFill>
+                    <a:schemeClr val="tx1"/>
+                  </a:solidFill>
+                  <a:latin typeface="+mj-lt"/>
+                  <a:ea typeface="+mn-ea"/>
+                  <a:cs typeface="+mn-cs"/>
+                </a:defRPr>
+              </a:lvl1pPr>
+              <a:lvl2pPr marL="990427" indent="-380933" algn="l" defTabSz="1218987" rtl="0" eaLnBrk="1" latinLnBrk="0" hangingPunct="1">
+                <a:spcBef>
+                  <a:spcPct val="20000"/>
+                </a:spcBef>
+                <a:buFont typeface="Arial" pitchFamily="34" charset="0"/>
+                <a:buChar char="–"/>
+                <a:defRPr sz="2800" kern="1200">
+                  <a:solidFill>
+                    <a:schemeClr val="tx1"/>
+                  </a:solidFill>
+                  <a:latin typeface="+mj-lt"/>
+                  <a:ea typeface="+mn-ea"/>
+                  <a:cs typeface="+mn-cs"/>
+                </a:defRPr>
+              </a:lvl2pPr>
+              <a:lvl3pPr marL="1523733" indent="-304747" algn="l" defTabSz="1218987" rtl="0" eaLnBrk="1" latinLnBrk="0" hangingPunct="1">
+                <a:spcBef>
+                  <a:spcPct val="20000"/>
+                </a:spcBef>
+                <a:buFont typeface="Arial" pitchFamily="34" charset="0"/>
+                <a:buChar char="•"/>
+                <a:defRPr sz="2000" kern="1200">
+                  <a:solidFill>
+                    <a:schemeClr val="tx1"/>
+                  </a:solidFill>
+                  <a:latin typeface="+mj-lt"/>
+                  <a:ea typeface="+mn-ea"/>
+                  <a:cs typeface="+mn-cs"/>
+                </a:defRPr>
+              </a:lvl3pPr>
+              <a:lvl4pPr marL="2133227" indent="-304747" algn="l" defTabSz="1218987" rtl="0" eaLnBrk="1" latinLnBrk="0" hangingPunct="1">
+                <a:spcBef>
+                  <a:spcPct val="20000"/>
+                </a:spcBef>
+                <a:buFont typeface="Arial" pitchFamily="34" charset="0"/>
+                <a:buChar char="–"/>
+                <a:defRPr sz="1800" kern="1200">
+                  <a:solidFill>
+                    <a:schemeClr val="tx1"/>
+                  </a:solidFill>
+                  <a:latin typeface="+mj-lt"/>
+                  <a:ea typeface="+mn-ea"/>
+                  <a:cs typeface="+mn-cs"/>
+                </a:defRPr>
+              </a:lvl4pPr>
+              <a:lvl5pPr marL="2742720" indent="-304747" algn="l" defTabSz="1218987" rtl="0" eaLnBrk="1" latinLnBrk="0" hangingPunct="1">
+                <a:spcBef>
+                  <a:spcPct val="20000"/>
+                </a:spcBef>
+                <a:buFont typeface="Arial" pitchFamily="34" charset="0"/>
+                <a:buChar char="»"/>
+                <a:defRPr sz="1800" kern="1200">
+                  <a:solidFill>
+                    <a:schemeClr val="tx1"/>
+                  </a:solidFill>
+                  <a:latin typeface="+mj-lt"/>
+                  <a:ea typeface="+mn-ea"/>
+                  <a:cs typeface="+mn-cs"/>
+                </a:defRPr>
+              </a:lvl5pPr>
+              <a:lvl6pPr marL="3352213" indent="-304747" algn="l" defTabSz="1218987" rtl="0" eaLnBrk="1" latinLnBrk="0" hangingPunct="1">
+                <a:spcBef>
+                  <a:spcPct val="20000"/>
+                </a:spcBef>
+                <a:buFont typeface="Arial" pitchFamily="34" charset="0"/>
+                <a:buChar char="•"/>
+                <a:defRPr sz="2700" kern="1200">
+                  <a:solidFill>
+                    <a:schemeClr val="tx1"/>
+                  </a:solidFill>
+                  <a:latin typeface="+mn-lt"/>
+                  <a:ea typeface="+mn-ea"/>
+                  <a:cs typeface="+mn-cs"/>
+                </a:defRPr>
+              </a:lvl6pPr>
+              <a:lvl7pPr marL="3961707" indent="-304747" algn="l" defTabSz="1218987" rtl="0" eaLnBrk="1" latinLnBrk="0" hangingPunct="1">
+                <a:spcBef>
+                  <a:spcPct val="20000"/>
+                </a:spcBef>
+                <a:buFont typeface="Arial" pitchFamily="34" charset="0"/>
+                <a:buChar char="•"/>
+                <a:defRPr sz="2700" kern="1200">
+                  <a:solidFill>
+                    <a:schemeClr val="tx1"/>
+                  </a:solidFill>
+                  <a:latin typeface="+mn-lt"/>
+                  <a:ea typeface="+mn-ea"/>
+                  <a:cs typeface="+mn-cs"/>
+                </a:defRPr>
+              </a:lvl7pPr>
+              <a:lvl8pPr marL="4571200" indent="-304747" algn="l" defTabSz="1218987" rtl="0" eaLnBrk="1" latinLnBrk="0" hangingPunct="1">
+                <a:spcBef>
+                  <a:spcPct val="20000"/>
+                </a:spcBef>
+                <a:buFont typeface="Arial" pitchFamily="34" charset="0"/>
+                <a:buChar char="•"/>
+                <a:defRPr sz="2700" kern="1200">
+                  <a:solidFill>
+                    <a:schemeClr val="tx1"/>
+                  </a:solidFill>
+                  <a:latin typeface="+mn-lt"/>
+                  <a:ea typeface="+mn-ea"/>
+                  <a:cs typeface="+mn-cs"/>
+                </a:defRPr>
+              </a:lvl8pPr>
+              <a:lvl9pPr marL="5180693" indent="-304747" algn="l" defTabSz="1218987" rtl="0" eaLnBrk="1" latinLnBrk="0" hangingPunct="1">
+                <a:spcBef>
+                  <a:spcPct val="20000"/>
+                </a:spcBef>
+                <a:buFont typeface="Arial" pitchFamily="34" charset="0"/>
+                <a:buChar char="•"/>
+                <a:defRPr sz="2700" kern="1200">
+                  <a:solidFill>
+                    <a:schemeClr val="tx1"/>
+                  </a:solidFill>
+                  <a:latin typeface="+mn-lt"/>
+                  <a:ea typeface="+mn-ea"/>
+                  <a:cs typeface="+mn-cs"/>
+                </a:defRPr>
+              </a:lvl9pPr>
+            </a:lstStyle>
+            <a:p>
+              <a:pPr marL="0" indent="0" algn="ctr">
+                <a:buNone/>
+              </a:pPr>
+              <a:r>
+                <a:rPr lang="en-US" sz="1600" dirty="0">
+                  <a:solidFill>
+                    <a:schemeClr val="tx1">
+                      <a:lumMod val="75000"/>
+                      <a:lumOff val="25000"/>
+                    </a:schemeClr>
+                  </a:solidFill>
+                  <a:latin typeface="Segoe UI" panose="020B0502040204020203" pitchFamily="34" charset="0"/>
+                  <a:ea typeface="Segoe UI" panose="020B0502040204020203" pitchFamily="34" charset="0"/>
+                  <a:cs typeface="Segoe UI" panose="020B0502040204020203" pitchFamily="34" charset="0"/>
+                </a:rPr>
+                <a:t>Deployment</a:t>
+              </a:r>
+            </a:p>
+          </p:txBody>
+        </p:sp>
+        <p:grpSp>
+          <p:nvGrpSpPr>
+            <p:cNvPr id="70" name="Группа 13">
+              <a:extLst>
+                <a:ext uri="{FF2B5EF4-FFF2-40B4-BE49-F238E27FC236}">
+                  <a16:creationId xmlns:a16="http://schemas.microsoft.com/office/drawing/2014/main" id="{9EAAD6EE-5599-484F-8EEB-4821585AD96A}"/>
+                </a:ext>
+              </a:extLst>
+            </p:cNvPr>
+            <p:cNvGrpSpPr/>
+            <p:nvPr/>
+          </p:nvGrpSpPr>
+          <p:grpSpPr>
+            <a:xfrm>
+              <a:off x="1301427" y="2738303"/>
+              <a:ext cx="225171" cy="757094"/>
+              <a:chOff x="1661226" y="4149080"/>
+              <a:chExt cx="225171" cy="757094"/>
+            </a:xfrm>
+          </p:grpSpPr>
+          <p:sp>
+            <p:nvSpPr>
+              <p:cNvPr id="74" name="Овал 10">
+                <a:extLst>
+                  <a:ext uri="{FF2B5EF4-FFF2-40B4-BE49-F238E27FC236}">
+                    <a16:creationId xmlns:a16="http://schemas.microsoft.com/office/drawing/2014/main" id="{81C01170-2782-2B44-9F0C-810ADEBEE05F}"/>
+                  </a:ext>
+                </a:extLst>
+              </p:cNvPr>
+              <p:cNvSpPr/>
+              <p:nvPr/>
+            </p:nvSpPr>
+            <p:spPr>
+              <a:xfrm>
+                <a:off x="1661226" y="4681003"/>
+                <a:ext cx="225171" cy="225171"/>
+              </a:xfrm>
+              <a:prstGeom prst="ellipse">
+                <a:avLst/>
+              </a:prstGeom>
+              <a:solidFill>
+                <a:schemeClr val="accent3">
+                  <a:lumMod val="60000"/>
+                  <a:lumOff val="40000"/>
+                </a:schemeClr>
+              </a:solidFill>
+              <a:ln>
+                <a:noFill/>
+              </a:ln>
+            </p:spPr>
+            <p:style>
+              <a:lnRef idx="2">
+                <a:schemeClr val="accent1">
+                  <a:shade val="50000"/>
+                </a:schemeClr>
+              </a:lnRef>
+              <a:fillRef idx="1">
+                <a:schemeClr val="accent1"/>
+              </a:fillRef>
+              <a:effectRef idx="0">
+                <a:schemeClr val="accent1"/>
+              </a:effectRef>
+              <a:fontRef idx="minor">
+                <a:schemeClr val="lt1"/>
+              </a:fontRef>
+            </p:style>
+            <p:txBody>
+              <a:bodyPr rtlCol="0" anchor="ctr"/>
+              <a:lstStyle/>
+              <a:p>
+                <a:pPr algn="ctr"/>
+                <a:endParaRPr lang="en-US">
+                  <a:latin typeface="Segoe UI" panose="020B0502040204020203" pitchFamily="34" charset="0"/>
+                  <a:ea typeface="Segoe UI" panose="020B0502040204020203" pitchFamily="34" charset="0"/>
+                  <a:cs typeface="Segoe UI" panose="020B0502040204020203" pitchFamily="34" charset="0"/>
+                </a:endParaRPr>
+              </a:p>
+            </p:txBody>
+          </p:sp>
+          <p:cxnSp>
+            <p:nvCxnSpPr>
+              <p:cNvPr id="75" name="Прямая соединительная линия 12">
+                <a:extLst>
+                  <a:ext uri="{FF2B5EF4-FFF2-40B4-BE49-F238E27FC236}">
+                    <a16:creationId xmlns:a16="http://schemas.microsoft.com/office/drawing/2014/main" id="{59EAAC99-45A4-D743-BA9B-192DF51025BE}"/>
+                  </a:ext>
+                </a:extLst>
+              </p:cNvPr>
+              <p:cNvCxnSpPr/>
+              <p:nvPr/>
+            </p:nvCxnSpPr>
+            <p:spPr>
+              <a:xfrm>
+                <a:off x="1773811" y="4149080"/>
+                <a:ext cx="0" cy="432048"/>
+              </a:xfrm>
+              <a:prstGeom prst="line">
+                <a:avLst/>
+              </a:prstGeom>
+              <a:ln>
+                <a:solidFill>
+                  <a:schemeClr val="accent5"/>
+                </a:solidFill>
+                <a:prstDash val="sysDot"/>
+              </a:ln>
+            </p:spPr>
+            <p:style>
+              <a:lnRef idx="1">
+                <a:schemeClr val="accent1"/>
+              </a:lnRef>
+              <a:fillRef idx="0">
+                <a:schemeClr val="accent1"/>
+              </a:fillRef>
+              <a:effectRef idx="0">
+                <a:schemeClr val="accent1"/>
+              </a:effectRef>
+              <a:fontRef idx="minor">
+                <a:schemeClr val="tx1"/>
+              </a:fontRef>
+            </p:style>
+          </p:cxnSp>
+        </p:grpSp>
+        <p:sp>
+          <p:nvSpPr>
+            <p:cNvPr id="71" name="Овал 4">
+              <a:extLst>
+                <a:ext uri="{FF2B5EF4-FFF2-40B4-BE49-F238E27FC236}">
+                  <a16:creationId xmlns:a16="http://schemas.microsoft.com/office/drawing/2014/main" id="{41E343CE-A81F-F344-B956-237A009E7DF0}"/>
+                </a:ext>
+              </a:extLst>
+            </p:cNvPr>
+            <p:cNvSpPr/>
+            <p:nvPr/>
+          </p:nvSpPr>
+          <p:spPr>
+            <a:xfrm>
+              <a:off x="959215" y="4320491"/>
+              <a:ext cx="936104" cy="936104"/>
+            </a:xfrm>
+            <a:prstGeom prst="ellipse">
+              <a:avLst/>
+            </a:prstGeom>
+            <a:solidFill>
+              <a:schemeClr val="bg1"/>
+            </a:solidFill>
+            <a:ln w="152400">
+              <a:solidFill>
+                <a:schemeClr val="accent3">
+                  <a:lumMod val="60000"/>
+                  <a:lumOff val="40000"/>
+                </a:schemeClr>
+              </a:solidFill>
+            </a:ln>
+          </p:spPr>
+          <p:style>
+            <a:lnRef idx="2">
+              <a:schemeClr val="accent1">
+                <a:shade val="50000"/>
+              </a:schemeClr>
+            </a:lnRef>
+            <a:fillRef idx="1">
+              <a:schemeClr val="accent1"/>
+            </a:fillRef>
+            <a:effectRef idx="0">
+              <a:schemeClr val="accent1"/>
+            </a:effectRef>
+            <a:fontRef idx="minor">
+              <a:schemeClr val="lt1"/>
+            </a:fontRef>
+          </p:style>
+          <p:txBody>
+            <a:bodyPr rtlCol="0" anchor="ctr"/>
+            <a:lstStyle/>
+            <a:p>
+              <a:pPr algn="ctr"/>
+              <a:endParaRPr lang="en-US">
+                <a:latin typeface="Segoe UI" panose="020B0502040204020203" pitchFamily="34" charset="0"/>
+                <a:ea typeface="Segoe UI" panose="020B0502040204020203" pitchFamily="34" charset="0"/>
+                <a:cs typeface="Segoe UI" panose="020B0502040204020203" pitchFamily="34" charset="0"/>
+              </a:endParaRPr>
+            </a:p>
+          </p:txBody>
+        </p:sp>
+        <p:sp>
+          <p:nvSpPr>
+            <p:cNvPr id="72" name="Текст 2">
+              <a:extLst>
+                <a:ext uri="{FF2B5EF4-FFF2-40B4-BE49-F238E27FC236}">
+                  <a16:creationId xmlns:a16="http://schemas.microsoft.com/office/drawing/2014/main" id="{561B4C74-5F76-AD46-89E3-B6A7F02986D9}"/>
+                </a:ext>
+              </a:extLst>
+            </p:cNvPr>
+            <p:cNvSpPr txBox="1">
+              <a:spLocks/>
+            </p:cNvSpPr>
+            <p:nvPr/>
+          </p:nvSpPr>
+          <p:spPr>
+            <a:xfrm>
+              <a:off x="347267" y="4468661"/>
+              <a:ext cx="2160000" cy="639763"/>
+            </a:xfrm>
+            <a:prstGeom prst="rect">
+              <a:avLst/>
+            </a:prstGeom>
+          </p:spPr>
+          <p:txBody>
+            <a:bodyPr vert="horz" lIns="121899" tIns="60949" rIns="121899" bIns="60949" rtlCol="0" anchor="ctr">
+              <a:normAutofit/>
+            </a:bodyPr>
+            <a:lstStyle>
+              <a:lvl1pPr marL="457120" indent="-457120" algn="l" defTabSz="1218987" rtl="0" eaLnBrk="1" latinLnBrk="0" hangingPunct="1">
+                <a:spcBef>
+                  <a:spcPct val="20000"/>
+                </a:spcBef>
+                <a:buFont typeface="Arial" pitchFamily="34" charset="0"/>
+                <a:buChar char="•"/>
+                <a:defRPr sz="2400" kern="1200">
+                  <a:solidFill>
+                    <a:schemeClr val="tx1"/>
+                  </a:solidFill>
+                  <a:latin typeface="+mj-lt"/>
+                  <a:ea typeface="+mn-ea"/>
+                  <a:cs typeface="+mn-cs"/>
+                </a:defRPr>
+              </a:lvl1pPr>
+              <a:lvl2pPr marL="990427" indent="-380933" algn="l" defTabSz="1218987" rtl="0" eaLnBrk="1" latinLnBrk="0" hangingPunct="1">
+                <a:spcBef>
+                  <a:spcPct val="20000"/>
+                </a:spcBef>
+                <a:buFont typeface="Arial" pitchFamily="34" charset="0"/>
+                <a:buChar char="–"/>
+                <a:defRPr sz="2000" kern="1200">
+                  <a:solidFill>
+                    <a:schemeClr val="tx1"/>
+                  </a:solidFill>
+                  <a:latin typeface="+mj-lt"/>
+                  <a:ea typeface="+mn-ea"/>
+                  <a:cs typeface="+mn-cs"/>
+                </a:defRPr>
+              </a:lvl2pPr>
+              <a:lvl3pPr marL="1523733" indent="-304747" algn="l" defTabSz="1218987" rtl="0" eaLnBrk="1" latinLnBrk="0" hangingPunct="1">
+                <a:spcBef>
+                  <a:spcPct val="20000"/>
+                </a:spcBef>
+                <a:buFont typeface="Arial" pitchFamily="34" charset="0"/>
+                <a:buChar char="•"/>
+                <a:defRPr sz="1600" kern="1200">
+                  <a:solidFill>
+                    <a:schemeClr val="tx1"/>
+                  </a:solidFill>
+                  <a:latin typeface="+mj-lt"/>
+                  <a:ea typeface="+mn-ea"/>
+                  <a:cs typeface="+mn-cs"/>
+                </a:defRPr>
+              </a:lvl3pPr>
+              <a:lvl4pPr marL="2133227" indent="-304747" algn="l" defTabSz="1218987" rtl="0" eaLnBrk="1" latinLnBrk="0" hangingPunct="1">
+                <a:spcBef>
+                  <a:spcPct val="20000"/>
+                </a:spcBef>
+                <a:buFont typeface="Arial" pitchFamily="34" charset="0"/>
+                <a:buChar char="–"/>
+                <a:defRPr sz="1400" kern="1200">
+                  <a:solidFill>
+                    <a:schemeClr val="tx1"/>
+                  </a:solidFill>
+                  <a:latin typeface="+mj-lt"/>
+                  <a:ea typeface="+mn-ea"/>
+                  <a:cs typeface="+mn-cs"/>
+                </a:defRPr>
+              </a:lvl4pPr>
+              <a:lvl5pPr marL="2742720" indent="-304747" algn="l" defTabSz="1218987" rtl="0" eaLnBrk="1" latinLnBrk="0" hangingPunct="1">
+                <a:spcBef>
+                  <a:spcPct val="20000"/>
+                </a:spcBef>
+                <a:buFont typeface="Arial" pitchFamily="34" charset="0"/>
+                <a:buChar char="»"/>
+                <a:defRPr sz="1400" kern="1200">
+                  <a:solidFill>
+                    <a:schemeClr val="tx1"/>
+                  </a:solidFill>
+                  <a:latin typeface="+mj-lt"/>
+                  <a:ea typeface="+mn-ea"/>
+                  <a:cs typeface="+mn-cs"/>
+                </a:defRPr>
+              </a:lvl5pPr>
+              <a:lvl6pPr marL="3352213" indent="-304747" algn="l" defTabSz="1218987" rtl="0" eaLnBrk="1" latinLnBrk="0" hangingPunct="1">
+                <a:spcBef>
+                  <a:spcPct val="20000"/>
+                </a:spcBef>
+                <a:buFont typeface="Arial" pitchFamily="34" charset="0"/>
+                <a:buChar char="•"/>
+                <a:defRPr sz="2700" kern="1200">
+                  <a:solidFill>
+                    <a:schemeClr val="tx1"/>
+                  </a:solidFill>
+                  <a:latin typeface="+mn-lt"/>
+                  <a:ea typeface="+mn-ea"/>
+                  <a:cs typeface="+mn-cs"/>
+                </a:defRPr>
+              </a:lvl6pPr>
+              <a:lvl7pPr marL="3961707" indent="-304747" algn="l" defTabSz="1218987" rtl="0" eaLnBrk="1" latinLnBrk="0" hangingPunct="1">
+                <a:spcBef>
+                  <a:spcPct val="20000"/>
+                </a:spcBef>
+                <a:buFont typeface="Arial" pitchFamily="34" charset="0"/>
+                <a:buChar char="•"/>
+                <a:defRPr sz="2700" kern="1200">
+                  <a:solidFill>
+                    <a:schemeClr val="tx1"/>
+                  </a:solidFill>
+                  <a:latin typeface="+mn-lt"/>
+                  <a:ea typeface="+mn-ea"/>
+                  <a:cs typeface="+mn-cs"/>
+                </a:defRPr>
+              </a:lvl7pPr>
+              <a:lvl8pPr marL="4571200" indent="-304747" algn="l" defTabSz="1218987" rtl="0" eaLnBrk="1" latinLnBrk="0" hangingPunct="1">
+                <a:spcBef>
+                  <a:spcPct val="20000"/>
+                </a:spcBef>
+                <a:buFont typeface="Arial" pitchFamily="34" charset="0"/>
+                <a:buChar char="•"/>
+                <a:defRPr sz="2700" kern="1200">
+                  <a:solidFill>
+                    <a:schemeClr val="tx1"/>
+                  </a:solidFill>
+                  <a:latin typeface="+mn-lt"/>
+                  <a:ea typeface="+mn-ea"/>
+                  <a:cs typeface="+mn-cs"/>
+                </a:defRPr>
+              </a:lvl8pPr>
+              <a:lvl9pPr marL="5180693" indent="-304747" algn="l" defTabSz="1218987" rtl="0" eaLnBrk="1" latinLnBrk="0" hangingPunct="1">
+                <a:spcBef>
+                  <a:spcPct val="20000"/>
+                </a:spcBef>
+                <a:buFont typeface="Arial" pitchFamily="34" charset="0"/>
+                <a:buChar char="•"/>
+                <a:defRPr sz="2700" kern="1200">
+                  <a:solidFill>
+                    <a:schemeClr val="tx1"/>
+                  </a:solidFill>
+                  <a:latin typeface="+mn-lt"/>
+                  <a:ea typeface="+mn-ea"/>
+                  <a:cs typeface="+mn-cs"/>
+                </a:defRPr>
+              </a:lvl9pPr>
+            </a:lstStyle>
+            <a:p>
+              <a:pPr marL="0" indent="0" algn="ctr">
+                <a:buNone/>
+              </a:pPr>
+              <a:r>
+                <a:rPr lang="en-US" sz="1600" b="1" dirty="0">
+                  <a:solidFill>
+                    <a:schemeClr val="accent1"/>
+                  </a:solidFill>
+                  <a:latin typeface="Segoe UI" panose="020B0502040204020203" pitchFamily="34" charset="0"/>
+                  <a:ea typeface="Segoe UI" panose="020B0502040204020203" pitchFamily="34" charset="0"/>
+                  <a:cs typeface="Segoe UI" panose="020B0502040204020203" pitchFamily="34" charset="0"/>
+                </a:rPr>
+                <a:t>5</a:t>
               </a:r>
             </a:p>
           </p:txBody>
@@ -18908,7 +23186,7 @@
                 </a:solidFill>
               </a:rPr>
               <a:pPr algn="l"/>
-              <a:t>11</a:t>
+              <a:t>12</a:t>
             </a:fld>
             <a:endParaRPr lang="en-US" sz="1400">
               <a:solidFill>
@@ -18921,7 +23199,7 @@
     </p:spTree>
     <p:extLst>
       <p:ext uri="{BB962C8B-B14F-4D97-AF65-F5344CB8AC3E}">
-        <p14:creationId xmlns:p14="http://schemas.microsoft.com/office/powerpoint/2010/main" val="1589484016"/>
+        <p14:creationId xmlns:p14="http://schemas.microsoft.com/office/powerpoint/2010/main" val="3127145417"/>
       </p:ext>
     </p:extLst>
   </p:cSld>
@@ -18931,7 +23209,7 @@
 </p:sld>
 </file>
 
-<file path=ppt/slides/slide12.xml><?xml version="1.0" encoding="utf-8"?>
+<file path=ppt/slides/slide13.xml><?xml version="1.0" encoding="utf-8"?>
 <p:sld xmlns:a="http://schemas.openxmlformats.org/drawingml/2006/main" xmlns:r="http://schemas.openxmlformats.org/officeDocument/2006/relationships" xmlns:p="http://schemas.openxmlformats.org/presentationml/2006/main">
   <p:cSld>
     <p:bg>
@@ -19364,43 +23642,6 @@
           </a:p>
         </p:txBody>
       </p:sp>
-      <p:pic>
-        <p:nvPicPr>
-          <p:cNvPr id="15" name="Picture Placeholder 2">
-            <a:extLst>
-              <a:ext uri="{FF2B5EF4-FFF2-40B4-BE49-F238E27FC236}">
-                <a16:creationId xmlns:a16="http://schemas.microsoft.com/office/drawing/2014/main" id="{4B5550E0-9DBF-4459-ADC6-43A1C5D1B965}"/>
-              </a:ext>
-            </a:extLst>
-          </p:cNvPr>
-          <p:cNvPicPr>
-            <a:picLocks noChangeAspect="1"/>
-          </p:cNvPicPr>
-          <p:nvPr/>
-        </p:nvPicPr>
-        <p:blipFill>
-          <a:blip r:embed="rId3">
-            <a:extLst>
-              <a:ext uri="{28A0092B-C50C-407E-A947-70E740481C1C}">
-                <a14:useLocalDpi xmlns:a14="http://schemas.microsoft.com/office/drawing/2010/main" val="0"/>
-              </a:ext>
-            </a:extLst>
-          </a:blip>
-          <a:srcRect t="7250" b="7250"/>
-          <a:stretch>
-            <a:fillRect/>
-          </a:stretch>
-        </p:blipFill>
-        <p:spPr>
-          <a:xfrm>
-            <a:off x="271903" y="6372398"/>
-            <a:ext cx="1926432" cy="338554"/>
-          </a:xfrm>
-          <a:prstGeom prst="rect">
-            <a:avLst/>
-          </a:prstGeom>
-        </p:spPr>
-      </p:pic>
     </p:spTree>
     <p:extLst>
       <p:ext uri="{BB962C8B-B14F-4D97-AF65-F5344CB8AC3E}">
@@ -21565,31 +25806,6 @@
               <a:ea typeface="Segoe UI" panose="020B0502040204020203" pitchFamily="34" charset="0"/>
               <a:cs typeface="Segoe UI" panose="020B0502040204020203" pitchFamily="34" charset="0"/>
             </a:endParaRPr>
-          </a:p>
-        </p:txBody>
-      </p:sp>
-      <p:sp>
-        <p:nvSpPr>
-          <p:cNvPr id="14" name="Picture Placeholder 13">
-            <a:extLst>
-              <a:ext uri="{FF2B5EF4-FFF2-40B4-BE49-F238E27FC236}">
-                <a16:creationId xmlns:a16="http://schemas.microsoft.com/office/drawing/2014/main" id="{40A2E5DA-90F8-4D16-B0E0-639466A11E64}"/>
-              </a:ext>
-            </a:extLst>
-          </p:cNvPr>
-          <p:cNvSpPr>
-            <a:spLocks noGrp="1"/>
-          </p:cNvSpPr>
-          <p:nvPr>
-            <p:ph type="pic" sz="quarter" idx="13"/>
-          </p:nvPr>
-        </p:nvSpPr>
-        <p:spPr/>
-        <p:txBody>
-          <a:bodyPr/>
-          <a:lstStyle/>
-          <a:p>
-            <a:endParaRPr lang="en-IN"/>
           </a:p>
         </p:txBody>
       </p:sp>
